--- a/CastReporting.Reporting.Core/Templates/zh-CN/Application/Component library/Generic Table Definition.pptx
+++ b/CastReporting.Reporting.Core/Templates/zh-CN/Application/Component library/Generic Table Definition.pptx
@@ -221,7 +221,7 @@
           <a:p>
             <a:fld id="{BE7CF963-E58D-FC4D-BA9E-60A980752DC6}" type="datetimeFigureOut">
               <a:rPr lang="en-US" smtClean="0"/>
-              <a:t>9/19/2019</a:t>
+              <a:t>7/2/2020</a:t>
             </a:fld>
             <a:endParaRPr lang="en-US"/>
           </a:p>
@@ -878,7 +878,7 @@
           <a:p>
             <a:fld id="{B590C078-9131-4E49-8A0D-400FEE8377B5}" type="datetimeFigureOut">
               <a:rPr lang="en-US" smtClean="0"/>
-              <a:t>9/19/2019</a:t>
+              <a:t>7/2/2020</a:t>
             </a:fld>
             <a:endParaRPr lang="en-US"/>
           </a:p>
@@ -4463,7 +4463,7 @@
           <a:p>
             <a:fld id="{B590C078-9131-4E49-8A0D-400FEE8377B5}" type="datetimeFigureOut">
               <a:rPr lang="en-US" smtClean="0"/>
-              <a:t>9/19/2019</a:t>
+              <a:t>7/2/2020</a:t>
             </a:fld>
             <a:endParaRPr lang="en-US"/>
           </a:p>
@@ -8541,7 +8541,7 @@
           <a:p>
             <a:fld id="{B590C078-9131-4E49-8A0D-400FEE8377B5}" type="datetimeFigureOut">
               <a:rPr lang="en-US" smtClean="0"/>
-              <a:t>9/19/2019</a:t>
+              <a:t>7/2/2020</a:t>
             </a:fld>
             <a:endParaRPr lang="en-US"/>
           </a:p>
@@ -12366,7 +12366,7 @@
           <a:p>
             <a:fld id="{B590C078-9131-4E49-8A0D-400FEE8377B5}" type="datetimeFigureOut">
               <a:rPr lang="en-US" smtClean="0"/>
-              <a:t>9/19/2019</a:t>
+              <a:t>7/2/2020</a:t>
             </a:fld>
             <a:endParaRPr lang="en-US"/>
           </a:p>
@@ -21647,7 +21647,7 @@
       </p:sp>
       <p:sp>
         <p:nvSpPr>
-          <p:cNvPr id="7" name="Text Placeholder 6" descr="TABLE;GENERIC_TABLE;COL1=METRICS,ROW1=MODULES,ROW11=SNAPSHOTS,METRICS=HEALTH_FACTOR,SNAPSHOTS=CURRENT|PREVIOUS,MODULES=ALL"/>
+          <p:cNvPr id="7" name="Text Placeholder 6"/>
           <p:cNvSpPr>
             <a:spLocks noGrp="1"/>
           </p:cNvSpPr>
@@ -22285,12 +22285,12 @@
                         </a:spcAft>
                       </a:pPr>
                       <a:r>
-                        <a:rPr lang="en-GB" sz="1000">
+                        <a:rPr lang="en-GB" sz="1000" dirty="0">
                           <a:effectLst/>
                         </a:rPr>
                         <a:t>score</a:t>
                       </a:r>
-                      <a:endParaRPr lang="en-US" sz="1100">
+                      <a:endParaRPr lang="en-US" sz="1100" dirty="0">
                         <a:effectLst/>
                         <a:latin typeface="Calibri" panose="020F0502020204030204" pitchFamily="34" charset="0"/>
                         <a:ea typeface="Calibri" panose="020F0502020204030204" pitchFamily="34" charset="0"/>
@@ -22322,7 +22322,7 @@
                         </a:rPr>
                         <a:t>score</a:t>
                       </a:r>
-                      <a:endParaRPr lang="en-US" sz="1100">
+                      <a:endParaRPr lang="en-US" sz="1100" dirty="0">
                         <a:effectLst/>
                         <a:latin typeface="Calibri" panose="020F0502020204030204" pitchFamily="34" charset="0"/>
                         <a:ea typeface="Calibri" panose="020F0502020204030204" pitchFamily="34" charset="0"/>

--- a/CastReporting.Reporting.Core/Templates/zh-CN/Application/Component library/Generic Table Definition.pptx
+++ b/CastReporting.Reporting.Core/Templates/zh-CN/Application/Component library/Generic Table Definition.pptx
@@ -221,7 +221,7 @@
           <a:p>
             <a:fld id="{BE7CF963-E58D-FC4D-BA9E-60A980752DC6}" type="datetimeFigureOut">
               <a:rPr lang="en-US" smtClean="0"/>
-              <a:t>7/2/2020</a:t>
+              <a:t>7/21/2020</a:t>
             </a:fld>
             <a:endParaRPr lang="en-US"/>
           </a:p>
@@ -878,7 +878,7 @@
           <a:p>
             <a:fld id="{B590C078-9131-4E49-8A0D-400FEE8377B5}" type="datetimeFigureOut">
               <a:rPr lang="en-US" smtClean="0"/>
-              <a:t>7/2/2020</a:t>
+              <a:t>7/21/2020</a:t>
             </a:fld>
             <a:endParaRPr lang="en-US"/>
           </a:p>
@@ -4463,7 +4463,7 @@
           <a:p>
             <a:fld id="{B590C078-9131-4E49-8A0D-400FEE8377B5}" type="datetimeFigureOut">
               <a:rPr lang="en-US" smtClean="0"/>
-              <a:t>7/2/2020</a:t>
+              <a:t>7/21/2020</a:t>
             </a:fld>
             <a:endParaRPr lang="en-US"/>
           </a:p>
@@ -8541,7 +8541,7 @@
           <a:p>
             <a:fld id="{B590C078-9131-4E49-8A0D-400FEE8377B5}" type="datetimeFigureOut">
               <a:rPr lang="en-US" smtClean="0"/>
-              <a:t>7/2/2020</a:t>
+              <a:t>7/21/2020</a:t>
             </a:fld>
             <a:endParaRPr lang="en-US"/>
           </a:p>
@@ -12366,7 +12366,7 @@
           <a:p>
             <a:fld id="{B590C078-9131-4E49-8A0D-400FEE8377B5}" type="datetimeFigureOut">
               <a:rPr lang="en-US" smtClean="0"/>
-              <a:t>7/2/2020</a:t>
+              <a:t>7/21/2020</a:t>
             </a:fld>
             <a:endParaRPr lang="en-US"/>
           </a:p>
@@ -14701,7 +14701,14 @@
           <a:p>
             <a:r>
               <a:rPr lang="en-US" sz="1400" dirty="0"/>
-              <a:t>TABLE;GENERIC_TABLE;COL1=CUSTOM_EXPRESSIONS,ROW1=MODULES,SNAPSHOTS=CURRENT,CUSTOM_EXPRESSIONS=(</a:t>
+              <a:t>TABLE;GENERIC_TABLE;COL1=CUSTOM_EXPRESSIONS,ROW1=MODULES,SNAPSHOTS=CURRENT,</a:t>
+            </a:r>
+            <a:br>
+              <a:rPr lang="en-US" sz="1400" dirty="0"/>
+            </a:br>
+            <a:r>
+              <a:rPr lang="en-US" sz="1400" dirty="0"/>
+              <a:t>CUSTOM_EXPRESSIONS=(</a:t>
             </a:r>
             <a:r>
               <a:rPr lang="en-US" sz="1400" dirty="0" err="1"/>
@@ -14713,19 +14720,18 @@
             </a:r>
             <a:r>
               <a:rPr lang="en-US" sz="1400" dirty="0" err="1"/>
-              <a:t>d,PARAMS</a:t>
+              <a:t>d|e+f,PARAMS</a:t>
             </a:r>
             <a:r>
               <a:rPr lang="en-US" sz="1400" dirty="0"/>
-              <a:t>=QR a QR b SZ c SZ </a:t>
-            </a:r>
-            <a:r>
-              <a:rPr lang="en-US" sz="1400" dirty="0" err="1"/>
-              <a:t>d,a</a:t>
-            </a:r>
-            <a:r>
+              <a:t>=QR a QR b SZ c SZ d SZ e SZ f,</a:t>
+            </a:r>
+            <a:br>
               <a:rPr lang="en-US" sz="1400" dirty="0"/>
-              <a:t>=60013,b=60014,c=67211,d=10151,MODULES=ALL</a:t>
+            </a:br>
+            <a:r>
+              <a:rPr lang="en-US" sz="1400" dirty="0"/>
+              <a:t>a=60013,b=60014,c=67211,d=10151,e=65504,f=65505,MODULES=ALL</a:t>
             </a:r>
           </a:p>
         </p:txBody>
@@ -14762,21 +14768,21 @@
       </p:pic>
       <p:graphicFrame>
         <p:nvGraphicFramePr>
-          <p:cNvPr id="6" name="Table 5" descr="TABLE;GENERIC_TABLE;COL1=CUSTOM_EXPRESSIONS,ROW1=MODULES,SNAPSHOTS=CURRENT,CUSTOM_EXPRESSIONS=(a+b)/2|c/d,PARAMS=QR a QR b SZ c SZ d,a=60013,b=60014,c=67211,d=10151,MODULES=ALL"/>
+          <p:cNvPr id="6" name="Table 5" descr="TABLE;GENERIC_TABLE;COL1=CUSTOM_EXPRESSIONS,ROW1=MODULES,SNAPSHOTS=CURRENT,CUSTOM_EXPRESSIONS=(a+b)/2|c/d|e+f,PARAMS=QR a QR b SZ c SZ d SZ e SZ f,a=60013,b=60014,c=67211,d=10151,e=65504,f=65505,MODULES=ALL"/>
           <p:cNvGraphicFramePr>
             <a:graphicFrameLocks noGrp="1"/>
           </p:cNvGraphicFramePr>
           <p:nvPr>
             <p:extLst>
               <p:ext uri="{D42A27DB-BD31-4B8C-83A1-F6EECF244321}">
-                <p14:modId xmlns:p14="http://schemas.microsoft.com/office/powerpoint/2010/main" val="2885676923"/>
+                <p14:modId xmlns:p14="http://schemas.microsoft.com/office/powerpoint/2010/main" val="4072843104"/>
               </p:ext>
             </p:extLst>
           </p:nvPr>
         </p:nvGraphicFramePr>
         <p:xfrm>
           <a:off x="1369461" y="2823369"/>
-          <a:ext cx="9036999" cy="1371600"/>
+          <a:ext cx="9036998" cy="1371600"/>
         </p:xfrm>
         <a:graphic>
           <a:graphicData uri="http://schemas.openxmlformats.org/drawingml/2006/table">
@@ -14785,27 +14791,34 @@
                 <a:tableStyleId>{1E171933-4619-4E11-9A3F-F7608DF75F80}</a:tableStyleId>
               </a:tblPr>
               <a:tblGrid>
-                <a:gridCol w="4877955">
+                <a:gridCol w="3985549">
                   <a:extLst>
                     <a:ext uri="{9D8B030D-6E8A-4147-A177-3AD203B41FA5}">
                       <a16:colId xmlns:a16="http://schemas.microsoft.com/office/drawing/2014/main" val="2686098126"/>
                     </a:ext>
                   </a:extLst>
                 </a:gridCol>
-                <a:gridCol w="2135567">
+                <a:gridCol w="1744871">
                   <a:extLst>
                     <a:ext uri="{9D8B030D-6E8A-4147-A177-3AD203B41FA5}">
                       <a16:colId xmlns:a16="http://schemas.microsoft.com/office/drawing/2014/main" val="4068201546"/>
                     </a:ext>
                   </a:extLst>
                 </a:gridCol>
-                <a:gridCol w="2023477">
+                <a:gridCol w="1653289">
                   <a:extLst>
                     <a:ext uri="{9D8B030D-6E8A-4147-A177-3AD203B41FA5}">
                       <a16:colId xmlns:a16="http://schemas.microsoft.com/office/drawing/2014/main" val="20002"/>
                     </a:ext>
                   </a:extLst>
                 </a:gridCol>
+                <a:gridCol w="1653289">
+                  <a:extLst>
+                    <a:ext uri="{9D8B030D-6E8A-4147-A177-3AD203B41FA5}">
+                      <a16:colId xmlns:a16="http://schemas.microsoft.com/office/drawing/2014/main" val="1525733042"/>
+                    </a:ext>
+                  </a:extLst>
+                </a:gridCol>
               </a:tblGrid>
               <a:tr h="191479">
                 <a:tc>
@@ -14853,6 +14866,21 @@
                         <a:rPr lang="en-US" sz="900" dirty="0"/>
                         <a:t>c/d</a:t>
                       </a:r>
+                    </a:p>
+                  </a:txBody>
+                  <a:tcPr anchor="ctr"/>
+                </a:tc>
+                <a:tc>
+                  <a:txBody>
+                    <a:bodyPr/>
+                    <a:lstStyle/>
+                    <a:p>
+                      <a:pPr algn="ctr"/>
+                      <a:r>
+                        <a:rPr lang="en-US" sz="900" dirty="0" err="1"/>
+                        <a:t>e+f</a:t>
+                      </a:r>
+                      <a:endParaRPr lang="en-US" sz="900" dirty="0"/>
                     </a:p>
                   </a:txBody>
                   <a:tcPr anchor="ctr"/>
@@ -14905,6 +14933,20 @@
                   </a:txBody>
                   <a:tcPr anchor="ctr"/>
                 </a:tc>
+                <a:tc>
+                  <a:txBody>
+                    <a:bodyPr/>
+                    <a:lstStyle/>
+                    <a:p>
+                      <a:pPr algn="ctr"/>
+                      <a:r>
+                        <a:rPr lang="en-US" sz="900" dirty="0"/>
+                        <a:t>number</a:t>
+                      </a:r>
+                    </a:p>
+                  </a:txBody>
+                  <a:tcPr anchor="ctr"/>
+                </a:tc>
                 <a:extLst>
                   <a:ext uri="{0D108BD9-81ED-4DB2-BD59-A6C34878D82A}">
                     <a16:rowId xmlns:a16="http://schemas.microsoft.com/office/drawing/2014/main" val="651313564"/>
@@ -14953,6 +14995,20 @@
                   </a:txBody>
                   <a:tcPr anchor="ctr"/>
                 </a:tc>
+                <a:tc>
+                  <a:txBody>
+                    <a:bodyPr/>
+                    <a:lstStyle/>
+                    <a:p>
+                      <a:pPr algn="ctr"/>
+                      <a:r>
+                        <a:rPr lang="en-US" sz="900" dirty="0"/>
+                        <a:t>number</a:t>
+                      </a:r>
+                    </a:p>
+                  </a:txBody>
+                  <a:tcPr anchor="ctr"/>
+                </a:tc>
                 <a:extLst>
                   <a:ext uri="{0D108BD9-81ED-4DB2-BD59-A6C34878D82A}">
                     <a16:rowId xmlns:a16="http://schemas.microsoft.com/office/drawing/2014/main" val="258950862"/>
@@ -15001,6 +15057,20 @@
                   </a:txBody>
                   <a:tcPr anchor="ctr"/>
                 </a:tc>
+                <a:tc>
+                  <a:txBody>
+                    <a:bodyPr/>
+                    <a:lstStyle/>
+                    <a:p>
+                      <a:pPr algn="ctr"/>
+                      <a:r>
+                        <a:rPr lang="en-US" sz="900" dirty="0"/>
+                        <a:t>number</a:t>
+                      </a:r>
+                    </a:p>
+                  </a:txBody>
+                  <a:tcPr anchor="ctr"/>
+                </a:tc>
                 <a:extLst>
                   <a:ext uri="{0D108BD9-81ED-4DB2-BD59-A6C34878D82A}">
                     <a16:rowId xmlns:a16="http://schemas.microsoft.com/office/drawing/2014/main" val="396502939"/>
@@ -15049,6 +15119,20 @@
                   </a:txBody>
                   <a:tcPr anchor="ctr"/>
                 </a:tc>
+                <a:tc>
+                  <a:txBody>
+                    <a:bodyPr/>
+                    <a:lstStyle/>
+                    <a:p>
+                      <a:pPr algn="ctr"/>
+                      <a:r>
+                        <a:rPr lang="en-US" sz="900" dirty="0"/>
+                        <a:t>number</a:t>
+                      </a:r>
+                    </a:p>
+                  </a:txBody>
+                  <a:tcPr anchor="ctr"/>
+                </a:tc>
                 <a:extLst>
                   <a:ext uri="{0D108BD9-81ED-4DB2-BD59-A6C34878D82A}">
                     <a16:rowId xmlns:a16="http://schemas.microsoft.com/office/drawing/2014/main" val="798638133"/>
@@ -15064,6 +15148,20 @@
                       <a:r>
                         <a:rPr lang="en-US" sz="900" dirty="0"/>
                         <a:t>…</a:t>
+                      </a:r>
+                    </a:p>
+                  </a:txBody>
+                  <a:tcPr anchor="ctr"/>
+                </a:tc>
+                <a:tc>
+                  <a:txBody>
+                    <a:bodyPr/>
+                    <a:lstStyle/>
+                    <a:p>
+                      <a:pPr algn="ctr"/>
+                      <a:r>
+                        <a:rPr lang="en-US" sz="900" dirty="0"/>
+                        <a:t>number</a:t>
                       </a:r>
                     </a:p>
                   </a:txBody>

--- a/CastReporting.Reporting.Core/Templates/zh-CN/Application/Component library/Generic Table Definition.pptx
+++ b/CastReporting.Reporting.Core/Templates/zh-CN/Application/Component library/Generic Table Definition.pptx
@@ -5,7 +5,7 @@
     <p:sldMasterId id="2147483648" r:id="rId1"/>
   </p:sldMasterIdLst>
   <p:notesMasterIdLst>
-    <p:notesMasterId r:id="rId16"/>
+    <p:notesMasterId r:id="rId17"/>
   </p:notesMasterIdLst>
   <p:sldIdLst>
     <p:sldId id="342" r:id="rId2"/>
@@ -21,7 +21,8 @@
     <p:sldId id="385" r:id="rId12"/>
     <p:sldId id="387" r:id="rId13"/>
     <p:sldId id="388" r:id="rId14"/>
-    <p:sldId id="386" r:id="rId15"/>
+    <p:sldId id="389" r:id="rId15"/>
+    <p:sldId id="386" r:id="rId16"/>
   </p:sldIdLst>
   <p:sldSz cx="12192000" cy="6858000"/>
   <p:notesSz cx="6858000" cy="9144000"/>
@@ -221,7 +222,7 @@
           <a:p>
             <a:fld id="{BE7CF963-E58D-FC4D-BA9E-60A980752DC6}" type="datetimeFigureOut">
               <a:rPr lang="en-US" smtClean="0"/>
-              <a:t>7/21/2020</a:t>
+              <a:t>10/22/2021</a:t>
             </a:fld>
             <a:endParaRPr lang="en-US"/>
           </a:p>
@@ -878,7 +879,7 @@
           <a:p>
             <a:fld id="{B590C078-9131-4E49-8A0D-400FEE8377B5}" type="datetimeFigureOut">
               <a:rPr lang="en-US" smtClean="0"/>
-              <a:t>7/21/2020</a:t>
+              <a:t>10/22/2021</a:t>
             </a:fld>
             <a:endParaRPr lang="en-US"/>
           </a:p>
@@ -4463,7 +4464,7 @@
           <a:p>
             <a:fld id="{B590C078-9131-4E49-8A0D-400FEE8377B5}" type="datetimeFigureOut">
               <a:rPr lang="en-US" smtClean="0"/>
-              <a:t>7/21/2020</a:t>
+              <a:t>10/22/2021</a:t>
             </a:fld>
             <a:endParaRPr lang="en-US"/>
           </a:p>
@@ -8541,7 +8542,7 @@
           <a:p>
             <a:fld id="{B590C078-9131-4E49-8A0D-400FEE8377B5}" type="datetimeFigureOut">
               <a:rPr lang="en-US" smtClean="0"/>
-              <a:t>7/21/2020</a:t>
+              <a:t>10/22/2021</a:t>
             </a:fld>
             <a:endParaRPr lang="en-US"/>
           </a:p>
@@ -12366,7 +12367,7 @@
           <a:p>
             <a:fld id="{B590C078-9131-4E49-8A0D-400FEE8377B5}" type="datetimeFigureOut">
               <a:rPr lang="en-US" smtClean="0"/>
-              <a:t>7/21/2020</a:t>
+              <a:t>10/22/2021</a:t>
             </a:fld>
             <a:endParaRPr lang="en-US"/>
           </a:p>
@@ -15252,7 +15253,7 @@
           <a:p>
             <a:r>
               <a:rPr lang="en-US" dirty="0"/>
-              <a:t>Notes</a:t>
+              <a:t>SAMPLE 6</a:t>
             </a:r>
           </a:p>
         </p:txBody>
@@ -15273,6 +15274,1666 @@
           <a:lstStyle/>
           <a:p>
             <a:r>
+              <a:rPr lang="en-GB" dirty="0"/>
+              <a:t>Table to monitor technologies on iso technical debt added and removed</a:t>
+            </a:r>
+            <a:endParaRPr lang="en-US" dirty="0"/>
+          </a:p>
+          <a:p>
+            <a:r>
+              <a:rPr lang="en-US" sz="1400" dirty="0"/>
+              <a:t>TABLE;GENERIC_TABLE;COL1=METRICS,ROW1=TECHNOLOGIES,ROW11=OMG_TECHNICAL_DEBT,METRICS=1061001|1061002|1061003|1061004,OMG_TECHNICAL_DEBT=ADDED|REMOVED,TECHNOLOGIES=ALL,SNAPSHOTS=CURRENT</a:t>
+            </a:r>
+          </a:p>
+        </p:txBody>
+      </p:sp>
+      <p:pic>
+        <p:nvPicPr>
+          <p:cNvPr id="4" name="Picture 3"/>
+          <p:cNvPicPr>
+            <a:picLocks noChangeAspect="1"/>
+          </p:cNvPicPr>
+          <p:nvPr/>
+        </p:nvPicPr>
+        <p:blipFill>
+          <a:blip r:embed="rId2">
+            <a:extLst>
+              <a:ext uri="{28A0092B-C50C-407E-A947-70E740481C1C}">
+                <a14:useLocalDpi xmlns:a14="http://schemas.microsoft.com/office/drawing/2010/main" val="0"/>
+              </a:ext>
+            </a:extLst>
+          </a:blip>
+          <a:stretch>
+            <a:fillRect/>
+          </a:stretch>
+        </p:blipFill>
+        <p:spPr>
+          <a:xfrm>
+            <a:off x="258603" y="127459"/>
+            <a:ext cx="655797" cy="657255"/>
+          </a:xfrm>
+          <a:prstGeom prst="rect">
+            <a:avLst/>
+          </a:prstGeom>
+        </p:spPr>
+      </p:pic>
+      <p:graphicFrame>
+        <p:nvGraphicFramePr>
+          <p:cNvPr id="6" name="Table 5" descr="TABLE;GENERIC_TABLE;COL1=METRICS,ROW1=TECHNOLOGIES,ROW11=OMG_TECHNICAL_DEBT,METRICS=1061001|1061002|1061003|1061004,OMG_TECHNICAL_DEBT=ADDED|REMOVED,TECHNOLOGIES=ALL,SNAPSHOTS=CURRENT"/>
+          <p:cNvGraphicFramePr>
+            <a:graphicFrameLocks noGrp="1"/>
+          </p:cNvGraphicFramePr>
+          <p:nvPr>
+            <p:extLst>
+              <p:ext uri="{D42A27DB-BD31-4B8C-83A1-F6EECF244321}">
+                <p14:modId xmlns:p14="http://schemas.microsoft.com/office/powerpoint/2010/main" val="2495398898"/>
+              </p:ext>
+            </p:extLst>
+          </p:nvPr>
+        </p:nvGraphicFramePr>
+        <p:xfrm>
+          <a:off x="2230423" y="2755963"/>
+          <a:ext cx="8001000" cy="1600200"/>
+        </p:xfrm>
+        <a:graphic>
+          <a:graphicData uri="http://schemas.openxmlformats.org/drawingml/2006/table">
+            <a:tbl>
+              <a:tblPr firstRow="1" firstCol="1" bandRow="1">
+                <a:tableStyleId>{793D81CF-94F2-401A-BA57-92F5A7B2D0C5}</a:tableStyleId>
+              </a:tblPr>
+              <a:tblGrid>
+                <a:gridCol w="2514600">
+                  <a:extLst>
+                    <a:ext uri="{9D8B030D-6E8A-4147-A177-3AD203B41FA5}">
+                      <a16:colId xmlns:a16="http://schemas.microsoft.com/office/drawing/2014/main" val="740772714"/>
+                    </a:ext>
+                  </a:extLst>
+                </a:gridCol>
+                <a:gridCol w="1097280">
+                  <a:extLst>
+                    <a:ext uri="{9D8B030D-6E8A-4147-A177-3AD203B41FA5}">
+                      <a16:colId xmlns:a16="http://schemas.microsoft.com/office/drawing/2014/main" val="3643816572"/>
+                    </a:ext>
+                  </a:extLst>
+                </a:gridCol>
+                <a:gridCol w="1097280">
+                  <a:extLst>
+                    <a:ext uri="{9D8B030D-6E8A-4147-A177-3AD203B41FA5}">
+                      <a16:colId xmlns:a16="http://schemas.microsoft.com/office/drawing/2014/main" val="2224810660"/>
+                    </a:ext>
+                  </a:extLst>
+                </a:gridCol>
+                <a:gridCol w="1097280">
+                  <a:extLst>
+                    <a:ext uri="{9D8B030D-6E8A-4147-A177-3AD203B41FA5}">
+                      <a16:colId xmlns:a16="http://schemas.microsoft.com/office/drawing/2014/main" val="2851091481"/>
+                    </a:ext>
+                  </a:extLst>
+                </a:gridCol>
+                <a:gridCol w="1097280">
+                  <a:extLst>
+                    <a:ext uri="{9D8B030D-6E8A-4147-A177-3AD203B41FA5}">
+                      <a16:colId xmlns:a16="http://schemas.microsoft.com/office/drawing/2014/main" val="120963159"/>
+                    </a:ext>
+                  </a:extLst>
+                </a:gridCol>
+                <a:gridCol w="1097280">
+                  <a:extLst>
+                    <a:ext uri="{9D8B030D-6E8A-4147-A177-3AD203B41FA5}">
+                      <a16:colId xmlns:a16="http://schemas.microsoft.com/office/drawing/2014/main" val="1988168911"/>
+                    </a:ext>
+                  </a:extLst>
+                </a:gridCol>
+              </a:tblGrid>
+              <a:tr h="228600">
+                <a:tc>
+                  <a:txBody>
+                    <a:bodyPr/>
+                    <a:lstStyle/>
+                    <a:p>
+                      <a:pPr marL="0" marR="0">
+                        <a:lnSpc>
+                          <a:spcPct val="115000"/>
+                        </a:lnSpc>
+                        <a:spcBef>
+                          <a:spcPts val="0"/>
+                        </a:spcBef>
+                        <a:spcAft>
+                          <a:spcPts val="0"/>
+                        </a:spcAft>
+                      </a:pPr>
+                      <a:r>
+                        <a:rPr lang="en-GB" sz="1000" dirty="0">
+                          <a:effectLst/>
+                        </a:rPr>
+                        <a:t>Modules </a:t>
+                      </a:r>
+                      <a:endParaRPr lang="en-US" sz="1100" dirty="0">
+                        <a:effectLst/>
+                        <a:latin typeface="Calibri" panose="020F0502020204030204" pitchFamily="34" charset="0"/>
+                        <a:ea typeface="Calibri" panose="020F0502020204030204" pitchFamily="34" charset="0"/>
+                        <a:cs typeface="Times New Roman" panose="02020603050405020304" pitchFamily="18" charset="0"/>
+                      </a:endParaRPr>
+                    </a:p>
+                  </a:txBody>
+                  <a:tcPr marL="68580" marR="68580" marT="0" marB="0" anchor="ctr"/>
+                </a:tc>
+                <a:tc>
+                  <a:txBody>
+                    <a:bodyPr/>
+                    <a:lstStyle/>
+                    <a:p>
+                      <a:pPr marL="0" marR="0" algn="ctr">
+                        <a:lnSpc>
+                          <a:spcPct val="115000"/>
+                        </a:lnSpc>
+                        <a:spcBef>
+                          <a:spcPts val="0"/>
+                        </a:spcBef>
+                        <a:spcAft>
+                          <a:spcPts val="0"/>
+                        </a:spcAft>
+                      </a:pPr>
+                      <a:r>
+                        <a:rPr lang="en-GB" sz="1000">
+                          <a:effectLst/>
+                        </a:rPr>
+                        <a:t>HF1</a:t>
+                      </a:r>
+                      <a:endParaRPr lang="en-US" sz="1100">
+                        <a:effectLst/>
+                        <a:latin typeface="Calibri" panose="020F0502020204030204" pitchFamily="34" charset="0"/>
+                        <a:ea typeface="Calibri" panose="020F0502020204030204" pitchFamily="34" charset="0"/>
+                        <a:cs typeface="Times New Roman" panose="02020603050405020304" pitchFamily="18" charset="0"/>
+                      </a:endParaRPr>
+                    </a:p>
+                  </a:txBody>
+                  <a:tcPr marL="68580" marR="68580" marT="0" marB="0" anchor="ctr"/>
+                </a:tc>
+                <a:tc>
+                  <a:txBody>
+                    <a:bodyPr/>
+                    <a:lstStyle/>
+                    <a:p>
+                      <a:pPr marL="0" marR="0" algn="ctr">
+                        <a:lnSpc>
+                          <a:spcPct val="115000"/>
+                        </a:lnSpc>
+                        <a:spcBef>
+                          <a:spcPts val="0"/>
+                        </a:spcBef>
+                        <a:spcAft>
+                          <a:spcPts val="0"/>
+                        </a:spcAft>
+                      </a:pPr>
+                      <a:r>
+                        <a:rPr lang="en-GB" sz="1000" dirty="0">
+                          <a:effectLst/>
+                        </a:rPr>
+                        <a:t>HF2</a:t>
+                      </a:r>
+                      <a:endParaRPr lang="en-US" sz="1100" dirty="0">
+                        <a:effectLst/>
+                        <a:latin typeface="Calibri" panose="020F0502020204030204" pitchFamily="34" charset="0"/>
+                        <a:ea typeface="Calibri" panose="020F0502020204030204" pitchFamily="34" charset="0"/>
+                        <a:cs typeface="Times New Roman" panose="02020603050405020304" pitchFamily="18" charset="0"/>
+                      </a:endParaRPr>
+                    </a:p>
+                  </a:txBody>
+                  <a:tcPr marL="68580" marR="68580" marT="0" marB="0" anchor="ctr"/>
+                </a:tc>
+                <a:tc>
+                  <a:txBody>
+                    <a:bodyPr/>
+                    <a:lstStyle/>
+                    <a:p>
+                      <a:pPr marL="0" marR="0" algn="ctr">
+                        <a:lnSpc>
+                          <a:spcPct val="115000"/>
+                        </a:lnSpc>
+                        <a:spcBef>
+                          <a:spcPts val="0"/>
+                        </a:spcBef>
+                        <a:spcAft>
+                          <a:spcPts val="0"/>
+                        </a:spcAft>
+                      </a:pPr>
+                      <a:r>
+                        <a:rPr lang="en-GB" sz="1000">
+                          <a:effectLst/>
+                        </a:rPr>
+                        <a:t>HF3</a:t>
+                      </a:r>
+                      <a:endParaRPr lang="en-US" sz="1100">
+                        <a:effectLst/>
+                        <a:latin typeface="Calibri" panose="020F0502020204030204" pitchFamily="34" charset="0"/>
+                        <a:ea typeface="Calibri" panose="020F0502020204030204" pitchFamily="34" charset="0"/>
+                        <a:cs typeface="Times New Roman" panose="02020603050405020304" pitchFamily="18" charset="0"/>
+                      </a:endParaRPr>
+                    </a:p>
+                  </a:txBody>
+                  <a:tcPr marL="68580" marR="68580" marT="0" marB="0" anchor="ctr"/>
+                </a:tc>
+                <a:tc>
+                  <a:txBody>
+                    <a:bodyPr/>
+                    <a:lstStyle/>
+                    <a:p>
+                      <a:pPr marL="0" marR="0" algn="ctr">
+                        <a:lnSpc>
+                          <a:spcPct val="115000"/>
+                        </a:lnSpc>
+                        <a:spcBef>
+                          <a:spcPts val="0"/>
+                        </a:spcBef>
+                        <a:spcAft>
+                          <a:spcPts val="0"/>
+                        </a:spcAft>
+                      </a:pPr>
+                      <a:r>
+                        <a:rPr lang="en-GB" sz="1000" dirty="0">
+                          <a:effectLst/>
+                        </a:rPr>
+                        <a:t>HF4</a:t>
+                      </a:r>
+                      <a:endParaRPr lang="en-US" sz="1100" dirty="0">
+                        <a:effectLst/>
+                        <a:latin typeface="Calibri" panose="020F0502020204030204" pitchFamily="34" charset="0"/>
+                        <a:ea typeface="Calibri" panose="020F0502020204030204" pitchFamily="34" charset="0"/>
+                        <a:cs typeface="Times New Roman" panose="02020603050405020304" pitchFamily="18" charset="0"/>
+                      </a:endParaRPr>
+                    </a:p>
+                  </a:txBody>
+                  <a:tcPr marL="68580" marR="68580" marT="0" marB="0" anchor="ctr"/>
+                </a:tc>
+                <a:tc>
+                  <a:txBody>
+                    <a:bodyPr/>
+                    <a:lstStyle/>
+                    <a:p>
+                      <a:pPr marL="0" marR="0" algn="ctr">
+                        <a:lnSpc>
+                          <a:spcPct val="115000"/>
+                        </a:lnSpc>
+                        <a:spcBef>
+                          <a:spcPts val="0"/>
+                        </a:spcBef>
+                        <a:spcAft>
+                          <a:spcPts val="0"/>
+                        </a:spcAft>
+                      </a:pPr>
+                      <a:r>
+                        <a:rPr lang="en-GB" sz="1000" dirty="0">
+                          <a:effectLst/>
+                        </a:rPr>
+                        <a:t>HF5</a:t>
+                      </a:r>
+                      <a:endParaRPr lang="en-US" sz="1100" dirty="0">
+                        <a:effectLst/>
+                        <a:latin typeface="Calibri" panose="020F0502020204030204" pitchFamily="34" charset="0"/>
+                        <a:ea typeface="Calibri" panose="020F0502020204030204" pitchFamily="34" charset="0"/>
+                        <a:cs typeface="Times New Roman" panose="02020603050405020304" pitchFamily="18" charset="0"/>
+                      </a:endParaRPr>
+                    </a:p>
+                  </a:txBody>
+                  <a:tcPr marL="68580" marR="68580" marT="0" marB="0" anchor="ctr"/>
+                </a:tc>
+                <a:extLst>
+                  <a:ext uri="{0D108BD9-81ED-4DB2-BD59-A6C34878D82A}">
+                    <a16:rowId xmlns:a16="http://schemas.microsoft.com/office/drawing/2014/main" val="3690877628"/>
+                  </a:ext>
+                </a:extLst>
+              </a:tr>
+              <a:tr h="228600">
+                <a:tc>
+                  <a:txBody>
+                    <a:bodyPr/>
+                    <a:lstStyle/>
+                    <a:p>
+                      <a:pPr marL="0" marR="0">
+                        <a:lnSpc>
+                          <a:spcPct val="115000"/>
+                        </a:lnSpc>
+                        <a:spcBef>
+                          <a:spcPts val="0"/>
+                        </a:spcBef>
+                        <a:spcAft>
+                          <a:spcPts val="0"/>
+                        </a:spcAft>
+                      </a:pPr>
+                      <a:r>
+                        <a:rPr lang="en-GB" sz="1000" dirty="0">
+                          <a:effectLst/>
+                        </a:rPr>
+                        <a:t>Techno 1</a:t>
+                      </a:r>
+                      <a:endParaRPr lang="en-US" sz="1100" dirty="0">
+                        <a:effectLst/>
+                        <a:latin typeface="Calibri" panose="020F0502020204030204" pitchFamily="34" charset="0"/>
+                        <a:ea typeface="Calibri" panose="020F0502020204030204" pitchFamily="34" charset="0"/>
+                        <a:cs typeface="Times New Roman" panose="02020603050405020304" pitchFamily="18" charset="0"/>
+                      </a:endParaRPr>
+                    </a:p>
+                  </a:txBody>
+                  <a:tcPr marL="68580" marR="68580" marT="0" marB="0" anchor="ctr"/>
+                </a:tc>
+                <a:tc>
+                  <a:txBody>
+                    <a:bodyPr/>
+                    <a:lstStyle/>
+                    <a:p>
+                      <a:pPr marL="0" marR="0" algn="ctr">
+                        <a:lnSpc>
+                          <a:spcPct val="115000"/>
+                        </a:lnSpc>
+                        <a:spcBef>
+                          <a:spcPts val="0"/>
+                        </a:spcBef>
+                        <a:spcAft>
+                          <a:spcPts val="0"/>
+                        </a:spcAft>
+                      </a:pPr>
+                      <a:r>
+                        <a:rPr lang="en-GB" sz="1000">
+                          <a:effectLst/>
+                        </a:rPr>
+                        <a:t> </a:t>
+                      </a:r>
+                      <a:endParaRPr lang="en-US" sz="1100">
+                        <a:effectLst/>
+                        <a:latin typeface="Calibri" panose="020F0502020204030204" pitchFamily="34" charset="0"/>
+                        <a:ea typeface="Calibri" panose="020F0502020204030204" pitchFamily="34" charset="0"/>
+                        <a:cs typeface="Times New Roman" panose="02020603050405020304" pitchFamily="18" charset="0"/>
+                      </a:endParaRPr>
+                    </a:p>
+                  </a:txBody>
+                  <a:tcPr marL="68580" marR="68580" marT="0" marB="0" anchor="ctr"/>
+                </a:tc>
+                <a:tc>
+                  <a:txBody>
+                    <a:bodyPr/>
+                    <a:lstStyle/>
+                    <a:p>
+                      <a:pPr marL="0" marR="0" algn="ctr">
+                        <a:lnSpc>
+                          <a:spcPct val="115000"/>
+                        </a:lnSpc>
+                        <a:spcBef>
+                          <a:spcPts val="0"/>
+                        </a:spcBef>
+                        <a:spcAft>
+                          <a:spcPts val="0"/>
+                        </a:spcAft>
+                      </a:pPr>
+                      <a:r>
+                        <a:rPr lang="en-GB" sz="1000">
+                          <a:effectLst/>
+                        </a:rPr>
+                        <a:t> </a:t>
+                      </a:r>
+                      <a:endParaRPr lang="en-US" sz="1100">
+                        <a:effectLst/>
+                        <a:latin typeface="Calibri" panose="020F0502020204030204" pitchFamily="34" charset="0"/>
+                        <a:ea typeface="Calibri" panose="020F0502020204030204" pitchFamily="34" charset="0"/>
+                        <a:cs typeface="Times New Roman" panose="02020603050405020304" pitchFamily="18" charset="0"/>
+                      </a:endParaRPr>
+                    </a:p>
+                  </a:txBody>
+                  <a:tcPr marL="68580" marR="68580" marT="0" marB="0" anchor="ctr"/>
+                </a:tc>
+                <a:tc>
+                  <a:txBody>
+                    <a:bodyPr/>
+                    <a:lstStyle/>
+                    <a:p>
+                      <a:pPr marL="0" marR="0" algn="ctr">
+                        <a:lnSpc>
+                          <a:spcPct val="115000"/>
+                        </a:lnSpc>
+                        <a:spcBef>
+                          <a:spcPts val="0"/>
+                        </a:spcBef>
+                        <a:spcAft>
+                          <a:spcPts val="0"/>
+                        </a:spcAft>
+                      </a:pPr>
+                      <a:r>
+                        <a:rPr lang="en-GB" sz="1000">
+                          <a:effectLst/>
+                        </a:rPr>
+                        <a:t> </a:t>
+                      </a:r>
+                      <a:endParaRPr lang="en-US" sz="1100">
+                        <a:effectLst/>
+                        <a:latin typeface="Calibri" panose="020F0502020204030204" pitchFamily="34" charset="0"/>
+                        <a:ea typeface="Calibri" panose="020F0502020204030204" pitchFamily="34" charset="0"/>
+                        <a:cs typeface="Times New Roman" panose="02020603050405020304" pitchFamily="18" charset="0"/>
+                      </a:endParaRPr>
+                    </a:p>
+                  </a:txBody>
+                  <a:tcPr marL="68580" marR="68580" marT="0" marB="0" anchor="ctr"/>
+                </a:tc>
+                <a:tc>
+                  <a:txBody>
+                    <a:bodyPr/>
+                    <a:lstStyle/>
+                    <a:p>
+                      <a:pPr marL="0" marR="0" algn="ctr">
+                        <a:lnSpc>
+                          <a:spcPct val="115000"/>
+                        </a:lnSpc>
+                        <a:spcBef>
+                          <a:spcPts val="0"/>
+                        </a:spcBef>
+                        <a:spcAft>
+                          <a:spcPts val="0"/>
+                        </a:spcAft>
+                      </a:pPr>
+                      <a:r>
+                        <a:rPr lang="en-GB" sz="1000">
+                          <a:effectLst/>
+                        </a:rPr>
+                        <a:t> </a:t>
+                      </a:r>
+                      <a:endParaRPr lang="en-US" sz="1100">
+                        <a:effectLst/>
+                        <a:latin typeface="Calibri" panose="020F0502020204030204" pitchFamily="34" charset="0"/>
+                        <a:ea typeface="Calibri" panose="020F0502020204030204" pitchFamily="34" charset="0"/>
+                        <a:cs typeface="Times New Roman" panose="02020603050405020304" pitchFamily="18" charset="0"/>
+                      </a:endParaRPr>
+                    </a:p>
+                  </a:txBody>
+                  <a:tcPr marL="68580" marR="68580" marT="0" marB="0" anchor="ctr"/>
+                </a:tc>
+                <a:tc>
+                  <a:txBody>
+                    <a:bodyPr/>
+                    <a:lstStyle/>
+                    <a:p>
+                      <a:pPr marL="0" marR="0" algn="ctr">
+                        <a:lnSpc>
+                          <a:spcPct val="115000"/>
+                        </a:lnSpc>
+                        <a:spcBef>
+                          <a:spcPts val="0"/>
+                        </a:spcBef>
+                        <a:spcAft>
+                          <a:spcPts val="0"/>
+                        </a:spcAft>
+                      </a:pPr>
+                      <a:r>
+                        <a:rPr lang="en-GB" sz="1000" dirty="0">
+                          <a:effectLst/>
+                        </a:rPr>
+                        <a:t> </a:t>
+                      </a:r>
+                      <a:endParaRPr lang="en-US" sz="1100" dirty="0">
+                        <a:effectLst/>
+                        <a:latin typeface="Calibri" panose="020F0502020204030204" pitchFamily="34" charset="0"/>
+                        <a:ea typeface="Calibri" panose="020F0502020204030204" pitchFamily="34" charset="0"/>
+                        <a:cs typeface="Times New Roman" panose="02020603050405020304" pitchFamily="18" charset="0"/>
+                      </a:endParaRPr>
+                    </a:p>
+                  </a:txBody>
+                  <a:tcPr marL="68580" marR="68580" marT="0" marB="0" anchor="ctr"/>
+                </a:tc>
+                <a:extLst>
+                  <a:ext uri="{0D108BD9-81ED-4DB2-BD59-A6C34878D82A}">
+                    <a16:rowId xmlns:a16="http://schemas.microsoft.com/office/drawing/2014/main" val="3015420128"/>
+                  </a:ext>
+                </a:extLst>
+              </a:tr>
+              <a:tr h="228600">
+                <a:tc>
+                  <a:txBody>
+                    <a:bodyPr/>
+                    <a:lstStyle/>
+                    <a:p>
+                      <a:pPr marL="0" marR="0">
+                        <a:lnSpc>
+                          <a:spcPct val="115000"/>
+                        </a:lnSpc>
+                        <a:spcBef>
+                          <a:spcPts val="0"/>
+                        </a:spcBef>
+                        <a:spcAft>
+                          <a:spcPts val="0"/>
+                        </a:spcAft>
+                      </a:pPr>
+                      <a:r>
+                        <a:rPr lang="en-GB" sz="1000" dirty="0">
+                          <a:effectLst/>
+                        </a:rPr>
+                        <a:t>     technical debt added</a:t>
+                      </a:r>
+                      <a:r>
+                        <a:rPr lang="en-GB" sz="1100" dirty="0">
+                          <a:effectLst/>
+                        </a:rPr>
+                        <a:t> (Days)</a:t>
+                      </a:r>
+                      <a:endParaRPr lang="en-US" sz="1100" b="0" dirty="0">
+                        <a:effectLst/>
+                        <a:latin typeface="Calibri" panose="020F0502020204030204" pitchFamily="34" charset="0"/>
+                        <a:ea typeface="Calibri" panose="020F0502020204030204" pitchFamily="34" charset="0"/>
+                        <a:cs typeface="Times New Roman" panose="02020603050405020304" pitchFamily="18" charset="0"/>
+                      </a:endParaRPr>
+                    </a:p>
+                  </a:txBody>
+                  <a:tcPr marL="68580" marR="68580" marT="0" marB="0" anchor="ctr"/>
+                </a:tc>
+                <a:tc>
+                  <a:txBody>
+                    <a:bodyPr/>
+                    <a:lstStyle/>
+                    <a:p>
+                      <a:pPr marL="0" marR="0" algn="ctr">
+                        <a:lnSpc>
+                          <a:spcPct val="115000"/>
+                        </a:lnSpc>
+                        <a:spcBef>
+                          <a:spcPts val="0"/>
+                        </a:spcBef>
+                        <a:spcAft>
+                          <a:spcPts val="0"/>
+                        </a:spcAft>
+                      </a:pPr>
+                      <a:r>
+                        <a:rPr lang="en-GB" sz="1000" dirty="0">
+                          <a:effectLst/>
+                        </a:rPr>
+                        <a:t>number</a:t>
+                      </a:r>
+                      <a:endParaRPr lang="en-US" sz="1100" dirty="0">
+                        <a:effectLst/>
+                        <a:latin typeface="Calibri" panose="020F0502020204030204" pitchFamily="34" charset="0"/>
+                        <a:ea typeface="Calibri" panose="020F0502020204030204" pitchFamily="34" charset="0"/>
+                        <a:cs typeface="Times New Roman" panose="02020603050405020304" pitchFamily="18" charset="0"/>
+                      </a:endParaRPr>
+                    </a:p>
+                  </a:txBody>
+                  <a:tcPr marL="68580" marR="68580" marT="0" marB="0" anchor="ctr"/>
+                </a:tc>
+                <a:tc>
+                  <a:txBody>
+                    <a:bodyPr/>
+                    <a:lstStyle/>
+                    <a:p>
+                      <a:pPr marL="0" marR="0" algn="ctr">
+                        <a:lnSpc>
+                          <a:spcPct val="115000"/>
+                        </a:lnSpc>
+                        <a:spcBef>
+                          <a:spcPts val="0"/>
+                        </a:spcBef>
+                        <a:spcAft>
+                          <a:spcPts val="0"/>
+                        </a:spcAft>
+                      </a:pPr>
+                      <a:r>
+                        <a:rPr lang="en-GB" sz="1000">
+                          <a:effectLst/>
+                        </a:rPr>
+                        <a:t>number</a:t>
+                      </a:r>
+                      <a:endParaRPr lang="en-US" sz="1100">
+                        <a:effectLst/>
+                        <a:latin typeface="Calibri" panose="020F0502020204030204" pitchFamily="34" charset="0"/>
+                        <a:ea typeface="Calibri" panose="020F0502020204030204" pitchFamily="34" charset="0"/>
+                        <a:cs typeface="Times New Roman" panose="02020603050405020304" pitchFamily="18" charset="0"/>
+                      </a:endParaRPr>
+                    </a:p>
+                  </a:txBody>
+                  <a:tcPr marL="68580" marR="68580" marT="0" marB="0" anchor="ctr"/>
+                </a:tc>
+                <a:tc>
+                  <a:txBody>
+                    <a:bodyPr/>
+                    <a:lstStyle/>
+                    <a:p>
+                      <a:pPr marL="0" marR="0" algn="ctr">
+                        <a:lnSpc>
+                          <a:spcPct val="115000"/>
+                        </a:lnSpc>
+                        <a:spcBef>
+                          <a:spcPts val="0"/>
+                        </a:spcBef>
+                        <a:spcAft>
+                          <a:spcPts val="0"/>
+                        </a:spcAft>
+                      </a:pPr>
+                      <a:r>
+                        <a:rPr lang="en-GB" sz="1000">
+                          <a:effectLst/>
+                        </a:rPr>
+                        <a:t>number</a:t>
+                      </a:r>
+                      <a:endParaRPr lang="en-US" sz="1100">
+                        <a:effectLst/>
+                        <a:latin typeface="Calibri" panose="020F0502020204030204" pitchFamily="34" charset="0"/>
+                        <a:ea typeface="Calibri" panose="020F0502020204030204" pitchFamily="34" charset="0"/>
+                        <a:cs typeface="Times New Roman" panose="02020603050405020304" pitchFamily="18" charset="0"/>
+                      </a:endParaRPr>
+                    </a:p>
+                  </a:txBody>
+                  <a:tcPr marL="68580" marR="68580" marT="0" marB="0" anchor="ctr"/>
+                </a:tc>
+                <a:tc>
+                  <a:txBody>
+                    <a:bodyPr/>
+                    <a:lstStyle/>
+                    <a:p>
+                      <a:pPr marL="0" marR="0" algn="ctr">
+                        <a:lnSpc>
+                          <a:spcPct val="115000"/>
+                        </a:lnSpc>
+                        <a:spcBef>
+                          <a:spcPts val="0"/>
+                        </a:spcBef>
+                        <a:spcAft>
+                          <a:spcPts val="0"/>
+                        </a:spcAft>
+                      </a:pPr>
+                      <a:r>
+                        <a:rPr lang="en-GB" sz="1000">
+                          <a:effectLst/>
+                        </a:rPr>
+                        <a:t>number</a:t>
+                      </a:r>
+                      <a:endParaRPr lang="en-US" sz="1100">
+                        <a:effectLst/>
+                        <a:latin typeface="Calibri" panose="020F0502020204030204" pitchFamily="34" charset="0"/>
+                        <a:ea typeface="Calibri" panose="020F0502020204030204" pitchFamily="34" charset="0"/>
+                        <a:cs typeface="Times New Roman" panose="02020603050405020304" pitchFamily="18" charset="0"/>
+                      </a:endParaRPr>
+                    </a:p>
+                  </a:txBody>
+                  <a:tcPr marL="68580" marR="68580" marT="0" marB="0" anchor="ctr"/>
+                </a:tc>
+                <a:tc>
+                  <a:txBody>
+                    <a:bodyPr/>
+                    <a:lstStyle/>
+                    <a:p>
+                      <a:pPr marL="0" marR="0" algn="ctr">
+                        <a:lnSpc>
+                          <a:spcPct val="115000"/>
+                        </a:lnSpc>
+                        <a:spcBef>
+                          <a:spcPts val="0"/>
+                        </a:spcBef>
+                        <a:spcAft>
+                          <a:spcPts val="0"/>
+                        </a:spcAft>
+                      </a:pPr>
+                      <a:r>
+                        <a:rPr lang="en-GB" sz="1000" dirty="0">
+                          <a:effectLst/>
+                        </a:rPr>
+                        <a:t>Number</a:t>
+                      </a:r>
+                      <a:endParaRPr lang="en-US" sz="1100" dirty="0">
+                        <a:effectLst/>
+                        <a:latin typeface="Calibri" panose="020F0502020204030204" pitchFamily="34" charset="0"/>
+                        <a:ea typeface="Calibri" panose="020F0502020204030204" pitchFamily="34" charset="0"/>
+                        <a:cs typeface="Times New Roman" panose="02020603050405020304" pitchFamily="18" charset="0"/>
+                      </a:endParaRPr>
+                    </a:p>
+                  </a:txBody>
+                  <a:tcPr marL="68580" marR="68580" marT="0" marB="0" anchor="ctr"/>
+                </a:tc>
+                <a:extLst>
+                  <a:ext uri="{0D108BD9-81ED-4DB2-BD59-A6C34878D82A}">
+                    <a16:rowId xmlns:a16="http://schemas.microsoft.com/office/drawing/2014/main" val="854991624"/>
+                  </a:ext>
+                </a:extLst>
+              </a:tr>
+              <a:tr h="228600">
+                <a:tc>
+                  <a:txBody>
+                    <a:bodyPr/>
+                    <a:lstStyle/>
+                    <a:p>
+                      <a:pPr marL="0" marR="0">
+                        <a:lnSpc>
+                          <a:spcPct val="115000"/>
+                        </a:lnSpc>
+                        <a:spcBef>
+                          <a:spcPts val="0"/>
+                        </a:spcBef>
+                        <a:spcAft>
+                          <a:spcPts val="0"/>
+                        </a:spcAft>
+                      </a:pPr>
+                      <a:r>
+                        <a:rPr lang="en-GB" sz="1000" dirty="0">
+                          <a:effectLst/>
+                        </a:rPr>
+                        <a:t>     technical debt removed (Days)</a:t>
+                      </a:r>
+                      <a:endParaRPr lang="en-US" sz="1100" b="0" dirty="0">
+                        <a:effectLst/>
+                        <a:latin typeface="Calibri" panose="020F0502020204030204" pitchFamily="34" charset="0"/>
+                        <a:ea typeface="Calibri" panose="020F0502020204030204" pitchFamily="34" charset="0"/>
+                        <a:cs typeface="Times New Roman" panose="02020603050405020304" pitchFamily="18" charset="0"/>
+                      </a:endParaRPr>
+                    </a:p>
+                  </a:txBody>
+                  <a:tcPr marL="68580" marR="68580" marT="0" marB="0" anchor="ctr"/>
+                </a:tc>
+                <a:tc>
+                  <a:txBody>
+                    <a:bodyPr/>
+                    <a:lstStyle/>
+                    <a:p>
+                      <a:pPr marL="0" marR="0" algn="ctr">
+                        <a:lnSpc>
+                          <a:spcPct val="115000"/>
+                        </a:lnSpc>
+                        <a:spcBef>
+                          <a:spcPts val="0"/>
+                        </a:spcBef>
+                        <a:spcAft>
+                          <a:spcPts val="0"/>
+                        </a:spcAft>
+                      </a:pPr>
+                      <a:r>
+                        <a:rPr lang="en-GB" sz="1000">
+                          <a:effectLst/>
+                        </a:rPr>
+                        <a:t>number</a:t>
+                      </a:r>
+                      <a:endParaRPr lang="en-US" sz="1100">
+                        <a:effectLst/>
+                        <a:latin typeface="Calibri" panose="020F0502020204030204" pitchFamily="34" charset="0"/>
+                        <a:ea typeface="Calibri" panose="020F0502020204030204" pitchFamily="34" charset="0"/>
+                        <a:cs typeface="Times New Roman" panose="02020603050405020304" pitchFamily="18" charset="0"/>
+                      </a:endParaRPr>
+                    </a:p>
+                  </a:txBody>
+                  <a:tcPr marL="68580" marR="68580" marT="0" marB="0" anchor="ctr"/>
+                </a:tc>
+                <a:tc>
+                  <a:txBody>
+                    <a:bodyPr/>
+                    <a:lstStyle/>
+                    <a:p>
+                      <a:pPr marL="0" marR="0" algn="ctr">
+                        <a:lnSpc>
+                          <a:spcPct val="115000"/>
+                        </a:lnSpc>
+                        <a:spcBef>
+                          <a:spcPts val="0"/>
+                        </a:spcBef>
+                        <a:spcAft>
+                          <a:spcPts val="0"/>
+                        </a:spcAft>
+                      </a:pPr>
+                      <a:r>
+                        <a:rPr lang="en-GB" sz="1000">
+                          <a:effectLst/>
+                        </a:rPr>
+                        <a:t>Number</a:t>
+                      </a:r>
+                      <a:endParaRPr lang="en-US" sz="1100">
+                        <a:effectLst/>
+                        <a:latin typeface="Calibri" panose="020F0502020204030204" pitchFamily="34" charset="0"/>
+                        <a:ea typeface="Calibri" panose="020F0502020204030204" pitchFamily="34" charset="0"/>
+                        <a:cs typeface="Times New Roman" panose="02020603050405020304" pitchFamily="18" charset="0"/>
+                      </a:endParaRPr>
+                    </a:p>
+                  </a:txBody>
+                  <a:tcPr marL="68580" marR="68580" marT="0" marB="0" anchor="ctr"/>
+                </a:tc>
+                <a:tc>
+                  <a:txBody>
+                    <a:bodyPr/>
+                    <a:lstStyle/>
+                    <a:p>
+                      <a:pPr marL="0" marR="0" algn="ctr">
+                        <a:lnSpc>
+                          <a:spcPct val="115000"/>
+                        </a:lnSpc>
+                        <a:spcBef>
+                          <a:spcPts val="0"/>
+                        </a:spcBef>
+                        <a:spcAft>
+                          <a:spcPts val="0"/>
+                        </a:spcAft>
+                      </a:pPr>
+                      <a:r>
+                        <a:rPr lang="en-GB" sz="1000">
+                          <a:effectLst/>
+                        </a:rPr>
+                        <a:t>number</a:t>
+                      </a:r>
+                      <a:endParaRPr lang="en-US" sz="1100">
+                        <a:effectLst/>
+                        <a:latin typeface="Calibri" panose="020F0502020204030204" pitchFamily="34" charset="0"/>
+                        <a:ea typeface="Calibri" panose="020F0502020204030204" pitchFamily="34" charset="0"/>
+                        <a:cs typeface="Times New Roman" panose="02020603050405020304" pitchFamily="18" charset="0"/>
+                      </a:endParaRPr>
+                    </a:p>
+                  </a:txBody>
+                  <a:tcPr marL="68580" marR="68580" marT="0" marB="0" anchor="ctr"/>
+                </a:tc>
+                <a:tc>
+                  <a:txBody>
+                    <a:bodyPr/>
+                    <a:lstStyle/>
+                    <a:p>
+                      <a:pPr marL="0" marR="0" algn="ctr">
+                        <a:lnSpc>
+                          <a:spcPct val="115000"/>
+                        </a:lnSpc>
+                        <a:spcBef>
+                          <a:spcPts val="0"/>
+                        </a:spcBef>
+                        <a:spcAft>
+                          <a:spcPts val="0"/>
+                        </a:spcAft>
+                      </a:pPr>
+                      <a:r>
+                        <a:rPr lang="en-GB" sz="1000">
+                          <a:effectLst/>
+                        </a:rPr>
+                        <a:t>Number</a:t>
+                      </a:r>
+                      <a:endParaRPr lang="en-US" sz="1100">
+                        <a:effectLst/>
+                        <a:latin typeface="Calibri" panose="020F0502020204030204" pitchFamily="34" charset="0"/>
+                        <a:ea typeface="Calibri" panose="020F0502020204030204" pitchFamily="34" charset="0"/>
+                        <a:cs typeface="Times New Roman" panose="02020603050405020304" pitchFamily="18" charset="0"/>
+                      </a:endParaRPr>
+                    </a:p>
+                  </a:txBody>
+                  <a:tcPr marL="68580" marR="68580" marT="0" marB="0" anchor="ctr"/>
+                </a:tc>
+                <a:tc>
+                  <a:txBody>
+                    <a:bodyPr/>
+                    <a:lstStyle/>
+                    <a:p>
+                      <a:pPr marL="0" marR="0" algn="ctr">
+                        <a:lnSpc>
+                          <a:spcPct val="115000"/>
+                        </a:lnSpc>
+                        <a:spcBef>
+                          <a:spcPts val="0"/>
+                        </a:spcBef>
+                        <a:spcAft>
+                          <a:spcPts val="0"/>
+                        </a:spcAft>
+                      </a:pPr>
+                      <a:r>
+                        <a:rPr lang="en-GB" sz="1000" dirty="0">
+                          <a:effectLst/>
+                        </a:rPr>
+                        <a:t>Number</a:t>
+                      </a:r>
+                      <a:endParaRPr lang="en-US" sz="1100" dirty="0">
+                        <a:effectLst/>
+                        <a:latin typeface="Calibri" panose="020F0502020204030204" pitchFamily="34" charset="0"/>
+                        <a:ea typeface="Calibri" panose="020F0502020204030204" pitchFamily="34" charset="0"/>
+                        <a:cs typeface="Times New Roman" panose="02020603050405020304" pitchFamily="18" charset="0"/>
+                      </a:endParaRPr>
+                    </a:p>
+                  </a:txBody>
+                  <a:tcPr marL="68580" marR="68580" marT="0" marB="0" anchor="ctr"/>
+                </a:tc>
+                <a:extLst>
+                  <a:ext uri="{0D108BD9-81ED-4DB2-BD59-A6C34878D82A}">
+                    <a16:rowId xmlns:a16="http://schemas.microsoft.com/office/drawing/2014/main" val="2600531140"/>
+                  </a:ext>
+                </a:extLst>
+              </a:tr>
+              <a:tr h="228600">
+                <a:tc>
+                  <a:txBody>
+                    <a:bodyPr/>
+                    <a:lstStyle/>
+                    <a:p>
+                      <a:pPr marL="0" marR="0">
+                        <a:lnSpc>
+                          <a:spcPct val="115000"/>
+                        </a:lnSpc>
+                        <a:spcBef>
+                          <a:spcPts val="0"/>
+                        </a:spcBef>
+                        <a:spcAft>
+                          <a:spcPts val="0"/>
+                        </a:spcAft>
+                      </a:pPr>
+                      <a:r>
+                        <a:rPr lang="en-GB" sz="1000" dirty="0">
+                          <a:effectLst/>
+                        </a:rPr>
+                        <a:t>Techno …</a:t>
+                      </a:r>
+                      <a:endParaRPr lang="en-US" sz="1100" dirty="0">
+                        <a:effectLst/>
+                        <a:latin typeface="Calibri" panose="020F0502020204030204" pitchFamily="34" charset="0"/>
+                        <a:ea typeface="Calibri" panose="020F0502020204030204" pitchFamily="34" charset="0"/>
+                        <a:cs typeface="Times New Roman" panose="02020603050405020304" pitchFamily="18" charset="0"/>
+                      </a:endParaRPr>
+                    </a:p>
+                  </a:txBody>
+                  <a:tcPr marL="68580" marR="68580" marT="0" marB="0" anchor="ctr"/>
+                </a:tc>
+                <a:tc>
+                  <a:txBody>
+                    <a:bodyPr/>
+                    <a:lstStyle/>
+                    <a:p>
+                      <a:pPr marL="0" marR="0" algn="ctr">
+                        <a:lnSpc>
+                          <a:spcPct val="115000"/>
+                        </a:lnSpc>
+                        <a:spcBef>
+                          <a:spcPts val="0"/>
+                        </a:spcBef>
+                        <a:spcAft>
+                          <a:spcPts val="0"/>
+                        </a:spcAft>
+                      </a:pPr>
+                      <a:r>
+                        <a:rPr lang="en-GB" sz="1000">
+                          <a:effectLst/>
+                        </a:rPr>
+                        <a:t> </a:t>
+                      </a:r>
+                      <a:endParaRPr lang="en-US" sz="1100">
+                        <a:effectLst/>
+                        <a:latin typeface="Calibri" panose="020F0502020204030204" pitchFamily="34" charset="0"/>
+                        <a:ea typeface="Calibri" panose="020F0502020204030204" pitchFamily="34" charset="0"/>
+                        <a:cs typeface="Times New Roman" panose="02020603050405020304" pitchFamily="18" charset="0"/>
+                      </a:endParaRPr>
+                    </a:p>
+                  </a:txBody>
+                  <a:tcPr marL="68580" marR="68580" marT="0" marB="0" anchor="ctr"/>
+                </a:tc>
+                <a:tc>
+                  <a:txBody>
+                    <a:bodyPr/>
+                    <a:lstStyle/>
+                    <a:p>
+                      <a:pPr marL="0" marR="0" algn="ctr">
+                        <a:lnSpc>
+                          <a:spcPct val="115000"/>
+                        </a:lnSpc>
+                        <a:spcBef>
+                          <a:spcPts val="0"/>
+                        </a:spcBef>
+                        <a:spcAft>
+                          <a:spcPts val="0"/>
+                        </a:spcAft>
+                      </a:pPr>
+                      <a:r>
+                        <a:rPr lang="en-GB" sz="1000">
+                          <a:effectLst/>
+                        </a:rPr>
+                        <a:t> </a:t>
+                      </a:r>
+                      <a:endParaRPr lang="en-US" sz="1100">
+                        <a:effectLst/>
+                        <a:latin typeface="Calibri" panose="020F0502020204030204" pitchFamily="34" charset="0"/>
+                        <a:ea typeface="Calibri" panose="020F0502020204030204" pitchFamily="34" charset="0"/>
+                        <a:cs typeface="Times New Roman" panose="02020603050405020304" pitchFamily="18" charset="0"/>
+                      </a:endParaRPr>
+                    </a:p>
+                  </a:txBody>
+                  <a:tcPr marL="68580" marR="68580" marT="0" marB="0" anchor="ctr"/>
+                </a:tc>
+                <a:tc>
+                  <a:txBody>
+                    <a:bodyPr/>
+                    <a:lstStyle/>
+                    <a:p>
+                      <a:pPr marL="0" marR="0" algn="ctr">
+                        <a:lnSpc>
+                          <a:spcPct val="115000"/>
+                        </a:lnSpc>
+                        <a:spcBef>
+                          <a:spcPts val="0"/>
+                        </a:spcBef>
+                        <a:spcAft>
+                          <a:spcPts val="0"/>
+                        </a:spcAft>
+                      </a:pPr>
+                      <a:r>
+                        <a:rPr lang="en-GB" sz="1000">
+                          <a:effectLst/>
+                        </a:rPr>
+                        <a:t> </a:t>
+                      </a:r>
+                      <a:endParaRPr lang="en-US" sz="1100">
+                        <a:effectLst/>
+                        <a:latin typeface="Calibri" panose="020F0502020204030204" pitchFamily="34" charset="0"/>
+                        <a:ea typeface="Calibri" panose="020F0502020204030204" pitchFamily="34" charset="0"/>
+                        <a:cs typeface="Times New Roman" panose="02020603050405020304" pitchFamily="18" charset="0"/>
+                      </a:endParaRPr>
+                    </a:p>
+                  </a:txBody>
+                  <a:tcPr marL="68580" marR="68580" marT="0" marB="0" anchor="ctr"/>
+                </a:tc>
+                <a:tc>
+                  <a:txBody>
+                    <a:bodyPr/>
+                    <a:lstStyle/>
+                    <a:p>
+                      <a:pPr marL="0" marR="0" algn="ctr">
+                        <a:lnSpc>
+                          <a:spcPct val="115000"/>
+                        </a:lnSpc>
+                        <a:spcBef>
+                          <a:spcPts val="0"/>
+                        </a:spcBef>
+                        <a:spcAft>
+                          <a:spcPts val="0"/>
+                        </a:spcAft>
+                      </a:pPr>
+                      <a:r>
+                        <a:rPr lang="en-GB" sz="1000">
+                          <a:effectLst/>
+                        </a:rPr>
+                        <a:t> </a:t>
+                      </a:r>
+                      <a:endParaRPr lang="en-US" sz="1100">
+                        <a:effectLst/>
+                        <a:latin typeface="Calibri" panose="020F0502020204030204" pitchFamily="34" charset="0"/>
+                        <a:ea typeface="Calibri" panose="020F0502020204030204" pitchFamily="34" charset="0"/>
+                        <a:cs typeface="Times New Roman" panose="02020603050405020304" pitchFamily="18" charset="0"/>
+                      </a:endParaRPr>
+                    </a:p>
+                  </a:txBody>
+                  <a:tcPr marL="68580" marR="68580" marT="0" marB="0" anchor="ctr"/>
+                </a:tc>
+                <a:tc>
+                  <a:txBody>
+                    <a:bodyPr/>
+                    <a:lstStyle/>
+                    <a:p>
+                      <a:pPr marL="0" marR="0" algn="ctr">
+                        <a:lnSpc>
+                          <a:spcPct val="115000"/>
+                        </a:lnSpc>
+                        <a:spcBef>
+                          <a:spcPts val="0"/>
+                        </a:spcBef>
+                        <a:spcAft>
+                          <a:spcPts val="0"/>
+                        </a:spcAft>
+                      </a:pPr>
+                      <a:r>
+                        <a:rPr lang="en-GB" sz="1000" dirty="0">
+                          <a:effectLst/>
+                        </a:rPr>
+                        <a:t> </a:t>
+                      </a:r>
+                      <a:endParaRPr lang="en-US" sz="1100" dirty="0">
+                        <a:effectLst/>
+                        <a:latin typeface="Calibri" panose="020F0502020204030204" pitchFamily="34" charset="0"/>
+                        <a:ea typeface="Calibri" panose="020F0502020204030204" pitchFamily="34" charset="0"/>
+                        <a:cs typeface="Times New Roman" panose="02020603050405020304" pitchFamily="18" charset="0"/>
+                      </a:endParaRPr>
+                    </a:p>
+                  </a:txBody>
+                  <a:tcPr marL="68580" marR="68580" marT="0" marB="0" anchor="ctr"/>
+                </a:tc>
+                <a:extLst>
+                  <a:ext uri="{0D108BD9-81ED-4DB2-BD59-A6C34878D82A}">
+                    <a16:rowId xmlns:a16="http://schemas.microsoft.com/office/drawing/2014/main" val="3959955328"/>
+                  </a:ext>
+                </a:extLst>
+              </a:tr>
+              <a:tr h="228600">
+                <a:tc>
+                  <a:txBody>
+                    <a:bodyPr/>
+                    <a:lstStyle/>
+                    <a:p>
+                      <a:pPr marL="0" marR="0">
+                        <a:lnSpc>
+                          <a:spcPct val="115000"/>
+                        </a:lnSpc>
+                        <a:spcBef>
+                          <a:spcPts val="0"/>
+                        </a:spcBef>
+                        <a:spcAft>
+                          <a:spcPts val="0"/>
+                        </a:spcAft>
+                      </a:pPr>
+                      <a:r>
+                        <a:rPr lang="en-GB" sz="1000" dirty="0">
+                          <a:effectLst/>
+                        </a:rPr>
+                        <a:t>      technical debt added</a:t>
+                      </a:r>
+                      <a:r>
+                        <a:rPr lang="en-GB" sz="1100" dirty="0">
+                          <a:effectLst/>
+                        </a:rPr>
+                        <a:t> (Days)</a:t>
+                      </a:r>
+                      <a:endParaRPr lang="en-US" sz="1100" b="0" dirty="0">
+                        <a:effectLst/>
+                        <a:latin typeface="Calibri" panose="020F0502020204030204" pitchFamily="34" charset="0"/>
+                        <a:ea typeface="Calibri" panose="020F0502020204030204" pitchFamily="34" charset="0"/>
+                        <a:cs typeface="Times New Roman" panose="02020603050405020304" pitchFamily="18" charset="0"/>
+                      </a:endParaRPr>
+                    </a:p>
+                  </a:txBody>
+                  <a:tcPr marL="68580" marR="68580" marT="0" marB="0" anchor="ctr"/>
+                </a:tc>
+                <a:tc>
+                  <a:txBody>
+                    <a:bodyPr/>
+                    <a:lstStyle/>
+                    <a:p>
+                      <a:pPr marL="0" marR="0" algn="ctr">
+                        <a:lnSpc>
+                          <a:spcPct val="115000"/>
+                        </a:lnSpc>
+                        <a:spcBef>
+                          <a:spcPts val="0"/>
+                        </a:spcBef>
+                        <a:spcAft>
+                          <a:spcPts val="0"/>
+                        </a:spcAft>
+                      </a:pPr>
+                      <a:r>
+                        <a:rPr lang="en-GB" sz="1000" dirty="0">
+                          <a:effectLst/>
+                        </a:rPr>
+                        <a:t>number</a:t>
+                      </a:r>
+                      <a:endParaRPr lang="en-US" sz="1100" dirty="0">
+                        <a:effectLst/>
+                        <a:latin typeface="Calibri" panose="020F0502020204030204" pitchFamily="34" charset="0"/>
+                        <a:ea typeface="Calibri" panose="020F0502020204030204" pitchFamily="34" charset="0"/>
+                        <a:cs typeface="Times New Roman" panose="02020603050405020304" pitchFamily="18" charset="0"/>
+                      </a:endParaRPr>
+                    </a:p>
+                  </a:txBody>
+                  <a:tcPr marL="68580" marR="68580" marT="0" marB="0" anchor="ctr"/>
+                </a:tc>
+                <a:tc>
+                  <a:txBody>
+                    <a:bodyPr/>
+                    <a:lstStyle/>
+                    <a:p>
+                      <a:pPr marL="0" marR="0" algn="ctr">
+                        <a:lnSpc>
+                          <a:spcPct val="115000"/>
+                        </a:lnSpc>
+                        <a:spcBef>
+                          <a:spcPts val="0"/>
+                        </a:spcBef>
+                        <a:spcAft>
+                          <a:spcPts val="0"/>
+                        </a:spcAft>
+                      </a:pPr>
+                      <a:r>
+                        <a:rPr lang="en-GB" sz="1000">
+                          <a:effectLst/>
+                        </a:rPr>
+                        <a:t>number</a:t>
+                      </a:r>
+                      <a:endParaRPr lang="en-US" sz="1100">
+                        <a:effectLst/>
+                        <a:latin typeface="Calibri" panose="020F0502020204030204" pitchFamily="34" charset="0"/>
+                        <a:ea typeface="Calibri" panose="020F0502020204030204" pitchFamily="34" charset="0"/>
+                        <a:cs typeface="Times New Roman" panose="02020603050405020304" pitchFamily="18" charset="0"/>
+                      </a:endParaRPr>
+                    </a:p>
+                  </a:txBody>
+                  <a:tcPr marL="68580" marR="68580" marT="0" marB="0" anchor="ctr"/>
+                </a:tc>
+                <a:tc>
+                  <a:txBody>
+                    <a:bodyPr/>
+                    <a:lstStyle/>
+                    <a:p>
+                      <a:pPr marL="0" marR="0" algn="ctr">
+                        <a:lnSpc>
+                          <a:spcPct val="115000"/>
+                        </a:lnSpc>
+                        <a:spcBef>
+                          <a:spcPts val="0"/>
+                        </a:spcBef>
+                        <a:spcAft>
+                          <a:spcPts val="0"/>
+                        </a:spcAft>
+                      </a:pPr>
+                      <a:r>
+                        <a:rPr lang="en-GB" sz="1000">
+                          <a:effectLst/>
+                        </a:rPr>
+                        <a:t>Number</a:t>
+                      </a:r>
+                      <a:endParaRPr lang="en-US" sz="1100">
+                        <a:effectLst/>
+                        <a:latin typeface="Calibri" panose="020F0502020204030204" pitchFamily="34" charset="0"/>
+                        <a:ea typeface="Calibri" panose="020F0502020204030204" pitchFamily="34" charset="0"/>
+                        <a:cs typeface="Times New Roman" panose="02020603050405020304" pitchFamily="18" charset="0"/>
+                      </a:endParaRPr>
+                    </a:p>
+                  </a:txBody>
+                  <a:tcPr marL="68580" marR="68580" marT="0" marB="0" anchor="ctr"/>
+                </a:tc>
+                <a:tc>
+                  <a:txBody>
+                    <a:bodyPr/>
+                    <a:lstStyle/>
+                    <a:p>
+                      <a:pPr marL="0" marR="0" algn="ctr">
+                        <a:lnSpc>
+                          <a:spcPct val="115000"/>
+                        </a:lnSpc>
+                        <a:spcBef>
+                          <a:spcPts val="0"/>
+                        </a:spcBef>
+                        <a:spcAft>
+                          <a:spcPts val="0"/>
+                        </a:spcAft>
+                      </a:pPr>
+                      <a:r>
+                        <a:rPr lang="en-GB" sz="1000">
+                          <a:effectLst/>
+                        </a:rPr>
+                        <a:t>number</a:t>
+                      </a:r>
+                      <a:endParaRPr lang="en-US" sz="1100">
+                        <a:effectLst/>
+                        <a:latin typeface="Calibri" panose="020F0502020204030204" pitchFamily="34" charset="0"/>
+                        <a:ea typeface="Calibri" panose="020F0502020204030204" pitchFamily="34" charset="0"/>
+                        <a:cs typeface="Times New Roman" panose="02020603050405020304" pitchFamily="18" charset="0"/>
+                      </a:endParaRPr>
+                    </a:p>
+                  </a:txBody>
+                  <a:tcPr marL="68580" marR="68580" marT="0" marB="0" anchor="ctr"/>
+                </a:tc>
+                <a:tc>
+                  <a:txBody>
+                    <a:bodyPr/>
+                    <a:lstStyle/>
+                    <a:p>
+                      <a:pPr marL="0" marR="0" algn="ctr">
+                        <a:lnSpc>
+                          <a:spcPct val="115000"/>
+                        </a:lnSpc>
+                        <a:spcBef>
+                          <a:spcPts val="0"/>
+                        </a:spcBef>
+                        <a:spcAft>
+                          <a:spcPts val="0"/>
+                        </a:spcAft>
+                      </a:pPr>
+                      <a:r>
+                        <a:rPr lang="en-GB" sz="1000" dirty="0">
+                          <a:effectLst/>
+                        </a:rPr>
+                        <a:t>Number</a:t>
+                      </a:r>
+                      <a:endParaRPr lang="en-US" sz="1100" dirty="0">
+                        <a:effectLst/>
+                        <a:latin typeface="Calibri" panose="020F0502020204030204" pitchFamily="34" charset="0"/>
+                        <a:ea typeface="Calibri" panose="020F0502020204030204" pitchFamily="34" charset="0"/>
+                        <a:cs typeface="Times New Roman" panose="02020603050405020304" pitchFamily="18" charset="0"/>
+                      </a:endParaRPr>
+                    </a:p>
+                  </a:txBody>
+                  <a:tcPr marL="68580" marR="68580" marT="0" marB="0" anchor="ctr"/>
+                </a:tc>
+                <a:extLst>
+                  <a:ext uri="{0D108BD9-81ED-4DB2-BD59-A6C34878D82A}">
+                    <a16:rowId xmlns:a16="http://schemas.microsoft.com/office/drawing/2014/main" val="2236576383"/>
+                  </a:ext>
+                </a:extLst>
+              </a:tr>
+              <a:tr h="228600">
+                <a:tc>
+                  <a:txBody>
+                    <a:bodyPr/>
+                    <a:lstStyle/>
+                    <a:p>
+                      <a:pPr marL="0" marR="0">
+                        <a:lnSpc>
+                          <a:spcPct val="115000"/>
+                        </a:lnSpc>
+                        <a:spcBef>
+                          <a:spcPts val="0"/>
+                        </a:spcBef>
+                        <a:spcAft>
+                          <a:spcPts val="0"/>
+                        </a:spcAft>
+                      </a:pPr>
+                      <a:r>
+                        <a:rPr lang="en-GB" sz="1000" dirty="0">
+                          <a:effectLst/>
+                        </a:rPr>
+                        <a:t>      technical debt removed</a:t>
+                      </a:r>
+                      <a:r>
+                        <a:rPr lang="en-GB" sz="1100" dirty="0">
+                          <a:effectLst/>
+                        </a:rPr>
+                        <a:t> (Days)</a:t>
+                      </a:r>
+                      <a:endParaRPr lang="en-US" sz="1100" b="0" dirty="0">
+                        <a:effectLst/>
+                        <a:latin typeface="Calibri" panose="020F0502020204030204" pitchFamily="34" charset="0"/>
+                        <a:ea typeface="Calibri" panose="020F0502020204030204" pitchFamily="34" charset="0"/>
+                        <a:cs typeface="Times New Roman" panose="02020603050405020304" pitchFamily="18" charset="0"/>
+                      </a:endParaRPr>
+                    </a:p>
+                  </a:txBody>
+                  <a:tcPr marL="68580" marR="68580" marT="0" marB="0" anchor="ctr"/>
+                </a:tc>
+                <a:tc>
+                  <a:txBody>
+                    <a:bodyPr/>
+                    <a:lstStyle/>
+                    <a:p>
+                      <a:pPr marL="0" marR="0" algn="ctr">
+                        <a:lnSpc>
+                          <a:spcPct val="115000"/>
+                        </a:lnSpc>
+                        <a:spcBef>
+                          <a:spcPts val="0"/>
+                        </a:spcBef>
+                        <a:spcAft>
+                          <a:spcPts val="0"/>
+                        </a:spcAft>
+                      </a:pPr>
+                      <a:r>
+                        <a:rPr lang="en-GB" sz="1000" dirty="0">
+                          <a:effectLst/>
+                        </a:rPr>
+                        <a:t>number</a:t>
+                      </a:r>
+                      <a:endParaRPr lang="en-US" sz="1100" dirty="0">
+                        <a:effectLst/>
+                        <a:latin typeface="Calibri" panose="020F0502020204030204" pitchFamily="34" charset="0"/>
+                        <a:ea typeface="Calibri" panose="020F0502020204030204" pitchFamily="34" charset="0"/>
+                        <a:cs typeface="Times New Roman" panose="02020603050405020304" pitchFamily="18" charset="0"/>
+                      </a:endParaRPr>
+                    </a:p>
+                  </a:txBody>
+                  <a:tcPr marL="68580" marR="68580" marT="0" marB="0" anchor="ctr"/>
+                </a:tc>
+                <a:tc>
+                  <a:txBody>
+                    <a:bodyPr/>
+                    <a:lstStyle/>
+                    <a:p>
+                      <a:pPr marL="0" marR="0" algn="ctr">
+                        <a:lnSpc>
+                          <a:spcPct val="115000"/>
+                        </a:lnSpc>
+                        <a:spcBef>
+                          <a:spcPts val="0"/>
+                        </a:spcBef>
+                        <a:spcAft>
+                          <a:spcPts val="0"/>
+                        </a:spcAft>
+                      </a:pPr>
+                      <a:r>
+                        <a:rPr lang="en-GB" sz="1000" dirty="0">
+                          <a:effectLst/>
+                        </a:rPr>
+                        <a:t>Number</a:t>
+                      </a:r>
+                      <a:endParaRPr lang="en-US" sz="1100" dirty="0">
+                        <a:effectLst/>
+                        <a:latin typeface="Calibri" panose="020F0502020204030204" pitchFamily="34" charset="0"/>
+                        <a:ea typeface="Calibri" panose="020F0502020204030204" pitchFamily="34" charset="0"/>
+                        <a:cs typeface="Times New Roman" panose="02020603050405020304" pitchFamily="18" charset="0"/>
+                      </a:endParaRPr>
+                    </a:p>
+                  </a:txBody>
+                  <a:tcPr marL="68580" marR="68580" marT="0" marB="0" anchor="ctr"/>
+                </a:tc>
+                <a:tc>
+                  <a:txBody>
+                    <a:bodyPr/>
+                    <a:lstStyle/>
+                    <a:p>
+                      <a:pPr marL="0" marR="0" algn="ctr">
+                        <a:lnSpc>
+                          <a:spcPct val="115000"/>
+                        </a:lnSpc>
+                        <a:spcBef>
+                          <a:spcPts val="0"/>
+                        </a:spcBef>
+                        <a:spcAft>
+                          <a:spcPts val="0"/>
+                        </a:spcAft>
+                      </a:pPr>
+                      <a:r>
+                        <a:rPr lang="en-GB" sz="1000" dirty="0">
+                          <a:effectLst/>
+                        </a:rPr>
+                        <a:t>Number</a:t>
+                      </a:r>
+                      <a:endParaRPr lang="en-US" sz="1100" dirty="0">
+                        <a:effectLst/>
+                        <a:latin typeface="Calibri" panose="020F0502020204030204" pitchFamily="34" charset="0"/>
+                        <a:ea typeface="Calibri" panose="020F0502020204030204" pitchFamily="34" charset="0"/>
+                        <a:cs typeface="Times New Roman" panose="02020603050405020304" pitchFamily="18" charset="0"/>
+                      </a:endParaRPr>
+                    </a:p>
+                  </a:txBody>
+                  <a:tcPr marL="68580" marR="68580" marT="0" marB="0" anchor="ctr"/>
+                </a:tc>
+                <a:tc>
+                  <a:txBody>
+                    <a:bodyPr/>
+                    <a:lstStyle/>
+                    <a:p>
+                      <a:pPr marL="0" marR="0" algn="ctr">
+                        <a:lnSpc>
+                          <a:spcPct val="115000"/>
+                        </a:lnSpc>
+                        <a:spcBef>
+                          <a:spcPts val="0"/>
+                        </a:spcBef>
+                        <a:spcAft>
+                          <a:spcPts val="0"/>
+                        </a:spcAft>
+                      </a:pPr>
+                      <a:r>
+                        <a:rPr lang="en-GB" sz="1000" dirty="0">
+                          <a:effectLst/>
+                        </a:rPr>
+                        <a:t>Number</a:t>
+                      </a:r>
+                      <a:endParaRPr lang="en-US" sz="1100" dirty="0">
+                        <a:effectLst/>
+                        <a:latin typeface="Calibri" panose="020F0502020204030204" pitchFamily="34" charset="0"/>
+                        <a:ea typeface="Calibri" panose="020F0502020204030204" pitchFamily="34" charset="0"/>
+                        <a:cs typeface="Times New Roman" panose="02020603050405020304" pitchFamily="18" charset="0"/>
+                      </a:endParaRPr>
+                    </a:p>
+                  </a:txBody>
+                  <a:tcPr marL="68580" marR="68580" marT="0" marB="0" anchor="ctr"/>
+                </a:tc>
+                <a:tc>
+                  <a:txBody>
+                    <a:bodyPr/>
+                    <a:lstStyle/>
+                    <a:p>
+                      <a:pPr marL="0" marR="0" algn="ctr">
+                        <a:lnSpc>
+                          <a:spcPct val="115000"/>
+                        </a:lnSpc>
+                        <a:spcBef>
+                          <a:spcPts val="0"/>
+                        </a:spcBef>
+                        <a:spcAft>
+                          <a:spcPts val="0"/>
+                        </a:spcAft>
+                      </a:pPr>
+                      <a:r>
+                        <a:rPr lang="en-GB" sz="1000" dirty="0">
+                          <a:effectLst/>
+                        </a:rPr>
+                        <a:t>Number</a:t>
+                      </a:r>
+                      <a:endParaRPr lang="en-US" sz="1100" dirty="0">
+                        <a:effectLst/>
+                        <a:latin typeface="Calibri" panose="020F0502020204030204" pitchFamily="34" charset="0"/>
+                        <a:ea typeface="Calibri" panose="020F0502020204030204" pitchFamily="34" charset="0"/>
+                        <a:cs typeface="Times New Roman" panose="02020603050405020304" pitchFamily="18" charset="0"/>
+                      </a:endParaRPr>
+                    </a:p>
+                  </a:txBody>
+                  <a:tcPr marL="68580" marR="68580" marT="0" marB="0" anchor="ctr"/>
+                </a:tc>
+                <a:extLst>
+                  <a:ext uri="{0D108BD9-81ED-4DB2-BD59-A6C34878D82A}">
+                    <a16:rowId xmlns:a16="http://schemas.microsoft.com/office/drawing/2014/main" val="376721692"/>
+                  </a:ext>
+                </a:extLst>
+              </a:tr>
+            </a:tbl>
+          </a:graphicData>
+        </a:graphic>
+      </p:graphicFrame>
+      <p:sp>
+        <p:nvSpPr>
+          <p:cNvPr id="7" name="TextBox 6">
+            <a:extLst>
+              <a:ext uri="{FF2B5EF4-FFF2-40B4-BE49-F238E27FC236}">
+                <a16:creationId xmlns:a16="http://schemas.microsoft.com/office/drawing/2014/main" id="{2E93B3E4-2A3B-48C6-99CA-6C26D217BA02}"/>
+              </a:ext>
+            </a:extLst>
+          </p:cNvPr>
+          <p:cNvSpPr txBox="1"/>
+          <p:nvPr/>
+        </p:nvSpPr>
+        <p:spPr>
+          <a:xfrm>
+            <a:off x="914400" y="5461146"/>
+            <a:ext cx="10703859" cy="447383"/>
+          </a:xfrm>
+          <a:prstGeom prst="rect">
+            <a:avLst/>
+          </a:prstGeom>
+        </p:spPr>
+        <p:txBody>
+          <a:bodyPr vert="horz" wrap="square" lIns="91440" tIns="45720" rIns="91440" bIns="45720" rtlCol="0" anchor="t">
+            <a:noAutofit/>
+          </a:bodyPr>
+          <a:lstStyle>
+            <a:defPPr>
+              <a:defRPr lang="en-US"/>
+            </a:defPPr>
+            <a:lvl1pPr>
+              <a:defRPr sz="1200">
+                <a:solidFill>
+                  <a:schemeClr val="tx1">
+                    <a:lumMod val="50000"/>
+                    <a:lumOff val="50000"/>
+                  </a:schemeClr>
+                </a:solidFill>
+              </a:defRPr>
+            </a:lvl1pPr>
+          </a:lstStyle>
+          <a:p>
+            <a:r>
+              <a:rPr lang="en-US" dirty="0"/>
+              <a:t>*** Requires installation of OMG Technical Debt Measure (&gt;2.0.0 </a:t>
+            </a:r>
+            <a:r>
+              <a:rPr lang="en-US" dirty="0" err="1"/>
+              <a:t>funcrel</a:t>
+            </a:r>
+            <a:r>
+              <a:rPr lang="en-US" dirty="0"/>
+              <a:t>) (and ISO-5055 Index extensions and/or CISQ Index extensions)</a:t>
+            </a:r>
+          </a:p>
+          <a:p>
+            <a:r>
+              <a:rPr lang="en-US" dirty="0"/>
+              <a:t>To get results on Omg Technical Debt on a specific metric, add the axis "METRICS=M" where M is the index id (ISO, CISQ or AIP)</a:t>
+            </a:r>
+            <a:endParaRPr lang="en-GB" dirty="0"/>
+          </a:p>
+          <a:p>
+            <a:endParaRPr lang="en-US" dirty="0"/>
+          </a:p>
+        </p:txBody>
+      </p:sp>
+    </p:spTree>
+    <p:extLst>
+      <p:ext uri="{BB962C8B-B14F-4D97-AF65-F5344CB8AC3E}">
+        <p14:creationId xmlns:p14="http://schemas.microsoft.com/office/powerpoint/2010/main" val="578299614"/>
+      </p:ext>
+    </p:extLst>
+  </p:cSld>
+  <p:clrMapOvr>
+    <a:masterClrMapping/>
+  </p:clrMapOvr>
+</p:sld>
+</file>
+
+<file path=ppt/slides/slide15.xml><?xml version="1.0" encoding="utf-8"?>
+<p:sld xmlns:a="http://schemas.openxmlformats.org/drawingml/2006/main" xmlns:r="http://schemas.openxmlformats.org/officeDocument/2006/relationships" xmlns:p="http://schemas.openxmlformats.org/presentationml/2006/main">
+  <p:cSld>
+    <p:spTree>
+      <p:nvGrpSpPr>
+        <p:cNvPr id="1" name=""/>
+        <p:cNvGrpSpPr/>
+        <p:nvPr/>
+      </p:nvGrpSpPr>
+      <p:grpSpPr>
+        <a:xfrm>
+          <a:off x="0" y="0"/>
+          <a:ext cx="0" cy="0"/>
+          <a:chOff x="0" y="0"/>
+          <a:chExt cx="0" cy="0"/>
+        </a:xfrm>
+      </p:grpSpPr>
+      <p:sp>
+        <p:nvSpPr>
+          <p:cNvPr id="2" name="Title 1"/>
+          <p:cNvSpPr>
+            <a:spLocks noGrp="1"/>
+          </p:cNvSpPr>
+          <p:nvPr>
+            <p:ph type="title"/>
+          </p:nvPr>
+        </p:nvSpPr>
+        <p:spPr/>
+        <p:txBody>
+          <a:bodyPr/>
+          <a:lstStyle/>
+          <a:p>
+            <a:r>
+              <a:rPr lang="en-US" dirty="0"/>
+              <a:t>Notes</a:t>
+            </a:r>
+          </a:p>
+        </p:txBody>
+      </p:sp>
+      <p:sp>
+        <p:nvSpPr>
+          <p:cNvPr id="3" name="Text Placeholder 2"/>
+          <p:cNvSpPr>
+            <a:spLocks noGrp="1"/>
+          </p:cNvSpPr>
+          <p:nvPr>
+            <p:ph type="body" sz="quarter" idx="13"/>
+          </p:nvPr>
+        </p:nvSpPr>
+        <p:spPr/>
+        <p:txBody>
+          <a:bodyPr/>
+          <a:lstStyle/>
+          <a:p>
+            <a:r>
               <a:rPr lang="en-GB" b="1" u="sng" dirty="0"/>
               <a:t>No space can be left</a:t>
             </a:r>
@@ -15346,6 +17007,17 @@
               <a:rPr lang="en-US" dirty="0"/>
               <a:t>: if no information filled, then default value is "HEALTH_FACTOR"</a:t>
             </a:r>
+          </a:p>
+          <a:p>
+            <a:r>
+              <a:rPr lang="en-GB" b="1" dirty="0"/>
+              <a:t>OMG_TECHNICAL_DEBT</a:t>
+            </a:r>
+            <a:r>
+              <a:rPr lang="en-GB" dirty="0"/>
+              <a:t>: if no information filled, then default value is "ALL"</a:t>
+            </a:r>
+            <a:endParaRPr lang="en-US" dirty="0"/>
           </a:p>
           <a:p>
             <a:endParaRPr lang="en-US" dirty="0"/>
@@ -15416,8 +17088,8 @@
         </p:nvSpPr>
         <p:spPr>
           <a:xfrm>
-            <a:off x="328706" y="1333499"/>
-            <a:ext cx="11253694" cy="4790524"/>
+            <a:off x="328706" y="867676"/>
+            <a:ext cx="11253694" cy="5041417"/>
           </a:xfrm>
         </p:spPr>
         <p:txBody>
@@ -15436,7 +17108,7 @@
           </a:p>
           <a:p>
             <a:r>
-              <a:rPr lang="fr-FR" dirty="0">
+              <a:rPr lang="fr-FR" sz="1600" dirty="0">
                 <a:solidFill>
                   <a:schemeClr val="accent5">
                     <a:lumMod val="75000"/>
@@ -15448,7 +17120,7 @@
           </a:p>
           <a:p>
             <a:r>
-              <a:rPr lang="fr-FR" dirty="0">
+              <a:rPr lang="fr-FR" sz="1600" dirty="0">
                 <a:solidFill>
                   <a:schemeClr val="accent2"/>
                 </a:solidFill>
@@ -15457,29 +17129,22 @@
             </a:r>
           </a:p>
           <a:p>
-            <a:endParaRPr lang="fr-FR" dirty="0">
+            <a:endParaRPr lang="fr-FR" sz="1600" dirty="0">
               <a:solidFill>
                 <a:schemeClr val="accent3"/>
               </a:solidFill>
             </a:endParaRPr>
           </a:p>
           <a:p>
-            <a:endParaRPr lang="fr-FR" dirty="0">
+            <a:endParaRPr lang="fr-FR" sz="1600" dirty="0">
               <a:solidFill>
                 <a:schemeClr val="accent3"/>
               </a:solidFill>
             </a:endParaRPr>
           </a:p>
           <a:p>
-            <a:endParaRPr lang="fr-FR" dirty="0">
-              <a:solidFill>
-                <a:schemeClr val="accent3"/>
-              </a:solidFill>
-            </a:endParaRPr>
-          </a:p>
-          <a:p>
-            <a:r>
-              <a:rPr lang="fr-FR" dirty="0">
+            <a:r>
+              <a:rPr lang="fr-FR" sz="1600" dirty="0">
                 <a:solidFill>
                   <a:schemeClr val="accent3"/>
                 </a:solidFill>
@@ -15489,7 +17154,7 @@
           </a:p>
           <a:p>
             <a:r>
-              <a:rPr lang="fr-FR" dirty="0">
+              <a:rPr lang="fr-FR" sz="1600" dirty="0">
                 <a:solidFill>
                   <a:schemeClr val="accent6"/>
                 </a:solidFill>
@@ -15499,7 +17164,7 @@
           </a:p>
           <a:p>
             <a:r>
-              <a:rPr lang="fr-FR" dirty="0">
+              <a:rPr lang="fr-FR" sz="1600" dirty="0">
                 <a:solidFill>
                   <a:srgbClr val="00B0F0"/>
                 </a:solidFill>
@@ -15509,7 +17174,7 @@
           </a:p>
           <a:p>
             <a:r>
-              <a:rPr lang="fr-FR" dirty="0">
+              <a:rPr lang="fr-FR" sz="1600" dirty="0">
                 <a:solidFill>
                   <a:schemeClr val="accent1"/>
                 </a:solidFill>
@@ -15519,18 +17184,35 @@
           </a:p>
           <a:p>
             <a:r>
-              <a:rPr lang="fr-FR" dirty="0">
+              <a:rPr lang="fr-FR" sz="1600" dirty="0">
                 <a:solidFill>
                   <a:srgbClr val="00B050"/>
                 </a:solidFill>
               </a:rPr>
               <a:t>CUSTOM_EXPRESSIONS</a:t>
             </a:r>
-          </a:p>
-          <a:p>
+            <a:endParaRPr lang="fr-FR" sz="1400" dirty="0">
+              <a:solidFill>
+                <a:srgbClr val="00B050"/>
+              </a:solidFill>
+            </a:endParaRPr>
+          </a:p>
+          <a:p>
+            <a:r>
+              <a:rPr lang="fr-FR" sz="1600" dirty="0">
+                <a:solidFill>
+                  <a:schemeClr val="bg1">
+                    <a:lumMod val="50000"/>
+                  </a:schemeClr>
+                </a:solidFill>
+              </a:rPr>
+              <a:t>OMG_TECHNICAL_DEBT***</a:t>
+            </a:r>
             <a:endParaRPr lang="fr-FR" dirty="0">
               <a:solidFill>
-                <a:schemeClr val="accent1"/>
+                <a:schemeClr val="bg1">
+                  <a:lumMod val="50000"/>
+                </a:schemeClr>
               </a:solidFill>
             </a:endParaRPr>
           </a:p>
@@ -15574,8 +17256,8 @@
         </p:nvSpPr>
         <p:spPr>
           <a:xfrm>
-            <a:off x="3477775" y="1767155"/>
-            <a:ext cx="998420" cy="322080"/>
+            <a:off x="3477775" y="1301333"/>
+            <a:ext cx="998420" cy="242795"/>
           </a:xfrm>
           <a:prstGeom prst="roundRect">
             <a:avLst/>
@@ -15611,10 +17293,10 @@
           <a:p>
             <a:pPr algn="ctr"/>
             <a:r>
-              <a:rPr lang="en-US" sz="1200" dirty="0"/>
+              <a:rPr lang="en-US" sz="1100" dirty="0"/>
               <a:t>CURRENT</a:t>
             </a:r>
-            <a:endParaRPr lang="en-US" dirty="0"/>
+            <a:endParaRPr lang="en-US" sz="1600" dirty="0"/>
           </a:p>
         </p:txBody>
       </p:sp>
@@ -15626,8 +17308,8 @@
         </p:nvSpPr>
         <p:spPr>
           <a:xfrm>
-            <a:off x="4540657" y="1767155"/>
-            <a:ext cx="1102877" cy="322080"/>
+            <a:off x="4540657" y="1301333"/>
+            <a:ext cx="1102877" cy="242795"/>
           </a:xfrm>
           <a:prstGeom prst="roundRect">
             <a:avLst/>
@@ -15663,10 +17345,10 @@
           <a:p>
             <a:pPr algn="ctr"/>
             <a:r>
-              <a:rPr lang="en-US" sz="1200" dirty="0"/>
+              <a:rPr lang="en-US" sz="1100" dirty="0"/>
               <a:t>PREVIOUS</a:t>
             </a:r>
-            <a:endParaRPr lang="en-US" dirty="0"/>
+            <a:endParaRPr lang="en-US" sz="1600" dirty="0"/>
           </a:p>
         </p:txBody>
       </p:sp>
@@ -15678,8 +17360,8 @@
         </p:nvSpPr>
         <p:spPr>
           <a:xfrm>
-            <a:off x="5707996" y="1767155"/>
-            <a:ext cx="719193" cy="322080"/>
+            <a:off x="5707996" y="1301333"/>
+            <a:ext cx="719193" cy="242795"/>
           </a:xfrm>
           <a:prstGeom prst="roundRect">
             <a:avLst/>
@@ -15715,10 +17397,10 @@
           <a:p>
             <a:pPr algn="ctr"/>
             <a:r>
-              <a:rPr lang="en-US" sz="1200" dirty="0"/>
+              <a:rPr lang="en-US" sz="1100" dirty="0"/>
               <a:t>EVOL</a:t>
             </a:r>
-            <a:endParaRPr lang="en-US" dirty="0"/>
+            <a:endParaRPr lang="en-US" sz="1600" dirty="0"/>
           </a:p>
         </p:txBody>
       </p:sp>
@@ -15730,8 +17412,8 @@
         </p:nvSpPr>
         <p:spPr>
           <a:xfrm>
-            <a:off x="6491651" y="1767155"/>
-            <a:ext cx="1510302" cy="322080"/>
+            <a:off x="6491651" y="1301333"/>
+            <a:ext cx="1510302" cy="242795"/>
           </a:xfrm>
           <a:prstGeom prst="roundRect">
             <a:avLst/>
@@ -15767,10 +17449,10 @@
           <a:p>
             <a:pPr algn="ctr"/>
             <a:r>
-              <a:rPr lang="en-US" sz="1200" dirty="0"/>
+              <a:rPr lang="en-US" sz="1100" dirty="0"/>
               <a:t>EVOL_PERCENT</a:t>
             </a:r>
-            <a:endParaRPr lang="en-US" dirty="0"/>
+            <a:endParaRPr lang="en-US" sz="1600" dirty="0"/>
           </a:p>
         </p:txBody>
       </p:sp>
@@ -15782,8 +17464,8 @@
         </p:nvSpPr>
         <p:spPr>
           <a:xfrm>
-            <a:off x="8066415" y="1767155"/>
-            <a:ext cx="539991" cy="322080"/>
+            <a:off x="8066415" y="1301333"/>
+            <a:ext cx="539991" cy="242795"/>
           </a:xfrm>
           <a:prstGeom prst="roundRect">
             <a:avLst/>
@@ -15819,10 +17501,10 @@
           <a:p>
             <a:pPr algn="ctr"/>
             <a:r>
-              <a:rPr lang="en-US" sz="1200" dirty="0"/>
+              <a:rPr lang="en-US" sz="1100" dirty="0"/>
               <a:t>ALL</a:t>
             </a:r>
-            <a:endParaRPr lang="en-US" dirty="0"/>
+            <a:endParaRPr lang="en-US" sz="1600" dirty="0"/>
           </a:p>
         </p:txBody>
       </p:sp>
@@ -15834,8 +17516,8 @@
         </p:nvSpPr>
         <p:spPr>
           <a:xfrm>
-            <a:off x="3493539" y="2203333"/>
-            <a:ext cx="560589" cy="322080"/>
+            <a:off x="3493539" y="1737511"/>
+            <a:ext cx="560589" cy="242795"/>
           </a:xfrm>
           <a:prstGeom prst="roundRect">
             <a:avLst/>
@@ -15869,10 +17551,10 @@
           <a:p>
             <a:pPr algn="ctr"/>
             <a:r>
-              <a:rPr lang="en-US" sz="1200" dirty="0"/>
+              <a:rPr lang="en-US" sz="1100" dirty="0"/>
               <a:t>&lt;ID&gt;</a:t>
             </a:r>
-            <a:endParaRPr lang="en-US" dirty="0"/>
+            <a:endParaRPr lang="en-US" sz="1600" dirty="0"/>
           </a:p>
         </p:txBody>
       </p:sp>
@@ -15884,8 +17566,8 @@
         </p:nvSpPr>
         <p:spPr>
           <a:xfrm>
-            <a:off x="4121612" y="2203333"/>
-            <a:ext cx="1540708" cy="322080"/>
+            <a:off x="4121612" y="1737511"/>
+            <a:ext cx="1540708" cy="242795"/>
           </a:xfrm>
           <a:prstGeom prst="roundRect">
             <a:avLst/>
@@ -15919,10 +17601,10 @@
           <a:p>
             <a:pPr algn="ctr"/>
             <a:r>
-              <a:rPr lang="en-US" sz="1200" dirty="0"/>
+              <a:rPr lang="en-US" sz="1100" dirty="0"/>
               <a:t>HEALTH_FACTOR</a:t>
             </a:r>
-            <a:endParaRPr lang="en-US" dirty="0"/>
+            <a:endParaRPr lang="en-US" sz="1600" dirty="0"/>
           </a:p>
         </p:txBody>
       </p:sp>
@@ -15934,8 +17616,8 @@
         </p:nvSpPr>
         <p:spPr>
           <a:xfrm>
-            <a:off x="5729804" y="2203333"/>
-            <a:ext cx="1790858" cy="322080"/>
+            <a:off x="5729804" y="1737511"/>
+            <a:ext cx="1790858" cy="242795"/>
           </a:xfrm>
           <a:prstGeom prst="roundRect">
             <a:avLst/>
@@ -15969,10 +17651,10 @@
           <a:p>
             <a:pPr algn="ctr"/>
             <a:r>
-              <a:rPr lang="en-US" sz="1200" dirty="0"/>
+              <a:rPr lang="en-US" sz="1100" dirty="0"/>
               <a:t>BUSINESS_CRITERIA</a:t>
             </a:r>
-            <a:endParaRPr lang="en-US" dirty="0"/>
+            <a:endParaRPr lang="en-US" sz="1600" dirty="0"/>
           </a:p>
         </p:txBody>
       </p:sp>
@@ -15984,8 +17666,8 @@
         </p:nvSpPr>
         <p:spPr>
           <a:xfrm>
-            <a:off x="7588146" y="2203333"/>
-            <a:ext cx="1887485" cy="322080"/>
+            <a:off x="7588146" y="1737511"/>
+            <a:ext cx="1887485" cy="242795"/>
           </a:xfrm>
           <a:prstGeom prst="roundRect">
             <a:avLst/>
@@ -16019,10 +17701,10 @@
           <a:p>
             <a:pPr algn="ctr"/>
             <a:r>
-              <a:rPr lang="en-US" sz="1200" dirty="0"/>
+              <a:rPr lang="en-US" sz="1100" dirty="0"/>
               <a:t>TECHNICAL_CRITERIA</a:t>
             </a:r>
-            <a:endParaRPr lang="en-US" dirty="0"/>
+            <a:endParaRPr lang="en-US" sz="1600" dirty="0"/>
           </a:p>
         </p:txBody>
       </p:sp>
@@ -16034,8 +17716,8 @@
         </p:nvSpPr>
         <p:spPr>
           <a:xfrm>
-            <a:off x="3505085" y="2639376"/>
-            <a:ext cx="1500390" cy="322080"/>
+            <a:off x="3505085" y="2095920"/>
+            <a:ext cx="1500390" cy="242795"/>
           </a:xfrm>
           <a:prstGeom prst="roundRect">
             <a:avLst/>
@@ -16069,10 +17751,10 @@
           <a:p>
             <a:pPr algn="ctr"/>
             <a:r>
-              <a:rPr lang="en-US" sz="1200" dirty="0"/>
+              <a:rPr lang="en-US" sz="1100" dirty="0"/>
               <a:t>QUALITY_RULES</a:t>
             </a:r>
-            <a:endParaRPr lang="en-US" dirty="0"/>
+            <a:endParaRPr lang="en-US" sz="1600" dirty="0"/>
           </a:p>
         </p:txBody>
       </p:sp>
@@ -16084,8 +17766,8 @@
         </p:nvSpPr>
         <p:spPr>
           <a:xfrm>
-            <a:off x="3505706" y="3074009"/>
-            <a:ext cx="1769278" cy="322080"/>
+            <a:off x="3505706" y="2435667"/>
+            <a:ext cx="1769278" cy="242795"/>
           </a:xfrm>
           <a:prstGeom prst="roundRect">
             <a:avLst/>
@@ -16119,10 +17801,10 @@
           <a:p>
             <a:pPr algn="ctr"/>
             <a:r>
-              <a:rPr lang="en-US" sz="1200" dirty="0"/>
+              <a:rPr lang="en-US" sz="1100" dirty="0"/>
               <a:t>TECHNICAL_SIZING</a:t>
             </a:r>
-            <a:endParaRPr lang="en-US" dirty="0"/>
+            <a:endParaRPr lang="en-US" sz="1600" dirty="0"/>
           </a:p>
         </p:txBody>
       </p:sp>
@@ -16134,8 +17816,8 @@
         </p:nvSpPr>
         <p:spPr>
           <a:xfrm>
-            <a:off x="5336329" y="3074009"/>
-            <a:ext cx="1913713" cy="322080"/>
+            <a:off x="5336329" y="2435667"/>
+            <a:ext cx="1913713" cy="242795"/>
           </a:xfrm>
           <a:prstGeom prst="roundRect">
             <a:avLst/>
@@ -16169,10 +17851,10 @@
           <a:p>
             <a:pPr algn="ctr"/>
             <a:r>
-              <a:rPr lang="en-US" sz="1200" dirty="0"/>
+              <a:rPr lang="en-US" sz="1100" dirty="0"/>
               <a:t>FUNCTIONAL_WEIGHT</a:t>
             </a:r>
-            <a:endParaRPr lang="en-US" dirty="0"/>
+            <a:endParaRPr lang="en-US" sz="1600" dirty="0"/>
           </a:p>
         </p:txBody>
       </p:sp>
@@ -16184,8 +17866,8 @@
         </p:nvSpPr>
         <p:spPr>
           <a:xfrm>
-            <a:off x="7311387" y="3074009"/>
-            <a:ext cx="1608804" cy="322080"/>
+            <a:off x="7311387" y="2435667"/>
+            <a:ext cx="1608804" cy="242795"/>
           </a:xfrm>
           <a:prstGeom prst="roundRect">
             <a:avLst/>
@@ -16219,10 +17901,10 @@
           <a:p>
             <a:pPr algn="ctr"/>
             <a:r>
-              <a:rPr lang="en-US" sz="1200" dirty="0"/>
+              <a:rPr lang="en-US" sz="1100" strike="sngStrike" dirty="0"/>
               <a:t>TECHNICAL_DEBT</a:t>
             </a:r>
-            <a:endParaRPr lang="en-US" dirty="0"/>
+            <a:endParaRPr lang="en-US" sz="1600" strike="sngStrike" dirty="0"/>
           </a:p>
         </p:txBody>
       </p:sp>
@@ -16234,8 +17916,8 @@
         </p:nvSpPr>
         <p:spPr>
           <a:xfrm>
-            <a:off x="8981536" y="3074009"/>
-            <a:ext cx="1064968" cy="322080"/>
+            <a:off x="8981536" y="2435667"/>
+            <a:ext cx="1064968" cy="242795"/>
           </a:xfrm>
           <a:prstGeom prst="roundRect">
             <a:avLst/>
@@ -16269,10 +17951,10 @@
           <a:p>
             <a:pPr algn="ctr"/>
             <a:r>
-              <a:rPr lang="en-US" sz="1200" dirty="0"/>
+              <a:rPr lang="en-US" sz="1100" dirty="0"/>
               <a:t>VIOLATION</a:t>
             </a:r>
-            <a:endParaRPr lang="en-US" dirty="0"/>
+            <a:endParaRPr lang="en-US" sz="1600" dirty="0"/>
           </a:p>
         </p:txBody>
       </p:sp>
@@ -16284,8 +17966,8 @@
         </p:nvSpPr>
         <p:spPr>
           <a:xfrm>
-            <a:off x="10107848" y="3074009"/>
-            <a:ext cx="1813035" cy="322080"/>
+            <a:off x="10107848" y="2435667"/>
+            <a:ext cx="1813035" cy="242795"/>
           </a:xfrm>
           <a:prstGeom prst="roundRect">
             <a:avLst/>
@@ -16319,10 +18001,10 @@
           <a:p>
             <a:pPr algn="ctr"/>
             <a:r>
-              <a:rPr lang="en-US" sz="1200" dirty="0"/>
+              <a:rPr lang="en-US" sz="1100" dirty="0"/>
               <a:t>CRITICAL_VIOLATION</a:t>
             </a:r>
-            <a:endParaRPr lang="en-US" dirty="0"/>
+            <a:endParaRPr lang="en-US" sz="1600" dirty="0"/>
           </a:p>
         </p:txBody>
       </p:sp>
@@ -16334,8 +18016,8 @@
         </p:nvSpPr>
         <p:spPr>
           <a:xfrm>
-            <a:off x="3505706" y="3486840"/>
-            <a:ext cx="1064968" cy="322080"/>
+            <a:off x="10069465" y="2106114"/>
+            <a:ext cx="1064968" cy="242795"/>
           </a:xfrm>
           <a:prstGeom prst="roundRect">
             <a:avLst/>
@@ -16369,10 +18051,10 @@
           <a:p>
             <a:pPr algn="ctr"/>
             <a:r>
-              <a:rPr lang="en-US" sz="1200" dirty="0"/>
+              <a:rPr lang="en-US" sz="1100" dirty="0"/>
               <a:t>RUN_TIME</a:t>
             </a:r>
-            <a:endParaRPr lang="en-US" dirty="0"/>
+            <a:endParaRPr lang="en-US" sz="1600" dirty="0"/>
           </a:p>
         </p:txBody>
       </p:sp>
@@ -16384,8 +18066,8 @@
         </p:nvSpPr>
         <p:spPr>
           <a:xfrm>
-            <a:off x="3502534" y="3978678"/>
-            <a:ext cx="998420" cy="322080"/>
+            <a:off x="3502534" y="2934904"/>
+            <a:ext cx="998420" cy="242795"/>
           </a:xfrm>
           <a:prstGeom prst="roundRect">
             <a:avLst/>
@@ -16419,10 +18101,10 @@
           <a:p>
             <a:pPr algn="ctr"/>
             <a:r>
-              <a:rPr lang="en-US" sz="1200" dirty="0"/>
+              <a:rPr lang="en-US" sz="1100" dirty="0"/>
               <a:t>&lt;NAME&gt;</a:t>
             </a:r>
-            <a:endParaRPr lang="en-US" dirty="0"/>
+            <a:endParaRPr lang="en-US" sz="1600" dirty="0"/>
           </a:p>
         </p:txBody>
       </p:sp>
@@ -16434,8 +18116,8 @@
         </p:nvSpPr>
         <p:spPr>
           <a:xfrm>
-            <a:off x="4565416" y="3978678"/>
-            <a:ext cx="524699" cy="322080"/>
+            <a:off x="4565416" y="2934904"/>
+            <a:ext cx="524699" cy="242795"/>
           </a:xfrm>
           <a:prstGeom prst="roundRect">
             <a:avLst/>
@@ -16469,10 +18151,10 @@
           <a:p>
             <a:pPr algn="ctr"/>
             <a:r>
-              <a:rPr lang="en-US" sz="1200" dirty="0"/>
+              <a:rPr lang="en-US" sz="1100" dirty="0"/>
               <a:t>ALL</a:t>
             </a:r>
-            <a:endParaRPr lang="en-US" dirty="0"/>
+            <a:endParaRPr lang="en-US" sz="1600" dirty="0"/>
           </a:p>
         </p:txBody>
       </p:sp>
@@ -16484,8 +18166,8 @@
         </p:nvSpPr>
         <p:spPr>
           <a:xfrm>
-            <a:off x="3507792" y="4383325"/>
-            <a:ext cx="998420" cy="322080"/>
+            <a:off x="3507792" y="3305047"/>
+            <a:ext cx="998420" cy="242795"/>
           </a:xfrm>
           <a:prstGeom prst="roundRect">
             <a:avLst/>
@@ -16519,10 +18201,10 @@
           <a:p>
             <a:pPr algn="ctr"/>
             <a:r>
-              <a:rPr lang="en-US" sz="1200" dirty="0"/>
+              <a:rPr lang="en-US" sz="1100" dirty="0"/>
               <a:t>&lt;NAME&gt;</a:t>
             </a:r>
-            <a:endParaRPr lang="en-US" dirty="0"/>
+            <a:endParaRPr lang="en-US" sz="1600" dirty="0"/>
           </a:p>
         </p:txBody>
       </p:sp>
@@ -16534,8 +18216,8 @@
         </p:nvSpPr>
         <p:spPr>
           <a:xfrm>
-            <a:off x="4570674" y="4383325"/>
-            <a:ext cx="524699" cy="322080"/>
+            <a:off x="4570674" y="3305047"/>
+            <a:ext cx="524699" cy="242795"/>
           </a:xfrm>
           <a:prstGeom prst="roundRect">
             <a:avLst/>
@@ -16569,10 +18251,10 @@
           <a:p>
             <a:pPr algn="ctr"/>
             <a:r>
-              <a:rPr lang="en-US" sz="1200" dirty="0"/>
+              <a:rPr lang="en-US" sz="1100" dirty="0"/>
               <a:t>ALL</a:t>
             </a:r>
-            <a:endParaRPr lang="en-US" dirty="0"/>
+            <a:endParaRPr lang="en-US" sz="1600" dirty="0"/>
           </a:p>
         </p:txBody>
       </p:sp>
@@ -16584,8 +18266,8 @@
         </p:nvSpPr>
         <p:spPr>
           <a:xfrm>
-            <a:off x="3509445" y="4780169"/>
-            <a:ext cx="998420" cy="322080"/>
+            <a:off x="3509445" y="3710517"/>
+            <a:ext cx="998420" cy="242795"/>
           </a:xfrm>
           <a:prstGeom prst="roundRect">
             <a:avLst/>
@@ -16619,10 +18301,10 @@
           <a:p>
             <a:pPr algn="ctr"/>
             <a:r>
-              <a:rPr lang="en-US" sz="1200" dirty="0"/>
+              <a:rPr lang="en-US" sz="1100" dirty="0"/>
               <a:t>TOTAL</a:t>
             </a:r>
-            <a:endParaRPr lang="en-US" dirty="0"/>
+            <a:endParaRPr lang="en-US" sz="1600" dirty="0"/>
           </a:p>
         </p:txBody>
       </p:sp>
@@ -16634,8 +18316,8 @@
         </p:nvSpPr>
         <p:spPr>
           <a:xfrm>
-            <a:off x="4572327" y="4780169"/>
-            <a:ext cx="757808" cy="322080"/>
+            <a:off x="4572327" y="3710517"/>
+            <a:ext cx="757808" cy="242795"/>
           </a:xfrm>
           <a:prstGeom prst="roundRect">
             <a:avLst/>
@@ -16669,10 +18351,10 @@
           <a:p>
             <a:pPr algn="ctr"/>
             <a:r>
-              <a:rPr lang="en-US" sz="1200" dirty="0"/>
+              <a:rPr lang="en-US" sz="1100" dirty="0"/>
               <a:t>ADDED</a:t>
             </a:r>
-            <a:endParaRPr lang="en-US" dirty="0"/>
+            <a:endParaRPr lang="en-US" sz="1600" dirty="0"/>
           </a:p>
         </p:txBody>
       </p:sp>
@@ -16684,8 +18366,8 @@
         </p:nvSpPr>
         <p:spPr>
           <a:xfrm>
-            <a:off x="5396478" y="4780169"/>
-            <a:ext cx="1036683" cy="322080"/>
+            <a:off x="5396478" y="3710517"/>
+            <a:ext cx="1036683" cy="242795"/>
           </a:xfrm>
           <a:prstGeom prst="roundRect">
             <a:avLst/>
@@ -16719,10 +18401,10 @@
           <a:p>
             <a:pPr algn="ctr"/>
             <a:r>
-              <a:rPr lang="en-US" sz="1200" dirty="0"/>
+              <a:rPr lang="en-US" sz="1100" dirty="0"/>
               <a:t>REMOVED</a:t>
             </a:r>
-            <a:endParaRPr lang="en-US" dirty="0"/>
+            <a:endParaRPr lang="en-US" sz="1600" dirty="0"/>
           </a:p>
         </p:txBody>
       </p:sp>
@@ -16734,8 +18416,8 @@
         </p:nvSpPr>
         <p:spPr>
           <a:xfrm>
-            <a:off x="6497624" y="4771529"/>
-            <a:ext cx="484353" cy="322080"/>
+            <a:off x="6497624" y="3701877"/>
+            <a:ext cx="484353" cy="242795"/>
           </a:xfrm>
           <a:prstGeom prst="roundRect">
             <a:avLst/>
@@ -16769,10 +18451,10 @@
           <a:p>
             <a:pPr algn="ctr"/>
             <a:r>
-              <a:rPr lang="en-US" sz="1200" dirty="0"/>
+              <a:rPr lang="en-US" sz="1100" dirty="0"/>
               <a:t>ALL</a:t>
             </a:r>
-            <a:endParaRPr lang="en-US" dirty="0"/>
+            <a:endParaRPr lang="en-US" sz="1600" dirty="0"/>
           </a:p>
         </p:txBody>
       </p:sp>
@@ -16784,8 +18466,8 @@
         </p:nvSpPr>
         <p:spPr>
           <a:xfrm>
-            <a:off x="3502534" y="5201640"/>
-            <a:ext cx="998420" cy="322080"/>
+            <a:off x="3502534" y="4097480"/>
+            <a:ext cx="998420" cy="242795"/>
           </a:xfrm>
           <a:prstGeom prst="roundRect">
             <a:avLst/>
@@ -16819,10 +18501,10 @@
           <a:p>
             <a:pPr algn="ctr"/>
             <a:r>
-              <a:rPr lang="en-US" sz="1200" dirty="0"/>
+              <a:rPr lang="en-US" sz="1100" dirty="0"/>
               <a:t>TOTAL</a:t>
             </a:r>
-            <a:endParaRPr lang="en-US" dirty="0"/>
+            <a:endParaRPr lang="en-US" sz="1600" dirty="0"/>
           </a:p>
         </p:txBody>
       </p:sp>
@@ -16834,8 +18516,8 @@
         </p:nvSpPr>
         <p:spPr>
           <a:xfrm>
-            <a:off x="4565416" y="5201640"/>
-            <a:ext cx="757808" cy="322080"/>
+            <a:off x="4565416" y="4097480"/>
+            <a:ext cx="757808" cy="242795"/>
           </a:xfrm>
           <a:prstGeom prst="roundRect">
             <a:avLst/>
@@ -16869,10 +18551,10 @@
           <a:p>
             <a:pPr algn="ctr"/>
             <a:r>
-              <a:rPr lang="en-US" sz="1200" dirty="0"/>
+              <a:rPr lang="en-US" sz="1100" dirty="0"/>
               <a:t>ADDED</a:t>
             </a:r>
-            <a:endParaRPr lang="en-US" dirty="0"/>
+            <a:endParaRPr lang="en-US" sz="1600" dirty="0"/>
           </a:p>
         </p:txBody>
       </p:sp>
@@ -16884,8 +18566,8 @@
         </p:nvSpPr>
         <p:spPr>
           <a:xfrm>
-            <a:off x="5389567" y="5201640"/>
-            <a:ext cx="1036683" cy="322080"/>
+            <a:off x="5389567" y="4097480"/>
+            <a:ext cx="1036683" cy="242795"/>
           </a:xfrm>
           <a:prstGeom prst="roundRect">
             <a:avLst/>
@@ -16919,10 +18601,10 @@
           <a:p>
             <a:pPr algn="ctr"/>
             <a:r>
-              <a:rPr lang="en-US" sz="1200" dirty="0"/>
+              <a:rPr lang="en-US" sz="1100" dirty="0"/>
               <a:t>REMOVED</a:t>
             </a:r>
-            <a:endParaRPr lang="en-US" dirty="0"/>
+            <a:endParaRPr lang="en-US" sz="1600" dirty="0"/>
           </a:p>
         </p:txBody>
       </p:sp>
@@ -16934,8 +18616,8 @@
         </p:nvSpPr>
         <p:spPr>
           <a:xfrm>
-            <a:off x="6490713" y="5193000"/>
-            <a:ext cx="484353" cy="322080"/>
+            <a:off x="6490713" y="4088840"/>
+            <a:ext cx="484353" cy="242795"/>
           </a:xfrm>
           <a:prstGeom prst="roundRect">
             <a:avLst/>
@@ -16969,10 +18651,10 @@
           <a:p>
             <a:pPr algn="ctr"/>
             <a:r>
-              <a:rPr lang="en-US" sz="1200" dirty="0"/>
+              <a:rPr lang="en-US" sz="1100" dirty="0"/>
               <a:t>ALL</a:t>
             </a:r>
-            <a:endParaRPr lang="en-US" dirty="0"/>
+            <a:endParaRPr lang="en-US" sz="1600" dirty="0"/>
           </a:p>
         </p:txBody>
       </p:sp>
@@ -16990,8 +18672,8 @@
         </p:nvSpPr>
         <p:spPr>
           <a:xfrm>
-            <a:off x="5122359" y="2649570"/>
-            <a:ext cx="2296753" cy="322080"/>
+            <a:off x="5122359" y="2106114"/>
+            <a:ext cx="2296753" cy="242795"/>
           </a:xfrm>
           <a:prstGeom prst="roundRect">
             <a:avLst/>
@@ -17025,10 +18707,10 @@
           <a:p>
             <a:pPr algn="ctr"/>
             <a:r>
-              <a:rPr lang="en-US" sz="1200" dirty="0"/>
+              <a:rPr lang="en-US" sz="1100" dirty="0"/>
               <a:t>CRITICAL_QUALITY_RULES</a:t>
             </a:r>
-            <a:endParaRPr lang="en-US" dirty="0"/>
+            <a:endParaRPr lang="en-US" sz="1600" dirty="0"/>
           </a:p>
         </p:txBody>
       </p:sp>
@@ -17046,8 +18728,8 @@
         </p:nvSpPr>
         <p:spPr>
           <a:xfrm>
-            <a:off x="4686677" y="3490689"/>
-            <a:ext cx="2382338" cy="322080"/>
+            <a:off x="7588146" y="2093534"/>
+            <a:ext cx="2382338" cy="242795"/>
           </a:xfrm>
           <a:prstGeom prst="roundRect">
             <a:avLst/>
@@ -17081,7 +18763,7 @@
           <a:p>
             <a:pPr algn="ctr"/>
             <a:r>
-              <a:rPr lang="en-US" sz="1200" dirty="0"/>
+              <a:rPr lang="en-US" sz="1100" dirty="0"/>
               <a:t>&lt;STANDARD TAG NAME&gt;**</a:t>
             </a:r>
           </a:p>
@@ -17101,7 +18783,7 @@
         </p:nvSpPr>
         <p:spPr>
           <a:xfrm>
-            <a:off x="258603" y="6124023"/>
+            <a:off x="328706" y="5357458"/>
             <a:ext cx="10703859" cy="447383"/>
           </a:xfrm>
           <a:prstGeom prst="rect">
@@ -17144,6 +18826,11 @@
               <a:rPr lang="en-GB" dirty="0"/>
               <a:t> will be empty.</a:t>
             </a:r>
+          </a:p>
+          <a:p>
+            <a:endParaRPr lang="en-GB" dirty="0"/>
+          </a:p>
+          <a:p>
             <a:endParaRPr lang="en-US" dirty="0"/>
           </a:p>
         </p:txBody>
@@ -17162,8 +18849,8 @@
         </p:nvSpPr>
         <p:spPr>
           <a:xfrm>
-            <a:off x="3509445" y="5607709"/>
-            <a:ext cx="1580670" cy="322080"/>
+            <a:off x="3509445" y="4486296"/>
+            <a:ext cx="1580670" cy="242795"/>
           </a:xfrm>
           <a:prstGeom prst="roundRect">
             <a:avLst/>
@@ -17197,9 +18884,315 @@
           <a:p>
             <a:pPr algn="ctr"/>
             <a:r>
-              <a:rPr lang="en-US" sz="1200" dirty="0"/>
+              <a:rPr lang="en-US" sz="1100" dirty="0"/>
               <a:t>&lt;EXPRESSIONS&gt;</a:t>
             </a:r>
+            <a:endParaRPr lang="en-US" sz="1600" dirty="0"/>
+          </a:p>
+        </p:txBody>
+      </p:sp>
+      <p:sp>
+        <p:nvSpPr>
+          <p:cNvPr id="50" name="Rectangle: Rounded Corners 49">
+            <a:extLst>
+              <a:ext uri="{FF2B5EF4-FFF2-40B4-BE49-F238E27FC236}">
+                <a16:creationId xmlns:a16="http://schemas.microsoft.com/office/drawing/2014/main" id="{C96C1EBD-C7B3-4FCB-8F65-10C402830A14}"/>
+              </a:ext>
+            </a:extLst>
+          </p:cNvPr>
+          <p:cNvSpPr/>
+          <p:nvPr/>
+        </p:nvSpPr>
+        <p:spPr>
+          <a:xfrm>
+            <a:off x="3511366" y="4915088"/>
+            <a:ext cx="998420" cy="242795"/>
+          </a:xfrm>
+          <a:prstGeom prst="roundRect">
+            <a:avLst/>
+          </a:prstGeom>
+          <a:solidFill>
+            <a:srgbClr val="7F7F7F"/>
+          </a:solidFill>
+          <a:ln>
+            <a:noFill/>
+          </a:ln>
+        </p:spPr>
+        <p:style>
+          <a:lnRef idx="2">
+            <a:schemeClr val="accent1">
+              <a:shade val="50000"/>
+            </a:schemeClr>
+          </a:lnRef>
+          <a:fillRef idx="1">
+            <a:schemeClr val="accent1"/>
+          </a:fillRef>
+          <a:effectRef idx="0">
+            <a:schemeClr val="accent1"/>
+          </a:effectRef>
+          <a:fontRef idx="minor">
+            <a:schemeClr val="lt1"/>
+          </a:fontRef>
+        </p:style>
+        <p:txBody>
+          <a:bodyPr rtlCol="0" anchor="ctr"/>
+          <a:lstStyle/>
+          <a:p>
+            <a:pPr algn="ctr"/>
+            <a:r>
+              <a:rPr lang="en-US" sz="1100" dirty="0"/>
+              <a:t>TOTAL</a:t>
+            </a:r>
+            <a:endParaRPr lang="en-US" sz="1600" dirty="0"/>
+          </a:p>
+        </p:txBody>
+      </p:sp>
+      <p:sp>
+        <p:nvSpPr>
+          <p:cNvPr id="51" name="Rectangle: Rounded Corners 50">
+            <a:extLst>
+              <a:ext uri="{FF2B5EF4-FFF2-40B4-BE49-F238E27FC236}">
+                <a16:creationId xmlns:a16="http://schemas.microsoft.com/office/drawing/2014/main" id="{73344032-F5B5-4783-8442-76EF3901A19D}"/>
+              </a:ext>
+            </a:extLst>
+          </p:cNvPr>
+          <p:cNvSpPr/>
+          <p:nvPr/>
+        </p:nvSpPr>
+        <p:spPr>
+          <a:xfrm>
+            <a:off x="4574248" y="4915088"/>
+            <a:ext cx="757808" cy="242795"/>
+          </a:xfrm>
+          <a:prstGeom prst="roundRect">
+            <a:avLst/>
+          </a:prstGeom>
+          <a:solidFill>
+            <a:srgbClr val="7F7F7F"/>
+          </a:solidFill>
+          <a:ln>
+            <a:noFill/>
+          </a:ln>
+        </p:spPr>
+        <p:style>
+          <a:lnRef idx="2">
+            <a:schemeClr val="accent1">
+              <a:shade val="50000"/>
+            </a:schemeClr>
+          </a:lnRef>
+          <a:fillRef idx="1">
+            <a:schemeClr val="accent1"/>
+          </a:fillRef>
+          <a:effectRef idx="0">
+            <a:schemeClr val="accent1"/>
+          </a:effectRef>
+          <a:fontRef idx="minor">
+            <a:schemeClr val="lt1"/>
+          </a:fontRef>
+        </p:style>
+        <p:txBody>
+          <a:bodyPr rtlCol="0" anchor="ctr"/>
+          <a:lstStyle/>
+          <a:p>
+            <a:pPr algn="ctr"/>
+            <a:r>
+              <a:rPr lang="en-US" sz="1100" dirty="0"/>
+              <a:t>ADDED</a:t>
+            </a:r>
+            <a:endParaRPr lang="en-US" sz="1600" dirty="0"/>
+          </a:p>
+        </p:txBody>
+      </p:sp>
+      <p:sp>
+        <p:nvSpPr>
+          <p:cNvPr id="52" name="Rectangle: Rounded Corners 51">
+            <a:extLst>
+              <a:ext uri="{FF2B5EF4-FFF2-40B4-BE49-F238E27FC236}">
+                <a16:creationId xmlns:a16="http://schemas.microsoft.com/office/drawing/2014/main" id="{D9764CA3-4DE0-4237-A227-BC9A7F6AD78E}"/>
+              </a:ext>
+            </a:extLst>
+          </p:cNvPr>
+          <p:cNvSpPr/>
+          <p:nvPr/>
+        </p:nvSpPr>
+        <p:spPr>
+          <a:xfrm>
+            <a:off x="5398399" y="4915088"/>
+            <a:ext cx="1036683" cy="242795"/>
+          </a:xfrm>
+          <a:prstGeom prst="roundRect">
+            <a:avLst/>
+          </a:prstGeom>
+          <a:solidFill>
+            <a:srgbClr val="7F7F7F"/>
+          </a:solidFill>
+          <a:ln>
+            <a:noFill/>
+          </a:ln>
+        </p:spPr>
+        <p:style>
+          <a:lnRef idx="2">
+            <a:schemeClr val="accent1">
+              <a:shade val="50000"/>
+            </a:schemeClr>
+          </a:lnRef>
+          <a:fillRef idx="1">
+            <a:schemeClr val="accent1"/>
+          </a:fillRef>
+          <a:effectRef idx="0">
+            <a:schemeClr val="accent1"/>
+          </a:effectRef>
+          <a:fontRef idx="minor">
+            <a:schemeClr val="lt1"/>
+          </a:fontRef>
+        </p:style>
+        <p:txBody>
+          <a:bodyPr rtlCol="0" anchor="ctr"/>
+          <a:lstStyle/>
+          <a:p>
+            <a:pPr algn="ctr"/>
+            <a:r>
+              <a:rPr lang="en-US" sz="1100" dirty="0"/>
+              <a:t>REMOVED</a:t>
+            </a:r>
+            <a:endParaRPr lang="en-US" sz="1600" dirty="0"/>
+          </a:p>
+        </p:txBody>
+      </p:sp>
+      <p:sp>
+        <p:nvSpPr>
+          <p:cNvPr id="53" name="Rectangle: Rounded Corners 52">
+            <a:extLst>
+              <a:ext uri="{FF2B5EF4-FFF2-40B4-BE49-F238E27FC236}">
+                <a16:creationId xmlns:a16="http://schemas.microsoft.com/office/drawing/2014/main" id="{4A426E14-1B6C-4B44-92D4-F7AD6B4144F0}"/>
+              </a:ext>
+            </a:extLst>
+          </p:cNvPr>
+          <p:cNvSpPr/>
+          <p:nvPr/>
+        </p:nvSpPr>
+        <p:spPr>
+          <a:xfrm>
+            <a:off x="6499545" y="4906448"/>
+            <a:ext cx="484353" cy="242795"/>
+          </a:xfrm>
+          <a:prstGeom prst="roundRect">
+            <a:avLst/>
+          </a:prstGeom>
+          <a:solidFill>
+            <a:srgbClr val="7F7F7F"/>
+          </a:solidFill>
+          <a:ln>
+            <a:noFill/>
+          </a:ln>
+        </p:spPr>
+        <p:style>
+          <a:lnRef idx="2">
+            <a:schemeClr val="accent1">
+              <a:shade val="50000"/>
+            </a:schemeClr>
+          </a:lnRef>
+          <a:fillRef idx="1">
+            <a:schemeClr val="accent1"/>
+          </a:fillRef>
+          <a:effectRef idx="0">
+            <a:schemeClr val="accent1"/>
+          </a:effectRef>
+          <a:fontRef idx="minor">
+            <a:schemeClr val="lt1"/>
+          </a:fontRef>
+        </p:style>
+        <p:txBody>
+          <a:bodyPr rtlCol="0" anchor="ctr"/>
+          <a:lstStyle/>
+          <a:p>
+            <a:pPr algn="ctr"/>
+            <a:r>
+              <a:rPr lang="en-US" sz="1100" dirty="0"/>
+              <a:t>ALL</a:t>
+            </a:r>
+            <a:endParaRPr lang="en-US" sz="1600" dirty="0"/>
+          </a:p>
+        </p:txBody>
+      </p:sp>
+      <p:sp>
+        <p:nvSpPr>
+          <p:cNvPr id="54" name="TextBox 53">
+            <a:extLst>
+              <a:ext uri="{FF2B5EF4-FFF2-40B4-BE49-F238E27FC236}">
+                <a16:creationId xmlns:a16="http://schemas.microsoft.com/office/drawing/2014/main" id="{C46C3AF4-B98C-4A44-BF1F-C77802B59E30}"/>
+              </a:ext>
+            </a:extLst>
+          </p:cNvPr>
+          <p:cNvSpPr txBox="1"/>
+          <p:nvPr/>
+        </p:nvSpPr>
+        <p:spPr>
+          <a:xfrm>
+            <a:off x="328706" y="5924417"/>
+            <a:ext cx="10703859" cy="447383"/>
+          </a:xfrm>
+          <a:prstGeom prst="rect">
+            <a:avLst/>
+          </a:prstGeom>
+        </p:spPr>
+        <p:txBody>
+          <a:bodyPr vert="horz" wrap="square" lIns="91440" tIns="45720" rIns="91440" bIns="45720" rtlCol="0" anchor="t">
+            <a:noAutofit/>
+          </a:bodyPr>
+          <a:lstStyle>
+            <a:defPPr>
+              <a:defRPr lang="en-US"/>
+            </a:defPPr>
+            <a:lvl1pPr>
+              <a:defRPr sz="1200">
+                <a:solidFill>
+                  <a:schemeClr val="tx1">
+                    <a:lumMod val="50000"/>
+                    <a:lumOff val="50000"/>
+                  </a:schemeClr>
+                </a:solidFill>
+              </a:defRPr>
+            </a:lvl1pPr>
+          </a:lstStyle>
+          <a:p>
+            <a:r>
+              <a:rPr lang="en-US" dirty="0"/>
+              <a:t>*** Requires installation of OMG Technical Debt Measure (&gt;2.0.0 </a:t>
+            </a:r>
+            <a:r>
+              <a:rPr lang="en-US" dirty="0" err="1"/>
+              <a:t>funcrel</a:t>
+            </a:r>
+            <a:r>
+              <a:rPr lang="en-US" dirty="0"/>
+              <a:t>) (and ISO-5055 Index extensions and/or CISQ Index extensions)</a:t>
+            </a:r>
+          </a:p>
+          <a:p>
+            <a:r>
+              <a:rPr lang="en-US" dirty="0"/>
+              <a:t>To get results on Omg Technical Debt on a specific metric, add the axis "METRICS=M" where M </a:t>
+            </a:r>
+            <a:r>
+              <a:rPr lang="en-US"/>
+              <a:t>is th</a:t>
+            </a:r>
+            <a:r>
+              <a:rPr lang="en-US" dirty="0"/>
+              <a:t>e</a:t>
+            </a:r>
+            <a:r>
+              <a:rPr lang="en-US"/>
+              <a:t> </a:t>
+            </a:r>
+            <a:r>
+              <a:rPr lang="en-US" dirty="0"/>
+              <a:t>index id (ISO, CISQ or AIP)</a:t>
+            </a:r>
+            <a:endParaRPr lang="en-GB" dirty="0"/>
+          </a:p>
+          <a:p>
             <a:endParaRPr lang="en-US" dirty="0"/>
           </a:p>
         </p:txBody>

--- a/CastReporting.Reporting.Core/Templates/zh-CN/Application/Component library/Generic Table Definition.pptx
+++ b/CastReporting.Reporting.Core/Templates/zh-CN/Application/Component library/Generic Table Definition.pptx
@@ -5,7 +5,7 @@
     <p:sldMasterId id="2147483648" r:id="rId1"/>
   </p:sldMasterIdLst>
   <p:notesMasterIdLst>
-    <p:notesMasterId r:id="rId17"/>
+    <p:notesMasterId r:id="rId16"/>
   </p:notesMasterIdLst>
   <p:sldIdLst>
     <p:sldId id="342" r:id="rId2"/>
@@ -21,8 +21,7 @@
     <p:sldId id="385" r:id="rId12"/>
     <p:sldId id="387" r:id="rId13"/>
     <p:sldId id="388" r:id="rId14"/>
-    <p:sldId id="389" r:id="rId15"/>
-    <p:sldId id="386" r:id="rId16"/>
+    <p:sldId id="386" r:id="rId15"/>
   </p:sldIdLst>
   <p:sldSz cx="12192000" cy="6858000"/>
   <p:notesSz cx="6858000" cy="9144000"/>
@@ -222,7 +221,7 @@
           <a:p>
             <a:fld id="{BE7CF963-E58D-FC4D-BA9E-60A980752DC6}" type="datetimeFigureOut">
               <a:rPr lang="en-US" smtClean="0"/>
-              <a:t>10/22/2021</a:t>
+              <a:t>7/21/2020</a:t>
             </a:fld>
             <a:endParaRPr lang="en-US"/>
           </a:p>
@@ -879,7 +878,7 @@
           <a:p>
             <a:fld id="{B590C078-9131-4E49-8A0D-400FEE8377B5}" type="datetimeFigureOut">
               <a:rPr lang="en-US" smtClean="0"/>
-              <a:t>10/22/2021</a:t>
+              <a:t>7/21/2020</a:t>
             </a:fld>
             <a:endParaRPr lang="en-US"/>
           </a:p>
@@ -4464,7 +4463,7 @@
           <a:p>
             <a:fld id="{B590C078-9131-4E49-8A0D-400FEE8377B5}" type="datetimeFigureOut">
               <a:rPr lang="en-US" smtClean="0"/>
-              <a:t>10/22/2021</a:t>
+              <a:t>7/21/2020</a:t>
             </a:fld>
             <a:endParaRPr lang="en-US"/>
           </a:p>
@@ -8542,7 +8541,7 @@
           <a:p>
             <a:fld id="{B590C078-9131-4E49-8A0D-400FEE8377B5}" type="datetimeFigureOut">
               <a:rPr lang="en-US" smtClean="0"/>
-              <a:t>10/22/2021</a:t>
+              <a:t>7/21/2020</a:t>
             </a:fld>
             <a:endParaRPr lang="en-US"/>
           </a:p>
@@ -12367,7 +12366,7 @@
           <a:p>
             <a:fld id="{B590C078-9131-4E49-8A0D-400FEE8377B5}" type="datetimeFigureOut">
               <a:rPr lang="en-US" smtClean="0"/>
-              <a:t>10/22/2021</a:t>
+              <a:t>7/21/2020</a:t>
             </a:fld>
             <a:endParaRPr lang="en-US"/>
           </a:p>
@@ -15253,7 +15252,7 @@
           <a:p>
             <a:r>
               <a:rPr lang="en-US" dirty="0"/>
-              <a:t>SAMPLE 6</a:t>
+              <a:t>Notes</a:t>
             </a:r>
           </a:p>
         </p:txBody>
@@ -15274,1666 +15273,6 @@
           <a:lstStyle/>
           <a:p>
             <a:r>
-              <a:rPr lang="en-GB" dirty="0"/>
-              <a:t>Table to monitor technologies on iso technical debt added and removed</a:t>
-            </a:r>
-            <a:endParaRPr lang="en-US" dirty="0"/>
-          </a:p>
-          <a:p>
-            <a:r>
-              <a:rPr lang="en-US" sz="1400" dirty="0"/>
-              <a:t>TABLE;GENERIC_TABLE;COL1=METRICS,ROW1=TECHNOLOGIES,ROW11=OMG_TECHNICAL_DEBT,METRICS=1061001|1061002|1061003|1061004,OMG_TECHNICAL_DEBT=ADDED|REMOVED,TECHNOLOGIES=ALL,SNAPSHOTS=CURRENT</a:t>
-            </a:r>
-          </a:p>
-        </p:txBody>
-      </p:sp>
-      <p:pic>
-        <p:nvPicPr>
-          <p:cNvPr id="4" name="Picture 3"/>
-          <p:cNvPicPr>
-            <a:picLocks noChangeAspect="1"/>
-          </p:cNvPicPr>
-          <p:nvPr/>
-        </p:nvPicPr>
-        <p:blipFill>
-          <a:blip r:embed="rId2">
-            <a:extLst>
-              <a:ext uri="{28A0092B-C50C-407E-A947-70E740481C1C}">
-                <a14:useLocalDpi xmlns:a14="http://schemas.microsoft.com/office/drawing/2010/main" val="0"/>
-              </a:ext>
-            </a:extLst>
-          </a:blip>
-          <a:stretch>
-            <a:fillRect/>
-          </a:stretch>
-        </p:blipFill>
-        <p:spPr>
-          <a:xfrm>
-            <a:off x="258603" y="127459"/>
-            <a:ext cx="655797" cy="657255"/>
-          </a:xfrm>
-          <a:prstGeom prst="rect">
-            <a:avLst/>
-          </a:prstGeom>
-        </p:spPr>
-      </p:pic>
-      <p:graphicFrame>
-        <p:nvGraphicFramePr>
-          <p:cNvPr id="6" name="Table 5" descr="TABLE;GENERIC_TABLE;COL1=METRICS,ROW1=TECHNOLOGIES,ROW11=OMG_TECHNICAL_DEBT,METRICS=1061001|1061002|1061003|1061004,OMG_TECHNICAL_DEBT=ADDED|REMOVED,TECHNOLOGIES=ALL,SNAPSHOTS=CURRENT"/>
-          <p:cNvGraphicFramePr>
-            <a:graphicFrameLocks noGrp="1"/>
-          </p:cNvGraphicFramePr>
-          <p:nvPr>
-            <p:extLst>
-              <p:ext uri="{D42A27DB-BD31-4B8C-83A1-F6EECF244321}">
-                <p14:modId xmlns:p14="http://schemas.microsoft.com/office/powerpoint/2010/main" val="2495398898"/>
-              </p:ext>
-            </p:extLst>
-          </p:nvPr>
-        </p:nvGraphicFramePr>
-        <p:xfrm>
-          <a:off x="2230423" y="2755963"/>
-          <a:ext cx="8001000" cy="1600200"/>
-        </p:xfrm>
-        <a:graphic>
-          <a:graphicData uri="http://schemas.openxmlformats.org/drawingml/2006/table">
-            <a:tbl>
-              <a:tblPr firstRow="1" firstCol="1" bandRow="1">
-                <a:tableStyleId>{793D81CF-94F2-401A-BA57-92F5A7B2D0C5}</a:tableStyleId>
-              </a:tblPr>
-              <a:tblGrid>
-                <a:gridCol w="2514600">
-                  <a:extLst>
-                    <a:ext uri="{9D8B030D-6E8A-4147-A177-3AD203B41FA5}">
-                      <a16:colId xmlns:a16="http://schemas.microsoft.com/office/drawing/2014/main" val="740772714"/>
-                    </a:ext>
-                  </a:extLst>
-                </a:gridCol>
-                <a:gridCol w="1097280">
-                  <a:extLst>
-                    <a:ext uri="{9D8B030D-6E8A-4147-A177-3AD203B41FA5}">
-                      <a16:colId xmlns:a16="http://schemas.microsoft.com/office/drawing/2014/main" val="3643816572"/>
-                    </a:ext>
-                  </a:extLst>
-                </a:gridCol>
-                <a:gridCol w="1097280">
-                  <a:extLst>
-                    <a:ext uri="{9D8B030D-6E8A-4147-A177-3AD203B41FA5}">
-                      <a16:colId xmlns:a16="http://schemas.microsoft.com/office/drawing/2014/main" val="2224810660"/>
-                    </a:ext>
-                  </a:extLst>
-                </a:gridCol>
-                <a:gridCol w="1097280">
-                  <a:extLst>
-                    <a:ext uri="{9D8B030D-6E8A-4147-A177-3AD203B41FA5}">
-                      <a16:colId xmlns:a16="http://schemas.microsoft.com/office/drawing/2014/main" val="2851091481"/>
-                    </a:ext>
-                  </a:extLst>
-                </a:gridCol>
-                <a:gridCol w="1097280">
-                  <a:extLst>
-                    <a:ext uri="{9D8B030D-6E8A-4147-A177-3AD203B41FA5}">
-                      <a16:colId xmlns:a16="http://schemas.microsoft.com/office/drawing/2014/main" val="120963159"/>
-                    </a:ext>
-                  </a:extLst>
-                </a:gridCol>
-                <a:gridCol w="1097280">
-                  <a:extLst>
-                    <a:ext uri="{9D8B030D-6E8A-4147-A177-3AD203B41FA5}">
-                      <a16:colId xmlns:a16="http://schemas.microsoft.com/office/drawing/2014/main" val="1988168911"/>
-                    </a:ext>
-                  </a:extLst>
-                </a:gridCol>
-              </a:tblGrid>
-              <a:tr h="228600">
-                <a:tc>
-                  <a:txBody>
-                    <a:bodyPr/>
-                    <a:lstStyle/>
-                    <a:p>
-                      <a:pPr marL="0" marR="0">
-                        <a:lnSpc>
-                          <a:spcPct val="115000"/>
-                        </a:lnSpc>
-                        <a:spcBef>
-                          <a:spcPts val="0"/>
-                        </a:spcBef>
-                        <a:spcAft>
-                          <a:spcPts val="0"/>
-                        </a:spcAft>
-                      </a:pPr>
-                      <a:r>
-                        <a:rPr lang="en-GB" sz="1000" dirty="0">
-                          <a:effectLst/>
-                        </a:rPr>
-                        <a:t>Modules </a:t>
-                      </a:r>
-                      <a:endParaRPr lang="en-US" sz="1100" dirty="0">
-                        <a:effectLst/>
-                        <a:latin typeface="Calibri" panose="020F0502020204030204" pitchFamily="34" charset="0"/>
-                        <a:ea typeface="Calibri" panose="020F0502020204030204" pitchFamily="34" charset="0"/>
-                        <a:cs typeface="Times New Roman" panose="02020603050405020304" pitchFamily="18" charset="0"/>
-                      </a:endParaRPr>
-                    </a:p>
-                  </a:txBody>
-                  <a:tcPr marL="68580" marR="68580" marT="0" marB="0" anchor="ctr"/>
-                </a:tc>
-                <a:tc>
-                  <a:txBody>
-                    <a:bodyPr/>
-                    <a:lstStyle/>
-                    <a:p>
-                      <a:pPr marL="0" marR="0" algn="ctr">
-                        <a:lnSpc>
-                          <a:spcPct val="115000"/>
-                        </a:lnSpc>
-                        <a:spcBef>
-                          <a:spcPts val="0"/>
-                        </a:spcBef>
-                        <a:spcAft>
-                          <a:spcPts val="0"/>
-                        </a:spcAft>
-                      </a:pPr>
-                      <a:r>
-                        <a:rPr lang="en-GB" sz="1000">
-                          <a:effectLst/>
-                        </a:rPr>
-                        <a:t>HF1</a:t>
-                      </a:r>
-                      <a:endParaRPr lang="en-US" sz="1100">
-                        <a:effectLst/>
-                        <a:latin typeface="Calibri" panose="020F0502020204030204" pitchFamily="34" charset="0"/>
-                        <a:ea typeface="Calibri" panose="020F0502020204030204" pitchFamily="34" charset="0"/>
-                        <a:cs typeface="Times New Roman" panose="02020603050405020304" pitchFamily="18" charset="0"/>
-                      </a:endParaRPr>
-                    </a:p>
-                  </a:txBody>
-                  <a:tcPr marL="68580" marR="68580" marT="0" marB="0" anchor="ctr"/>
-                </a:tc>
-                <a:tc>
-                  <a:txBody>
-                    <a:bodyPr/>
-                    <a:lstStyle/>
-                    <a:p>
-                      <a:pPr marL="0" marR="0" algn="ctr">
-                        <a:lnSpc>
-                          <a:spcPct val="115000"/>
-                        </a:lnSpc>
-                        <a:spcBef>
-                          <a:spcPts val="0"/>
-                        </a:spcBef>
-                        <a:spcAft>
-                          <a:spcPts val="0"/>
-                        </a:spcAft>
-                      </a:pPr>
-                      <a:r>
-                        <a:rPr lang="en-GB" sz="1000" dirty="0">
-                          <a:effectLst/>
-                        </a:rPr>
-                        <a:t>HF2</a:t>
-                      </a:r>
-                      <a:endParaRPr lang="en-US" sz="1100" dirty="0">
-                        <a:effectLst/>
-                        <a:latin typeface="Calibri" panose="020F0502020204030204" pitchFamily="34" charset="0"/>
-                        <a:ea typeface="Calibri" panose="020F0502020204030204" pitchFamily="34" charset="0"/>
-                        <a:cs typeface="Times New Roman" panose="02020603050405020304" pitchFamily="18" charset="0"/>
-                      </a:endParaRPr>
-                    </a:p>
-                  </a:txBody>
-                  <a:tcPr marL="68580" marR="68580" marT="0" marB="0" anchor="ctr"/>
-                </a:tc>
-                <a:tc>
-                  <a:txBody>
-                    <a:bodyPr/>
-                    <a:lstStyle/>
-                    <a:p>
-                      <a:pPr marL="0" marR="0" algn="ctr">
-                        <a:lnSpc>
-                          <a:spcPct val="115000"/>
-                        </a:lnSpc>
-                        <a:spcBef>
-                          <a:spcPts val="0"/>
-                        </a:spcBef>
-                        <a:spcAft>
-                          <a:spcPts val="0"/>
-                        </a:spcAft>
-                      </a:pPr>
-                      <a:r>
-                        <a:rPr lang="en-GB" sz="1000">
-                          <a:effectLst/>
-                        </a:rPr>
-                        <a:t>HF3</a:t>
-                      </a:r>
-                      <a:endParaRPr lang="en-US" sz="1100">
-                        <a:effectLst/>
-                        <a:latin typeface="Calibri" panose="020F0502020204030204" pitchFamily="34" charset="0"/>
-                        <a:ea typeface="Calibri" panose="020F0502020204030204" pitchFamily="34" charset="0"/>
-                        <a:cs typeface="Times New Roman" panose="02020603050405020304" pitchFamily="18" charset="0"/>
-                      </a:endParaRPr>
-                    </a:p>
-                  </a:txBody>
-                  <a:tcPr marL="68580" marR="68580" marT="0" marB="0" anchor="ctr"/>
-                </a:tc>
-                <a:tc>
-                  <a:txBody>
-                    <a:bodyPr/>
-                    <a:lstStyle/>
-                    <a:p>
-                      <a:pPr marL="0" marR="0" algn="ctr">
-                        <a:lnSpc>
-                          <a:spcPct val="115000"/>
-                        </a:lnSpc>
-                        <a:spcBef>
-                          <a:spcPts val="0"/>
-                        </a:spcBef>
-                        <a:spcAft>
-                          <a:spcPts val="0"/>
-                        </a:spcAft>
-                      </a:pPr>
-                      <a:r>
-                        <a:rPr lang="en-GB" sz="1000" dirty="0">
-                          <a:effectLst/>
-                        </a:rPr>
-                        <a:t>HF4</a:t>
-                      </a:r>
-                      <a:endParaRPr lang="en-US" sz="1100" dirty="0">
-                        <a:effectLst/>
-                        <a:latin typeface="Calibri" panose="020F0502020204030204" pitchFamily="34" charset="0"/>
-                        <a:ea typeface="Calibri" panose="020F0502020204030204" pitchFamily="34" charset="0"/>
-                        <a:cs typeface="Times New Roman" panose="02020603050405020304" pitchFamily="18" charset="0"/>
-                      </a:endParaRPr>
-                    </a:p>
-                  </a:txBody>
-                  <a:tcPr marL="68580" marR="68580" marT="0" marB="0" anchor="ctr"/>
-                </a:tc>
-                <a:tc>
-                  <a:txBody>
-                    <a:bodyPr/>
-                    <a:lstStyle/>
-                    <a:p>
-                      <a:pPr marL="0" marR="0" algn="ctr">
-                        <a:lnSpc>
-                          <a:spcPct val="115000"/>
-                        </a:lnSpc>
-                        <a:spcBef>
-                          <a:spcPts val="0"/>
-                        </a:spcBef>
-                        <a:spcAft>
-                          <a:spcPts val="0"/>
-                        </a:spcAft>
-                      </a:pPr>
-                      <a:r>
-                        <a:rPr lang="en-GB" sz="1000" dirty="0">
-                          <a:effectLst/>
-                        </a:rPr>
-                        <a:t>HF5</a:t>
-                      </a:r>
-                      <a:endParaRPr lang="en-US" sz="1100" dirty="0">
-                        <a:effectLst/>
-                        <a:latin typeface="Calibri" panose="020F0502020204030204" pitchFamily="34" charset="0"/>
-                        <a:ea typeface="Calibri" panose="020F0502020204030204" pitchFamily="34" charset="0"/>
-                        <a:cs typeface="Times New Roman" panose="02020603050405020304" pitchFamily="18" charset="0"/>
-                      </a:endParaRPr>
-                    </a:p>
-                  </a:txBody>
-                  <a:tcPr marL="68580" marR="68580" marT="0" marB="0" anchor="ctr"/>
-                </a:tc>
-                <a:extLst>
-                  <a:ext uri="{0D108BD9-81ED-4DB2-BD59-A6C34878D82A}">
-                    <a16:rowId xmlns:a16="http://schemas.microsoft.com/office/drawing/2014/main" val="3690877628"/>
-                  </a:ext>
-                </a:extLst>
-              </a:tr>
-              <a:tr h="228600">
-                <a:tc>
-                  <a:txBody>
-                    <a:bodyPr/>
-                    <a:lstStyle/>
-                    <a:p>
-                      <a:pPr marL="0" marR="0">
-                        <a:lnSpc>
-                          <a:spcPct val="115000"/>
-                        </a:lnSpc>
-                        <a:spcBef>
-                          <a:spcPts val="0"/>
-                        </a:spcBef>
-                        <a:spcAft>
-                          <a:spcPts val="0"/>
-                        </a:spcAft>
-                      </a:pPr>
-                      <a:r>
-                        <a:rPr lang="en-GB" sz="1000" dirty="0">
-                          <a:effectLst/>
-                        </a:rPr>
-                        <a:t>Techno 1</a:t>
-                      </a:r>
-                      <a:endParaRPr lang="en-US" sz="1100" dirty="0">
-                        <a:effectLst/>
-                        <a:latin typeface="Calibri" panose="020F0502020204030204" pitchFamily="34" charset="0"/>
-                        <a:ea typeface="Calibri" panose="020F0502020204030204" pitchFamily="34" charset="0"/>
-                        <a:cs typeface="Times New Roman" panose="02020603050405020304" pitchFamily="18" charset="0"/>
-                      </a:endParaRPr>
-                    </a:p>
-                  </a:txBody>
-                  <a:tcPr marL="68580" marR="68580" marT="0" marB="0" anchor="ctr"/>
-                </a:tc>
-                <a:tc>
-                  <a:txBody>
-                    <a:bodyPr/>
-                    <a:lstStyle/>
-                    <a:p>
-                      <a:pPr marL="0" marR="0" algn="ctr">
-                        <a:lnSpc>
-                          <a:spcPct val="115000"/>
-                        </a:lnSpc>
-                        <a:spcBef>
-                          <a:spcPts val="0"/>
-                        </a:spcBef>
-                        <a:spcAft>
-                          <a:spcPts val="0"/>
-                        </a:spcAft>
-                      </a:pPr>
-                      <a:r>
-                        <a:rPr lang="en-GB" sz="1000">
-                          <a:effectLst/>
-                        </a:rPr>
-                        <a:t> </a:t>
-                      </a:r>
-                      <a:endParaRPr lang="en-US" sz="1100">
-                        <a:effectLst/>
-                        <a:latin typeface="Calibri" panose="020F0502020204030204" pitchFamily="34" charset="0"/>
-                        <a:ea typeface="Calibri" panose="020F0502020204030204" pitchFamily="34" charset="0"/>
-                        <a:cs typeface="Times New Roman" panose="02020603050405020304" pitchFamily="18" charset="0"/>
-                      </a:endParaRPr>
-                    </a:p>
-                  </a:txBody>
-                  <a:tcPr marL="68580" marR="68580" marT="0" marB="0" anchor="ctr"/>
-                </a:tc>
-                <a:tc>
-                  <a:txBody>
-                    <a:bodyPr/>
-                    <a:lstStyle/>
-                    <a:p>
-                      <a:pPr marL="0" marR="0" algn="ctr">
-                        <a:lnSpc>
-                          <a:spcPct val="115000"/>
-                        </a:lnSpc>
-                        <a:spcBef>
-                          <a:spcPts val="0"/>
-                        </a:spcBef>
-                        <a:spcAft>
-                          <a:spcPts val="0"/>
-                        </a:spcAft>
-                      </a:pPr>
-                      <a:r>
-                        <a:rPr lang="en-GB" sz="1000">
-                          <a:effectLst/>
-                        </a:rPr>
-                        <a:t> </a:t>
-                      </a:r>
-                      <a:endParaRPr lang="en-US" sz="1100">
-                        <a:effectLst/>
-                        <a:latin typeface="Calibri" panose="020F0502020204030204" pitchFamily="34" charset="0"/>
-                        <a:ea typeface="Calibri" panose="020F0502020204030204" pitchFamily="34" charset="0"/>
-                        <a:cs typeface="Times New Roman" panose="02020603050405020304" pitchFamily="18" charset="0"/>
-                      </a:endParaRPr>
-                    </a:p>
-                  </a:txBody>
-                  <a:tcPr marL="68580" marR="68580" marT="0" marB="0" anchor="ctr"/>
-                </a:tc>
-                <a:tc>
-                  <a:txBody>
-                    <a:bodyPr/>
-                    <a:lstStyle/>
-                    <a:p>
-                      <a:pPr marL="0" marR="0" algn="ctr">
-                        <a:lnSpc>
-                          <a:spcPct val="115000"/>
-                        </a:lnSpc>
-                        <a:spcBef>
-                          <a:spcPts val="0"/>
-                        </a:spcBef>
-                        <a:spcAft>
-                          <a:spcPts val="0"/>
-                        </a:spcAft>
-                      </a:pPr>
-                      <a:r>
-                        <a:rPr lang="en-GB" sz="1000">
-                          <a:effectLst/>
-                        </a:rPr>
-                        <a:t> </a:t>
-                      </a:r>
-                      <a:endParaRPr lang="en-US" sz="1100">
-                        <a:effectLst/>
-                        <a:latin typeface="Calibri" panose="020F0502020204030204" pitchFamily="34" charset="0"/>
-                        <a:ea typeface="Calibri" panose="020F0502020204030204" pitchFamily="34" charset="0"/>
-                        <a:cs typeface="Times New Roman" panose="02020603050405020304" pitchFamily="18" charset="0"/>
-                      </a:endParaRPr>
-                    </a:p>
-                  </a:txBody>
-                  <a:tcPr marL="68580" marR="68580" marT="0" marB="0" anchor="ctr"/>
-                </a:tc>
-                <a:tc>
-                  <a:txBody>
-                    <a:bodyPr/>
-                    <a:lstStyle/>
-                    <a:p>
-                      <a:pPr marL="0" marR="0" algn="ctr">
-                        <a:lnSpc>
-                          <a:spcPct val="115000"/>
-                        </a:lnSpc>
-                        <a:spcBef>
-                          <a:spcPts val="0"/>
-                        </a:spcBef>
-                        <a:spcAft>
-                          <a:spcPts val="0"/>
-                        </a:spcAft>
-                      </a:pPr>
-                      <a:r>
-                        <a:rPr lang="en-GB" sz="1000">
-                          <a:effectLst/>
-                        </a:rPr>
-                        <a:t> </a:t>
-                      </a:r>
-                      <a:endParaRPr lang="en-US" sz="1100">
-                        <a:effectLst/>
-                        <a:latin typeface="Calibri" panose="020F0502020204030204" pitchFamily="34" charset="0"/>
-                        <a:ea typeface="Calibri" panose="020F0502020204030204" pitchFamily="34" charset="0"/>
-                        <a:cs typeface="Times New Roman" panose="02020603050405020304" pitchFamily="18" charset="0"/>
-                      </a:endParaRPr>
-                    </a:p>
-                  </a:txBody>
-                  <a:tcPr marL="68580" marR="68580" marT="0" marB="0" anchor="ctr"/>
-                </a:tc>
-                <a:tc>
-                  <a:txBody>
-                    <a:bodyPr/>
-                    <a:lstStyle/>
-                    <a:p>
-                      <a:pPr marL="0" marR="0" algn="ctr">
-                        <a:lnSpc>
-                          <a:spcPct val="115000"/>
-                        </a:lnSpc>
-                        <a:spcBef>
-                          <a:spcPts val="0"/>
-                        </a:spcBef>
-                        <a:spcAft>
-                          <a:spcPts val="0"/>
-                        </a:spcAft>
-                      </a:pPr>
-                      <a:r>
-                        <a:rPr lang="en-GB" sz="1000" dirty="0">
-                          <a:effectLst/>
-                        </a:rPr>
-                        <a:t> </a:t>
-                      </a:r>
-                      <a:endParaRPr lang="en-US" sz="1100" dirty="0">
-                        <a:effectLst/>
-                        <a:latin typeface="Calibri" panose="020F0502020204030204" pitchFamily="34" charset="0"/>
-                        <a:ea typeface="Calibri" panose="020F0502020204030204" pitchFamily="34" charset="0"/>
-                        <a:cs typeface="Times New Roman" panose="02020603050405020304" pitchFamily="18" charset="0"/>
-                      </a:endParaRPr>
-                    </a:p>
-                  </a:txBody>
-                  <a:tcPr marL="68580" marR="68580" marT="0" marB="0" anchor="ctr"/>
-                </a:tc>
-                <a:extLst>
-                  <a:ext uri="{0D108BD9-81ED-4DB2-BD59-A6C34878D82A}">
-                    <a16:rowId xmlns:a16="http://schemas.microsoft.com/office/drawing/2014/main" val="3015420128"/>
-                  </a:ext>
-                </a:extLst>
-              </a:tr>
-              <a:tr h="228600">
-                <a:tc>
-                  <a:txBody>
-                    <a:bodyPr/>
-                    <a:lstStyle/>
-                    <a:p>
-                      <a:pPr marL="0" marR="0">
-                        <a:lnSpc>
-                          <a:spcPct val="115000"/>
-                        </a:lnSpc>
-                        <a:spcBef>
-                          <a:spcPts val="0"/>
-                        </a:spcBef>
-                        <a:spcAft>
-                          <a:spcPts val="0"/>
-                        </a:spcAft>
-                      </a:pPr>
-                      <a:r>
-                        <a:rPr lang="en-GB" sz="1000" dirty="0">
-                          <a:effectLst/>
-                        </a:rPr>
-                        <a:t>     technical debt added</a:t>
-                      </a:r>
-                      <a:r>
-                        <a:rPr lang="en-GB" sz="1100" dirty="0">
-                          <a:effectLst/>
-                        </a:rPr>
-                        <a:t> (Days)</a:t>
-                      </a:r>
-                      <a:endParaRPr lang="en-US" sz="1100" b="0" dirty="0">
-                        <a:effectLst/>
-                        <a:latin typeface="Calibri" panose="020F0502020204030204" pitchFamily="34" charset="0"/>
-                        <a:ea typeface="Calibri" panose="020F0502020204030204" pitchFamily="34" charset="0"/>
-                        <a:cs typeface="Times New Roman" panose="02020603050405020304" pitchFamily="18" charset="0"/>
-                      </a:endParaRPr>
-                    </a:p>
-                  </a:txBody>
-                  <a:tcPr marL="68580" marR="68580" marT="0" marB="0" anchor="ctr"/>
-                </a:tc>
-                <a:tc>
-                  <a:txBody>
-                    <a:bodyPr/>
-                    <a:lstStyle/>
-                    <a:p>
-                      <a:pPr marL="0" marR="0" algn="ctr">
-                        <a:lnSpc>
-                          <a:spcPct val="115000"/>
-                        </a:lnSpc>
-                        <a:spcBef>
-                          <a:spcPts val="0"/>
-                        </a:spcBef>
-                        <a:spcAft>
-                          <a:spcPts val="0"/>
-                        </a:spcAft>
-                      </a:pPr>
-                      <a:r>
-                        <a:rPr lang="en-GB" sz="1000" dirty="0">
-                          <a:effectLst/>
-                        </a:rPr>
-                        <a:t>number</a:t>
-                      </a:r>
-                      <a:endParaRPr lang="en-US" sz="1100" dirty="0">
-                        <a:effectLst/>
-                        <a:latin typeface="Calibri" panose="020F0502020204030204" pitchFamily="34" charset="0"/>
-                        <a:ea typeface="Calibri" panose="020F0502020204030204" pitchFamily="34" charset="0"/>
-                        <a:cs typeface="Times New Roman" panose="02020603050405020304" pitchFamily="18" charset="0"/>
-                      </a:endParaRPr>
-                    </a:p>
-                  </a:txBody>
-                  <a:tcPr marL="68580" marR="68580" marT="0" marB="0" anchor="ctr"/>
-                </a:tc>
-                <a:tc>
-                  <a:txBody>
-                    <a:bodyPr/>
-                    <a:lstStyle/>
-                    <a:p>
-                      <a:pPr marL="0" marR="0" algn="ctr">
-                        <a:lnSpc>
-                          <a:spcPct val="115000"/>
-                        </a:lnSpc>
-                        <a:spcBef>
-                          <a:spcPts val="0"/>
-                        </a:spcBef>
-                        <a:spcAft>
-                          <a:spcPts val="0"/>
-                        </a:spcAft>
-                      </a:pPr>
-                      <a:r>
-                        <a:rPr lang="en-GB" sz="1000">
-                          <a:effectLst/>
-                        </a:rPr>
-                        <a:t>number</a:t>
-                      </a:r>
-                      <a:endParaRPr lang="en-US" sz="1100">
-                        <a:effectLst/>
-                        <a:latin typeface="Calibri" panose="020F0502020204030204" pitchFamily="34" charset="0"/>
-                        <a:ea typeface="Calibri" panose="020F0502020204030204" pitchFamily="34" charset="0"/>
-                        <a:cs typeface="Times New Roman" panose="02020603050405020304" pitchFamily="18" charset="0"/>
-                      </a:endParaRPr>
-                    </a:p>
-                  </a:txBody>
-                  <a:tcPr marL="68580" marR="68580" marT="0" marB="0" anchor="ctr"/>
-                </a:tc>
-                <a:tc>
-                  <a:txBody>
-                    <a:bodyPr/>
-                    <a:lstStyle/>
-                    <a:p>
-                      <a:pPr marL="0" marR="0" algn="ctr">
-                        <a:lnSpc>
-                          <a:spcPct val="115000"/>
-                        </a:lnSpc>
-                        <a:spcBef>
-                          <a:spcPts val="0"/>
-                        </a:spcBef>
-                        <a:spcAft>
-                          <a:spcPts val="0"/>
-                        </a:spcAft>
-                      </a:pPr>
-                      <a:r>
-                        <a:rPr lang="en-GB" sz="1000">
-                          <a:effectLst/>
-                        </a:rPr>
-                        <a:t>number</a:t>
-                      </a:r>
-                      <a:endParaRPr lang="en-US" sz="1100">
-                        <a:effectLst/>
-                        <a:latin typeface="Calibri" panose="020F0502020204030204" pitchFamily="34" charset="0"/>
-                        <a:ea typeface="Calibri" panose="020F0502020204030204" pitchFamily="34" charset="0"/>
-                        <a:cs typeface="Times New Roman" panose="02020603050405020304" pitchFamily="18" charset="0"/>
-                      </a:endParaRPr>
-                    </a:p>
-                  </a:txBody>
-                  <a:tcPr marL="68580" marR="68580" marT="0" marB="0" anchor="ctr"/>
-                </a:tc>
-                <a:tc>
-                  <a:txBody>
-                    <a:bodyPr/>
-                    <a:lstStyle/>
-                    <a:p>
-                      <a:pPr marL="0" marR="0" algn="ctr">
-                        <a:lnSpc>
-                          <a:spcPct val="115000"/>
-                        </a:lnSpc>
-                        <a:spcBef>
-                          <a:spcPts val="0"/>
-                        </a:spcBef>
-                        <a:spcAft>
-                          <a:spcPts val="0"/>
-                        </a:spcAft>
-                      </a:pPr>
-                      <a:r>
-                        <a:rPr lang="en-GB" sz="1000">
-                          <a:effectLst/>
-                        </a:rPr>
-                        <a:t>number</a:t>
-                      </a:r>
-                      <a:endParaRPr lang="en-US" sz="1100">
-                        <a:effectLst/>
-                        <a:latin typeface="Calibri" panose="020F0502020204030204" pitchFamily="34" charset="0"/>
-                        <a:ea typeface="Calibri" panose="020F0502020204030204" pitchFamily="34" charset="0"/>
-                        <a:cs typeface="Times New Roman" panose="02020603050405020304" pitchFamily="18" charset="0"/>
-                      </a:endParaRPr>
-                    </a:p>
-                  </a:txBody>
-                  <a:tcPr marL="68580" marR="68580" marT="0" marB="0" anchor="ctr"/>
-                </a:tc>
-                <a:tc>
-                  <a:txBody>
-                    <a:bodyPr/>
-                    <a:lstStyle/>
-                    <a:p>
-                      <a:pPr marL="0" marR="0" algn="ctr">
-                        <a:lnSpc>
-                          <a:spcPct val="115000"/>
-                        </a:lnSpc>
-                        <a:spcBef>
-                          <a:spcPts val="0"/>
-                        </a:spcBef>
-                        <a:spcAft>
-                          <a:spcPts val="0"/>
-                        </a:spcAft>
-                      </a:pPr>
-                      <a:r>
-                        <a:rPr lang="en-GB" sz="1000" dirty="0">
-                          <a:effectLst/>
-                        </a:rPr>
-                        <a:t>Number</a:t>
-                      </a:r>
-                      <a:endParaRPr lang="en-US" sz="1100" dirty="0">
-                        <a:effectLst/>
-                        <a:latin typeface="Calibri" panose="020F0502020204030204" pitchFamily="34" charset="0"/>
-                        <a:ea typeface="Calibri" panose="020F0502020204030204" pitchFamily="34" charset="0"/>
-                        <a:cs typeface="Times New Roman" panose="02020603050405020304" pitchFamily="18" charset="0"/>
-                      </a:endParaRPr>
-                    </a:p>
-                  </a:txBody>
-                  <a:tcPr marL="68580" marR="68580" marT="0" marB="0" anchor="ctr"/>
-                </a:tc>
-                <a:extLst>
-                  <a:ext uri="{0D108BD9-81ED-4DB2-BD59-A6C34878D82A}">
-                    <a16:rowId xmlns:a16="http://schemas.microsoft.com/office/drawing/2014/main" val="854991624"/>
-                  </a:ext>
-                </a:extLst>
-              </a:tr>
-              <a:tr h="228600">
-                <a:tc>
-                  <a:txBody>
-                    <a:bodyPr/>
-                    <a:lstStyle/>
-                    <a:p>
-                      <a:pPr marL="0" marR="0">
-                        <a:lnSpc>
-                          <a:spcPct val="115000"/>
-                        </a:lnSpc>
-                        <a:spcBef>
-                          <a:spcPts val="0"/>
-                        </a:spcBef>
-                        <a:spcAft>
-                          <a:spcPts val="0"/>
-                        </a:spcAft>
-                      </a:pPr>
-                      <a:r>
-                        <a:rPr lang="en-GB" sz="1000" dirty="0">
-                          <a:effectLst/>
-                        </a:rPr>
-                        <a:t>     technical debt removed (Days)</a:t>
-                      </a:r>
-                      <a:endParaRPr lang="en-US" sz="1100" b="0" dirty="0">
-                        <a:effectLst/>
-                        <a:latin typeface="Calibri" panose="020F0502020204030204" pitchFamily="34" charset="0"/>
-                        <a:ea typeface="Calibri" panose="020F0502020204030204" pitchFamily="34" charset="0"/>
-                        <a:cs typeface="Times New Roman" panose="02020603050405020304" pitchFamily="18" charset="0"/>
-                      </a:endParaRPr>
-                    </a:p>
-                  </a:txBody>
-                  <a:tcPr marL="68580" marR="68580" marT="0" marB="0" anchor="ctr"/>
-                </a:tc>
-                <a:tc>
-                  <a:txBody>
-                    <a:bodyPr/>
-                    <a:lstStyle/>
-                    <a:p>
-                      <a:pPr marL="0" marR="0" algn="ctr">
-                        <a:lnSpc>
-                          <a:spcPct val="115000"/>
-                        </a:lnSpc>
-                        <a:spcBef>
-                          <a:spcPts val="0"/>
-                        </a:spcBef>
-                        <a:spcAft>
-                          <a:spcPts val="0"/>
-                        </a:spcAft>
-                      </a:pPr>
-                      <a:r>
-                        <a:rPr lang="en-GB" sz="1000">
-                          <a:effectLst/>
-                        </a:rPr>
-                        <a:t>number</a:t>
-                      </a:r>
-                      <a:endParaRPr lang="en-US" sz="1100">
-                        <a:effectLst/>
-                        <a:latin typeface="Calibri" panose="020F0502020204030204" pitchFamily="34" charset="0"/>
-                        <a:ea typeface="Calibri" panose="020F0502020204030204" pitchFamily="34" charset="0"/>
-                        <a:cs typeface="Times New Roman" panose="02020603050405020304" pitchFamily="18" charset="0"/>
-                      </a:endParaRPr>
-                    </a:p>
-                  </a:txBody>
-                  <a:tcPr marL="68580" marR="68580" marT="0" marB="0" anchor="ctr"/>
-                </a:tc>
-                <a:tc>
-                  <a:txBody>
-                    <a:bodyPr/>
-                    <a:lstStyle/>
-                    <a:p>
-                      <a:pPr marL="0" marR="0" algn="ctr">
-                        <a:lnSpc>
-                          <a:spcPct val="115000"/>
-                        </a:lnSpc>
-                        <a:spcBef>
-                          <a:spcPts val="0"/>
-                        </a:spcBef>
-                        <a:spcAft>
-                          <a:spcPts val="0"/>
-                        </a:spcAft>
-                      </a:pPr>
-                      <a:r>
-                        <a:rPr lang="en-GB" sz="1000">
-                          <a:effectLst/>
-                        </a:rPr>
-                        <a:t>Number</a:t>
-                      </a:r>
-                      <a:endParaRPr lang="en-US" sz="1100">
-                        <a:effectLst/>
-                        <a:latin typeface="Calibri" panose="020F0502020204030204" pitchFamily="34" charset="0"/>
-                        <a:ea typeface="Calibri" panose="020F0502020204030204" pitchFamily="34" charset="0"/>
-                        <a:cs typeface="Times New Roman" panose="02020603050405020304" pitchFamily="18" charset="0"/>
-                      </a:endParaRPr>
-                    </a:p>
-                  </a:txBody>
-                  <a:tcPr marL="68580" marR="68580" marT="0" marB="0" anchor="ctr"/>
-                </a:tc>
-                <a:tc>
-                  <a:txBody>
-                    <a:bodyPr/>
-                    <a:lstStyle/>
-                    <a:p>
-                      <a:pPr marL="0" marR="0" algn="ctr">
-                        <a:lnSpc>
-                          <a:spcPct val="115000"/>
-                        </a:lnSpc>
-                        <a:spcBef>
-                          <a:spcPts val="0"/>
-                        </a:spcBef>
-                        <a:spcAft>
-                          <a:spcPts val="0"/>
-                        </a:spcAft>
-                      </a:pPr>
-                      <a:r>
-                        <a:rPr lang="en-GB" sz="1000">
-                          <a:effectLst/>
-                        </a:rPr>
-                        <a:t>number</a:t>
-                      </a:r>
-                      <a:endParaRPr lang="en-US" sz="1100">
-                        <a:effectLst/>
-                        <a:latin typeface="Calibri" panose="020F0502020204030204" pitchFamily="34" charset="0"/>
-                        <a:ea typeface="Calibri" panose="020F0502020204030204" pitchFamily="34" charset="0"/>
-                        <a:cs typeface="Times New Roman" panose="02020603050405020304" pitchFamily="18" charset="0"/>
-                      </a:endParaRPr>
-                    </a:p>
-                  </a:txBody>
-                  <a:tcPr marL="68580" marR="68580" marT="0" marB="0" anchor="ctr"/>
-                </a:tc>
-                <a:tc>
-                  <a:txBody>
-                    <a:bodyPr/>
-                    <a:lstStyle/>
-                    <a:p>
-                      <a:pPr marL="0" marR="0" algn="ctr">
-                        <a:lnSpc>
-                          <a:spcPct val="115000"/>
-                        </a:lnSpc>
-                        <a:spcBef>
-                          <a:spcPts val="0"/>
-                        </a:spcBef>
-                        <a:spcAft>
-                          <a:spcPts val="0"/>
-                        </a:spcAft>
-                      </a:pPr>
-                      <a:r>
-                        <a:rPr lang="en-GB" sz="1000">
-                          <a:effectLst/>
-                        </a:rPr>
-                        <a:t>Number</a:t>
-                      </a:r>
-                      <a:endParaRPr lang="en-US" sz="1100">
-                        <a:effectLst/>
-                        <a:latin typeface="Calibri" panose="020F0502020204030204" pitchFamily="34" charset="0"/>
-                        <a:ea typeface="Calibri" panose="020F0502020204030204" pitchFamily="34" charset="0"/>
-                        <a:cs typeface="Times New Roman" panose="02020603050405020304" pitchFamily="18" charset="0"/>
-                      </a:endParaRPr>
-                    </a:p>
-                  </a:txBody>
-                  <a:tcPr marL="68580" marR="68580" marT="0" marB="0" anchor="ctr"/>
-                </a:tc>
-                <a:tc>
-                  <a:txBody>
-                    <a:bodyPr/>
-                    <a:lstStyle/>
-                    <a:p>
-                      <a:pPr marL="0" marR="0" algn="ctr">
-                        <a:lnSpc>
-                          <a:spcPct val="115000"/>
-                        </a:lnSpc>
-                        <a:spcBef>
-                          <a:spcPts val="0"/>
-                        </a:spcBef>
-                        <a:spcAft>
-                          <a:spcPts val="0"/>
-                        </a:spcAft>
-                      </a:pPr>
-                      <a:r>
-                        <a:rPr lang="en-GB" sz="1000" dirty="0">
-                          <a:effectLst/>
-                        </a:rPr>
-                        <a:t>Number</a:t>
-                      </a:r>
-                      <a:endParaRPr lang="en-US" sz="1100" dirty="0">
-                        <a:effectLst/>
-                        <a:latin typeface="Calibri" panose="020F0502020204030204" pitchFamily="34" charset="0"/>
-                        <a:ea typeface="Calibri" panose="020F0502020204030204" pitchFamily="34" charset="0"/>
-                        <a:cs typeface="Times New Roman" panose="02020603050405020304" pitchFamily="18" charset="0"/>
-                      </a:endParaRPr>
-                    </a:p>
-                  </a:txBody>
-                  <a:tcPr marL="68580" marR="68580" marT="0" marB="0" anchor="ctr"/>
-                </a:tc>
-                <a:extLst>
-                  <a:ext uri="{0D108BD9-81ED-4DB2-BD59-A6C34878D82A}">
-                    <a16:rowId xmlns:a16="http://schemas.microsoft.com/office/drawing/2014/main" val="2600531140"/>
-                  </a:ext>
-                </a:extLst>
-              </a:tr>
-              <a:tr h="228600">
-                <a:tc>
-                  <a:txBody>
-                    <a:bodyPr/>
-                    <a:lstStyle/>
-                    <a:p>
-                      <a:pPr marL="0" marR="0">
-                        <a:lnSpc>
-                          <a:spcPct val="115000"/>
-                        </a:lnSpc>
-                        <a:spcBef>
-                          <a:spcPts val="0"/>
-                        </a:spcBef>
-                        <a:spcAft>
-                          <a:spcPts val="0"/>
-                        </a:spcAft>
-                      </a:pPr>
-                      <a:r>
-                        <a:rPr lang="en-GB" sz="1000" dirty="0">
-                          <a:effectLst/>
-                        </a:rPr>
-                        <a:t>Techno …</a:t>
-                      </a:r>
-                      <a:endParaRPr lang="en-US" sz="1100" dirty="0">
-                        <a:effectLst/>
-                        <a:latin typeface="Calibri" panose="020F0502020204030204" pitchFamily="34" charset="0"/>
-                        <a:ea typeface="Calibri" panose="020F0502020204030204" pitchFamily="34" charset="0"/>
-                        <a:cs typeface="Times New Roman" panose="02020603050405020304" pitchFamily="18" charset="0"/>
-                      </a:endParaRPr>
-                    </a:p>
-                  </a:txBody>
-                  <a:tcPr marL="68580" marR="68580" marT="0" marB="0" anchor="ctr"/>
-                </a:tc>
-                <a:tc>
-                  <a:txBody>
-                    <a:bodyPr/>
-                    <a:lstStyle/>
-                    <a:p>
-                      <a:pPr marL="0" marR="0" algn="ctr">
-                        <a:lnSpc>
-                          <a:spcPct val="115000"/>
-                        </a:lnSpc>
-                        <a:spcBef>
-                          <a:spcPts val="0"/>
-                        </a:spcBef>
-                        <a:spcAft>
-                          <a:spcPts val="0"/>
-                        </a:spcAft>
-                      </a:pPr>
-                      <a:r>
-                        <a:rPr lang="en-GB" sz="1000">
-                          <a:effectLst/>
-                        </a:rPr>
-                        <a:t> </a:t>
-                      </a:r>
-                      <a:endParaRPr lang="en-US" sz="1100">
-                        <a:effectLst/>
-                        <a:latin typeface="Calibri" panose="020F0502020204030204" pitchFamily="34" charset="0"/>
-                        <a:ea typeface="Calibri" panose="020F0502020204030204" pitchFamily="34" charset="0"/>
-                        <a:cs typeface="Times New Roman" panose="02020603050405020304" pitchFamily="18" charset="0"/>
-                      </a:endParaRPr>
-                    </a:p>
-                  </a:txBody>
-                  <a:tcPr marL="68580" marR="68580" marT="0" marB="0" anchor="ctr"/>
-                </a:tc>
-                <a:tc>
-                  <a:txBody>
-                    <a:bodyPr/>
-                    <a:lstStyle/>
-                    <a:p>
-                      <a:pPr marL="0" marR="0" algn="ctr">
-                        <a:lnSpc>
-                          <a:spcPct val="115000"/>
-                        </a:lnSpc>
-                        <a:spcBef>
-                          <a:spcPts val="0"/>
-                        </a:spcBef>
-                        <a:spcAft>
-                          <a:spcPts val="0"/>
-                        </a:spcAft>
-                      </a:pPr>
-                      <a:r>
-                        <a:rPr lang="en-GB" sz="1000">
-                          <a:effectLst/>
-                        </a:rPr>
-                        <a:t> </a:t>
-                      </a:r>
-                      <a:endParaRPr lang="en-US" sz="1100">
-                        <a:effectLst/>
-                        <a:latin typeface="Calibri" panose="020F0502020204030204" pitchFamily="34" charset="0"/>
-                        <a:ea typeface="Calibri" panose="020F0502020204030204" pitchFamily="34" charset="0"/>
-                        <a:cs typeface="Times New Roman" panose="02020603050405020304" pitchFamily="18" charset="0"/>
-                      </a:endParaRPr>
-                    </a:p>
-                  </a:txBody>
-                  <a:tcPr marL="68580" marR="68580" marT="0" marB="0" anchor="ctr"/>
-                </a:tc>
-                <a:tc>
-                  <a:txBody>
-                    <a:bodyPr/>
-                    <a:lstStyle/>
-                    <a:p>
-                      <a:pPr marL="0" marR="0" algn="ctr">
-                        <a:lnSpc>
-                          <a:spcPct val="115000"/>
-                        </a:lnSpc>
-                        <a:spcBef>
-                          <a:spcPts val="0"/>
-                        </a:spcBef>
-                        <a:spcAft>
-                          <a:spcPts val="0"/>
-                        </a:spcAft>
-                      </a:pPr>
-                      <a:r>
-                        <a:rPr lang="en-GB" sz="1000">
-                          <a:effectLst/>
-                        </a:rPr>
-                        <a:t> </a:t>
-                      </a:r>
-                      <a:endParaRPr lang="en-US" sz="1100">
-                        <a:effectLst/>
-                        <a:latin typeface="Calibri" panose="020F0502020204030204" pitchFamily="34" charset="0"/>
-                        <a:ea typeface="Calibri" panose="020F0502020204030204" pitchFamily="34" charset="0"/>
-                        <a:cs typeface="Times New Roman" panose="02020603050405020304" pitchFamily="18" charset="0"/>
-                      </a:endParaRPr>
-                    </a:p>
-                  </a:txBody>
-                  <a:tcPr marL="68580" marR="68580" marT="0" marB="0" anchor="ctr"/>
-                </a:tc>
-                <a:tc>
-                  <a:txBody>
-                    <a:bodyPr/>
-                    <a:lstStyle/>
-                    <a:p>
-                      <a:pPr marL="0" marR="0" algn="ctr">
-                        <a:lnSpc>
-                          <a:spcPct val="115000"/>
-                        </a:lnSpc>
-                        <a:spcBef>
-                          <a:spcPts val="0"/>
-                        </a:spcBef>
-                        <a:spcAft>
-                          <a:spcPts val="0"/>
-                        </a:spcAft>
-                      </a:pPr>
-                      <a:r>
-                        <a:rPr lang="en-GB" sz="1000">
-                          <a:effectLst/>
-                        </a:rPr>
-                        <a:t> </a:t>
-                      </a:r>
-                      <a:endParaRPr lang="en-US" sz="1100">
-                        <a:effectLst/>
-                        <a:latin typeface="Calibri" panose="020F0502020204030204" pitchFamily="34" charset="0"/>
-                        <a:ea typeface="Calibri" panose="020F0502020204030204" pitchFamily="34" charset="0"/>
-                        <a:cs typeface="Times New Roman" panose="02020603050405020304" pitchFamily="18" charset="0"/>
-                      </a:endParaRPr>
-                    </a:p>
-                  </a:txBody>
-                  <a:tcPr marL="68580" marR="68580" marT="0" marB="0" anchor="ctr"/>
-                </a:tc>
-                <a:tc>
-                  <a:txBody>
-                    <a:bodyPr/>
-                    <a:lstStyle/>
-                    <a:p>
-                      <a:pPr marL="0" marR="0" algn="ctr">
-                        <a:lnSpc>
-                          <a:spcPct val="115000"/>
-                        </a:lnSpc>
-                        <a:spcBef>
-                          <a:spcPts val="0"/>
-                        </a:spcBef>
-                        <a:spcAft>
-                          <a:spcPts val="0"/>
-                        </a:spcAft>
-                      </a:pPr>
-                      <a:r>
-                        <a:rPr lang="en-GB" sz="1000" dirty="0">
-                          <a:effectLst/>
-                        </a:rPr>
-                        <a:t> </a:t>
-                      </a:r>
-                      <a:endParaRPr lang="en-US" sz="1100" dirty="0">
-                        <a:effectLst/>
-                        <a:latin typeface="Calibri" panose="020F0502020204030204" pitchFamily="34" charset="0"/>
-                        <a:ea typeface="Calibri" panose="020F0502020204030204" pitchFamily="34" charset="0"/>
-                        <a:cs typeface="Times New Roman" panose="02020603050405020304" pitchFamily="18" charset="0"/>
-                      </a:endParaRPr>
-                    </a:p>
-                  </a:txBody>
-                  <a:tcPr marL="68580" marR="68580" marT="0" marB="0" anchor="ctr"/>
-                </a:tc>
-                <a:extLst>
-                  <a:ext uri="{0D108BD9-81ED-4DB2-BD59-A6C34878D82A}">
-                    <a16:rowId xmlns:a16="http://schemas.microsoft.com/office/drawing/2014/main" val="3959955328"/>
-                  </a:ext>
-                </a:extLst>
-              </a:tr>
-              <a:tr h="228600">
-                <a:tc>
-                  <a:txBody>
-                    <a:bodyPr/>
-                    <a:lstStyle/>
-                    <a:p>
-                      <a:pPr marL="0" marR="0">
-                        <a:lnSpc>
-                          <a:spcPct val="115000"/>
-                        </a:lnSpc>
-                        <a:spcBef>
-                          <a:spcPts val="0"/>
-                        </a:spcBef>
-                        <a:spcAft>
-                          <a:spcPts val="0"/>
-                        </a:spcAft>
-                      </a:pPr>
-                      <a:r>
-                        <a:rPr lang="en-GB" sz="1000" dirty="0">
-                          <a:effectLst/>
-                        </a:rPr>
-                        <a:t>      technical debt added</a:t>
-                      </a:r>
-                      <a:r>
-                        <a:rPr lang="en-GB" sz="1100" dirty="0">
-                          <a:effectLst/>
-                        </a:rPr>
-                        <a:t> (Days)</a:t>
-                      </a:r>
-                      <a:endParaRPr lang="en-US" sz="1100" b="0" dirty="0">
-                        <a:effectLst/>
-                        <a:latin typeface="Calibri" panose="020F0502020204030204" pitchFamily="34" charset="0"/>
-                        <a:ea typeface="Calibri" panose="020F0502020204030204" pitchFamily="34" charset="0"/>
-                        <a:cs typeface="Times New Roman" panose="02020603050405020304" pitchFamily="18" charset="0"/>
-                      </a:endParaRPr>
-                    </a:p>
-                  </a:txBody>
-                  <a:tcPr marL="68580" marR="68580" marT="0" marB="0" anchor="ctr"/>
-                </a:tc>
-                <a:tc>
-                  <a:txBody>
-                    <a:bodyPr/>
-                    <a:lstStyle/>
-                    <a:p>
-                      <a:pPr marL="0" marR="0" algn="ctr">
-                        <a:lnSpc>
-                          <a:spcPct val="115000"/>
-                        </a:lnSpc>
-                        <a:spcBef>
-                          <a:spcPts val="0"/>
-                        </a:spcBef>
-                        <a:spcAft>
-                          <a:spcPts val="0"/>
-                        </a:spcAft>
-                      </a:pPr>
-                      <a:r>
-                        <a:rPr lang="en-GB" sz="1000" dirty="0">
-                          <a:effectLst/>
-                        </a:rPr>
-                        <a:t>number</a:t>
-                      </a:r>
-                      <a:endParaRPr lang="en-US" sz="1100" dirty="0">
-                        <a:effectLst/>
-                        <a:latin typeface="Calibri" panose="020F0502020204030204" pitchFamily="34" charset="0"/>
-                        <a:ea typeface="Calibri" panose="020F0502020204030204" pitchFamily="34" charset="0"/>
-                        <a:cs typeface="Times New Roman" panose="02020603050405020304" pitchFamily="18" charset="0"/>
-                      </a:endParaRPr>
-                    </a:p>
-                  </a:txBody>
-                  <a:tcPr marL="68580" marR="68580" marT="0" marB="0" anchor="ctr"/>
-                </a:tc>
-                <a:tc>
-                  <a:txBody>
-                    <a:bodyPr/>
-                    <a:lstStyle/>
-                    <a:p>
-                      <a:pPr marL="0" marR="0" algn="ctr">
-                        <a:lnSpc>
-                          <a:spcPct val="115000"/>
-                        </a:lnSpc>
-                        <a:spcBef>
-                          <a:spcPts val="0"/>
-                        </a:spcBef>
-                        <a:spcAft>
-                          <a:spcPts val="0"/>
-                        </a:spcAft>
-                      </a:pPr>
-                      <a:r>
-                        <a:rPr lang="en-GB" sz="1000">
-                          <a:effectLst/>
-                        </a:rPr>
-                        <a:t>number</a:t>
-                      </a:r>
-                      <a:endParaRPr lang="en-US" sz="1100">
-                        <a:effectLst/>
-                        <a:latin typeface="Calibri" panose="020F0502020204030204" pitchFamily="34" charset="0"/>
-                        <a:ea typeface="Calibri" panose="020F0502020204030204" pitchFamily="34" charset="0"/>
-                        <a:cs typeface="Times New Roman" panose="02020603050405020304" pitchFamily="18" charset="0"/>
-                      </a:endParaRPr>
-                    </a:p>
-                  </a:txBody>
-                  <a:tcPr marL="68580" marR="68580" marT="0" marB="0" anchor="ctr"/>
-                </a:tc>
-                <a:tc>
-                  <a:txBody>
-                    <a:bodyPr/>
-                    <a:lstStyle/>
-                    <a:p>
-                      <a:pPr marL="0" marR="0" algn="ctr">
-                        <a:lnSpc>
-                          <a:spcPct val="115000"/>
-                        </a:lnSpc>
-                        <a:spcBef>
-                          <a:spcPts val="0"/>
-                        </a:spcBef>
-                        <a:spcAft>
-                          <a:spcPts val="0"/>
-                        </a:spcAft>
-                      </a:pPr>
-                      <a:r>
-                        <a:rPr lang="en-GB" sz="1000">
-                          <a:effectLst/>
-                        </a:rPr>
-                        <a:t>Number</a:t>
-                      </a:r>
-                      <a:endParaRPr lang="en-US" sz="1100">
-                        <a:effectLst/>
-                        <a:latin typeface="Calibri" panose="020F0502020204030204" pitchFamily="34" charset="0"/>
-                        <a:ea typeface="Calibri" panose="020F0502020204030204" pitchFamily="34" charset="0"/>
-                        <a:cs typeface="Times New Roman" panose="02020603050405020304" pitchFamily="18" charset="0"/>
-                      </a:endParaRPr>
-                    </a:p>
-                  </a:txBody>
-                  <a:tcPr marL="68580" marR="68580" marT="0" marB="0" anchor="ctr"/>
-                </a:tc>
-                <a:tc>
-                  <a:txBody>
-                    <a:bodyPr/>
-                    <a:lstStyle/>
-                    <a:p>
-                      <a:pPr marL="0" marR="0" algn="ctr">
-                        <a:lnSpc>
-                          <a:spcPct val="115000"/>
-                        </a:lnSpc>
-                        <a:spcBef>
-                          <a:spcPts val="0"/>
-                        </a:spcBef>
-                        <a:spcAft>
-                          <a:spcPts val="0"/>
-                        </a:spcAft>
-                      </a:pPr>
-                      <a:r>
-                        <a:rPr lang="en-GB" sz="1000">
-                          <a:effectLst/>
-                        </a:rPr>
-                        <a:t>number</a:t>
-                      </a:r>
-                      <a:endParaRPr lang="en-US" sz="1100">
-                        <a:effectLst/>
-                        <a:latin typeface="Calibri" panose="020F0502020204030204" pitchFamily="34" charset="0"/>
-                        <a:ea typeface="Calibri" panose="020F0502020204030204" pitchFamily="34" charset="0"/>
-                        <a:cs typeface="Times New Roman" panose="02020603050405020304" pitchFamily="18" charset="0"/>
-                      </a:endParaRPr>
-                    </a:p>
-                  </a:txBody>
-                  <a:tcPr marL="68580" marR="68580" marT="0" marB="0" anchor="ctr"/>
-                </a:tc>
-                <a:tc>
-                  <a:txBody>
-                    <a:bodyPr/>
-                    <a:lstStyle/>
-                    <a:p>
-                      <a:pPr marL="0" marR="0" algn="ctr">
-                        <a:lnSpc>
-                          <a:spcPct val="115000"/>
-                        </a:lnSpc>
-                        <a:spcBef>
-                          <a:spcPts val="0"/>
-                        </a:spcBef>
-                        <a:spcAft>
-                          <a:spcPts val="0"/>
-                        </a:spcAft>
-                      </a:pPr>
-                      <a:r>
-                        <a:rPr lang="en-GB" sz="1000" dirty="0">
-                          <a:effectLst/>
-                        </a:rPr>
-                        <a:t>Number</a:t>
-                      </a:r>
-                      <a:endParaRPr lang="en-US" sz="1100" dirty="0">
-                        <a:effectLst/>
-                        <a:latin typeface="Calibri" panose="020F0502020204030204" pitchFamily="34" charset="0"/>
-                        <a:ea typeface="Calibri" panose="020F0502020204030204" pitchFamily="34" charset="0"/>
-                        <a:cs typeface="Times New Roman" panose="02020603050405020304" pitchFamily="18" charset="0"/>
-                      </a:endParaRPr>
-                    </a:p>
-                  </a:txBody>
-                  <a:tcPr marL="68580" marR="68580" marT="0" marB="0" anchor="ctr"/>
-                </a:tc>
-                <a:extLst>
-                  <a:ext uri="{0D108BD9-81ED-4DB2-BD59-A6C34878D82A}">
-                    <a16:rowId xmlns:a16="http://schemas.microsoft.com/office/drawing/2014/main" val="2236576383"/>
-                  </a:ext>
-                </a:extLst>
-              </a:tr>
-              <a:tr h="228600">
-                <a:tc>
-                  <a:txBody>
-                    <a:bodyPr/>
-                    <a:lstStyle/>
-                    <a:p>
-                      <a:pPr marL="0" marR="0">
-                        <a:lnSpc>
-                          <a:spcPct val="115000"/>
-                        </a:lnSpc>
-                        <a:spcBef>
-                          <a:spcPts val="0"/>
-                        </a:spcBef>
-                        <a:spcAft>
-                          <a:spcPts val="0"/>
-                        </a:spcAft>
-                      </a:pPr>
-                      <a:r>
-                        <a:rPr lang="en-GB" sz="1000" dirty="0">
-                          <a:effectLst/>
-                        </a:rPr>
-                        <a:t>      technical debt removed</a:t>
-                      </a:r>
-                      <a:r>
-                        <a:rPr lang="en-GB" sz="1100" dirty="0">
-                          <a:effectLst/>
-                        </a:rPr>
-                        <a:t> (Days)</a:t>
-                      </a:r>
-                      <a:endParaRPr lang="en-US" sz="1100" b="0" dirty="0">
-                        <a:effectLst/>
-                        <a:latin typeface="Calibri" panose="020F0502020204030204" pitchFamily="34" charset="0"/>
-                        <a:ea typeface="Calibri" panose="020F0502020204030204" pitchFamily="34" charset="0"/>
-                        <a:cs typeface="Times New Roman" panose="02020603050405020304" pitchFamily="18" charset="0"/>
-                      </a:endParaRPr>
-                    </a:p>
-                  </a:txBody>
-                  <a:tcPr marL="68580" marR="68580" marT="0" marB="0" anchor="ctr"/>
-                </a:tc>
-                <a:tc>
-                  <a:txBody>
-                    <a:bodyPr/>
-                    <a:lstStyle/>
-                    <a:p>
-                      <a:pPr marL="0" marR="0" algn="ctr">
-                        <a:lnSpc>
-                          <a:spcPct val="115000"/>
-                        </a:lnSpc>
-                        <a:spcBef>
-                          <a:spcPts val="0"/>
-                        </a:spcBef>
-                        <a:spcAft>
-                          <a:spcPts val="0"/>
-                        </a:spcAft>
-                      </a:pPr>
-                      <a:r>
-                        <a:rPr lang="en-GB" sz="1000" dirty="0">
-                          <a:effectLst/>
-                        </a:rPr>
-                        <a:t>number</a:t>
-                      </a:r>
-                      <a:endParaRPr lang="en-US" sz="1100" dirty="0">
-                        <a:effectLst/>
-                        <a:latin typeface="Calibri" panose="020F0502020204030204" pitchFamily="34" charset="0"/>
-                        <a:ea typeface="Calibri" panose="020F0502020204030204" pitchFamily="34" charset="0"/>
-                        <a:cs typeface="Times New Roman" panose="02020603050405020304" pitchFamily="18" charset="0"/>
-                      </a:endParaRPr>
-                    </a:p>
-                  </a:txBody>
-                  <a:tcPr marL="68580" marR="68580" marT="0" marB="0" anchor="ctr"/>
-                </a:tc>
-                <a:tc>
-                  <a:txBody>
-                    <a:bodyPr/>
-                    <a:lstStyle/>
-                    <a:p>
-                      <a:pPr marL="0" marR="0" algn="ctr">
-                        <a:lnSpc>
-                          <a:spcPct val="115000"/>
-                        </a:lnSpc>
-                        <a:spcBef>
-                          <a:spcPts val="0"/>
-                        </a:spcBef>
-                        <a:spcAft>
-                          <a:spcPts val="0"/>
-                        </a:spcAft>
-                      </a:pPr>
-                      <a:r>
-                        <a:rPr lang="en-GB" sz="1000" dirty="0">
-                          <a:effectLst/>
-                        </a:rPr>
-                        <a:t>Number</a:t>
-                      </a:r>
-                      <a:endParaRPr lang="en-US" sz="1100" dirty="0">
-                        <a:effectLst/>
-                        <a:latin typeface="Calibri" panose="020F0502020204030204" pitchFamily="34" charset="0"/>
-                        <a:ea typeface="Calibri" panose="020F0502020204030204" pitchFamily="34" charset="0"/>
-                        <a:cs typeface="Times New Roman" panose="02020603050405020304" pitchFamily="18" charset="0"/>
-                      </a:endParaRPr>
-                    </a:p>
-                  </a:txBody>
-                  <a:tcPr marL="68580" marR="68580" marT="0" marB="0" anchor="ctr"/>
-                </a:tc>
-                <a:tc>
-                  <a:txBody>
-                    <a:bodyPr/>
-                    <a:lstStyle/>
-                    <a:p>
-                      <a:pPr marL="0" marR="0" algn="ctr">
-                        <a:lnSpc>
-                          <a:spcPct val="115000"/>
-                        </a:lnSpc>
-                        <a:spcBef>
-                          <a:spcPts val="0"/>
-                        </a:spcBef>
-                        <a:spcAft>
-                          <a:spcPts val="0"/>
-                        </a:spcAft>
-                      </a:pPr>
-                      <a:r>
-                        <a:rPr lang="en-GB" sz="1000" dirty="0">
-                          <a:effectLst/>
-                        </a:rPr>
-                        <a:t>Number</a:t>
-                      </a:r>
-                      <a:endParaRPr lang="en-US" sz="1100" dirty="0">
-                        <a:effectLst/>
-                        <a:latin typeface="Calibri" panose="020F0502020204030204" pitchFamily="34" charset="0"/>
-                        <a:ea typeface="Calibri" panose="020F0502020204030204" pitchFamily="34" charset="0"/>
-                        <a:cs typeface="Times New Roman" panose="02020603050405020304" pitchFamily="18" charset="0"/>
-                      </a:endParaRPr>
-                    </a:p>
-                  </a:txBody>
-                  <a:tcPr marL="68580" marR="68580" marT="0" marB="0" anchor="ctr"/>
-                </a:tc>
-                <a:tc>
-                  <a:txBody>
-                    <a:bodyPr/>
-                    <a:lstStyle/>
-                    <a:p>
-                      <a:pPr marL="0" marR="0" algn="ctr">
-                        <a:lnSpc>
-                          <a:spcPct val="115000"/>
-                        </a:lnSpc>
-                        <a:spcBef>
-                          <a:spcPts val="0"/>
-                        </a:spcBef>
-                        <a:spcAft>
-                          <a:spcPts val="0"/>
-                        </a:spcAft>
-                      </a:pPr>
-                      <a:r>
-                        <a:rPr lang="en-GB" sz="1000" dirty="0">
-                          <a:effectLst/>
-                        </a:rPr>
-                        <a:t>Number</a:t>
-                      </a:r>
-                      <a:endParaRPr lang="en-US" sz="1100" dirty="0">
-                        <a:effectLst/>
-                        <a:latin typeface="Calibri" panose="020F0502020204030204" pitchFamily="34" charset="0"/>
-                        <a:ea typeface="Calibri" panose="020F0502020204030204" pitchFamily="34" charset="0"/>
-                        <a:cs typeface="Times New Roman" panose="02020603050405020304" pitchFamily="18" charset="0"/>
-                      </a:endParaRPr>
-                    </a:p>
-                  </a:txBody>
-                  <a:tcPr marL="68580" marR="68580" marT="0" marB="0" anchor="ctr"/>
-                </a:tc>
-                <a:tc>
-                  <a:txBody>
-                    <a:bodyPr/>
-                    <a:lstStyle/>
-                    <a:p>
-                      <a:pPr marL="0" marR="0" algn="ctr">
-                        <a:lnSpc>
-                          <a:spcPct val="115000"/>
-                        </a:lnSpc>
-                        <a:spcBef>
-                          <a:spcPts val="0"/>
-                        </a:spcBef>
-                        <a:spcAft>
-                          <a:spcPts val="0"/>
-                        </a:spcAft>
-                      </a:pPr>
-                      <a:r>
-                        <a:rPr lang="en-GB" sz="1000" dirty="0">
-                          <a:effectLst/>
-                        </a:rPr>
-                        <a:t>Number</a:t>
-                      </a:r>
-                      <a:endParaRPr lang="en-US" sz="1100" dirty="0">
-                        <a:effectLst/>
-                        <a:latin typeface="Calibri" panose="020F0502020204030204" pitchFamily="34" charset="0"/>
-                        <a:ea typeface="Calibri" panose="020F0502020204030204" pitchFamily="34" charset="0"/>
-                        <a:cs typeface="Times New Roman" panose="02020603050405020304" pitchFamily="18" charset="0"/>
-                      </a:endParaRPr>
-                    </a:p>
-                  </a:txBody>
-                  <a:tcPr marL="68580" marR="68580" marT="0" marB="0" anchor="ctr"/>
-                </a:tc>
-                <a:extLst>
-                  <a:ext uri="{0D108BD9-81ED-4DB2-BD59-A6C34878D82A}">
-                    <a16:rowId xmlns:a16="http://schemas.microsoft.com/office/drawing/2014/main" val="376721692"/>
-                  </a:ext>
-                </a:extLst>
-              </a:tr>
-            </a:tbl>
-          </a:graphicData>
-        </a:graphic>
-      </p:graphicFrame>
-      <p:sp>
-        <p:nvSpPr>
-          <p:cNvPr id="7" name="TextBox 6">
-            <a:extLst>
-              <a:ext uri="{FF2B5EF4-FFF2-40B4-BE49-F238E27FC236}">
-                <a16:creationId xmlns:a16="http://schemas.microsoft.com/office/drawing/2014/main" id="{2E93B3E4-2A3B-48C6-99CA-6C26D217BA02}"/>
-              </a:ext>
-            </a:extLst>
-          </p:cNvPr>
-          <p:cNvSpPr txBox="1"/>
-          <p:nvPr/>
-        </p:nvSpPr>
-        <p:spPr>
-          <a:xfrm>
-            <a:off x="914400" y="5461146"/>
-            <a:ext cx="10703859" cy="447383"/>
-          </a:xfrm>
-          <a:prstGeom prst="rect">
-            <a:avLst/>
-          </a:prstGeom>
-        </p:spPr>
-        <p:txBody>
-          <a:bodyPr vert="horz" wrap="square" lIns="91440" tIns="45720" rIns="91440" bIns="45720" rtlCol="0" anchor="t">
-            <a:noAutofit/>
-          </a:bodyPr>
-          <a:lstStyle>
-            <a:defPPr>
-              <a:defRPr lang="en-US"/>
-            </a:defPPr>
-            <a:lvl1pPr>
-              <a:defRPr sz="1200">
-                <a:solidFill>
-                  <a:schemeClr val="tx1">
-                    <a:lumMod val="50000"/>
-                    <a:lumOff val="50000"/>
-                  </a:schemeClr>
-                </a:solidFill>
-              </a:defRPr>
-            </a:lvl1pPr>
-          </a:lstStyle>
-          <a:p>
-            <a:r>
-              <a:rPr lang="en-US" dirty="0"/>
-              <a:t>*** Requires installation of OMG Technical Debt Measure (&gt;2.0.0 </a:t>
-            </a:r>
-            <a:r>
-              <a:rPr lang="en-US" dirty="0" err="1"/>
-              <a:t>funcrel</a:t>
-            </a:r>
-            <a:r>
-              <a:rPr lang="en-US" dirty="0"/>
-              <a:t>) (and ISO-5055 Index extensions and/or CISQ Index extensions)</a:t>
-            </a:r>
-          </a:p>
-          <a:p>
-            <a:r>
-              <a:rPr lang="en-US" dirty="0"/>
-              <a:t>To get results on Omg Technical Debt on a specific metric, add the axis "METRICS=M" where M is the index id (ISO, CISQ or AIP)</a:t>
-            </a:r>
-            <a:endParaRPr lang="en-GB" dirty="0"/>
-          </a:p>
-          <a:p>
-            <a:endParaRPr lang="en-US" dirty="0"/>
-          </a:p>
-        </p:txBody>
-      </p:sp>
-    </p:spTree>
-    <p:extLst>
-      <p:ext uri="{BB962C8B-B14F-4D97-AF65-F5344CB8AC3E}">
-        <p14:creationId xmlns:p14="http://schemas.microsoft.com/office/powerpoint/2010/main" val="578299614"/>
-      </p:ext>
-    </p:extLst>
-  </p:cSld>
-  <p:clrMapOvr>
-    <a:masterClrMapping/>
-  </p:clrMapOvr>
-</p:sld>
-</file>
-
-<file path=ppt/slides/slide15.xml><?xml version="1.0" encoding="utf-8"?>
-<p:sld xmlns:a="http://schemas.openxmlformats.org/drawingml/2006/main" xmlns:r="http://schemas.openxmlformats.org/officeDocument/2006/relationships" xmlns:p="http://schemas.openxmlformats.org/presentationml/2006/main">
-  <p:cSld>
-    <p:spTree>
-      <p:nvGrpSpPr>
-        <p:cNvPr id="1" name=""/>
-        <p:cNvGrpSpPr/>
-        <p:nvPr/>
-      </p:nvGrpSpPr>
-      <p:grpSpPr>
-        <a:xfrm>
-          <a:off x="0" y="0"/>
-          <a:ext cx="0" cy="0"/>
-          <a:chOff x="0" y="0"/>
-          <a:chExt cx="0" cy="0"/>
-        </a:xfrm>
-      </p:grpSpPr>
-      <p:sp>
-        <p:nvSpPr>
-          <p:cNvPr id="2" name="Title 1"/>
-          <p:cNvSpPr>
-            <a:spLocks noGrp="1"/>
-          </p:cNvSpPr>
-          <p:nvPr>
-            <p:ph type="title"/>
-          </p:nvPr>
-        </p:nvSpPr>
-        <p:spPr/>
-        <p:txBody>
-          <a:bodyPr/>
-          <a:lstStyle/>
-          <a:p>
-            <a:r>
-              <a:rPr lang="en-US" dirty="0"/>
-              <a:t>Notes</a:t>
-            </a:r>
-          </a:p>
-        </p:txBody>
-      </p:sp>
-      <p:sp>
-        <p:nvSpPr>
-          <p:cNvPr id="3" name="Text Placeholder 2"/>
-          <p:cNvSpPr>
-            <a:spLocks noGrp="1"/>
-          </p:cNvSpPr>
-          <p:nvPr>
-            <p:ph type="body" sz="quarter" idx="13"/>
-          </p:nvPr>
-        </p:nvSpPr>
-        <p:spPr/>
-        <p:txBody>
-          <a:bodyPr/>
-          <a:lstStyle/>
-          <a:p>
-            <a:r>
               <a:rPr lang="en-GB" b="1" u="sng" dirty="0"/>
               <a:t>No space can be left</a:t>
             </a:r>
@@ -17007,17 +15346,6 @@
               <a:rPr lang="en-US" dirty="0"/>
               <a:t>: if no information filled, then default value is "HEALTH_FACTOR"</a:t>
             </a:r>
-          </a:p>
-          <a:p>
-            <a:r>
-              <a:rPr lang="en-GB" b="1" dirty="0"/>
-              <a:t>OMG_TECHNICAL_DEBT</a:t>
-            </a:r>
-            <a:r>
-              <a:rPr lang="en-GB" dirty="0"/>
-              <a:t>: if no information filled, then default value is "ALL"</a:t>
-            </a:r>
-            <a:endParaRPr lang="en-US" dirty="0"/>
           </a:p>
           <a:p>
             <a:endParaRPr lang="en-US" dirty="0"/>
@@ -17088,8 +15416,8 @@
         </p:nvSpPr>
         <p:spPr>
           <a:xfrm>
-            <a:off x="328706" y="867676"/>
-            <a:ext cx="11253694" cy="5041417"/>
+            <a:off x="328706" y="1333499"/>
+            <a:ext cx="11253694" cy="4790524"/>
           </a:xfrm>
         </p:spPr>
         <p:txBody>
@@ -17108,7 +15436,7 @@
           </a:p>
           <a:p>
             <a:r>
-              <a:rPr lang="fr-FR" sz="1600" dirty="0">
+              <a:rPr lang="fr-FR" dirty="0">
                 <a:solidFill>
                   <a:schemeClr val="accent5">
                     <a:lumMod val="75000"/>
@@ -17120,7 +15448,7 @@
           </a:p>
           <a:p>
             <a:r>
-              <a:rPr lang="fr-FR" sz="1600" dirty="0">
+              <a:rPr lang="fr-FR" dirty="0">
                 <a:solidFill>
                   <a:schemeClr val="accent2"/>
                 </a:solidFill>
@@ -17129,22 +15457,29 @@
             </a:r>
           </a:p>
           <a:p>
-            <a:endParaRPr lang="fr-FR" sz="1600" dirty="0">
+            <a:endParaRPr lang="fr-FR" dirty="0">
               <a:solidFill>
                 <a:schemeClr val="accent3"/>
               </a:solidFill>
             </a:endParaRPr>
           </a:p>
           <a:p>
-            <a:endParaRPr lang="fr-FR" sz="1600" dirty="0">
+            <a:endParaRPr lang="fr-FR" dirty="0">
               <a:solidFill>
                 <a:schemeClr val="accent3"/>
               </a:solidFill>
             </a:endParaRPr>
           </a:p>
           <a:p>
-            <a:r>
-              <a:rPr lang="fr-FR" sz="1600" dirty="0">
+            <a:endParaRPr lang="fr-FR" dirty="0">
+              <a:solidFill>
+                <a:schemeClr val="accent3"/>
+              </a:solidFill>
+            </a:endParaRPr>
+          </a:p>
+          <a:p>
+            <a:r>
+              <a:rPr lang="fr-FR" dirty="0">
                 <a:solidFill>
                   <a:schemeClr val="accent3"/>
                 </a:solidFill>
@@ -17154,7 +15489,7 @@
           </a:p>
           <a:p>
             <a:r>
-              <a:rPr lang="fr-FR" sz="1600" dirty="0">
+              <a:rPr lang="fr-FR" dirty="0">
                 <a:solidFill>
                   <a:schemeClr val="accent6"/>
                 </a:solidFill>
@@ -17164,7 +15499,7 @@
           </a:p>
           <a:p>
             <a:r>
-              <a:rPr lang="fr-FR" sz="1600" dirty="0">
+              <a:rPr lang="fr-FR" dirty="0">
                 <a:solidFill>
                   <a:srgbClr val="00B0F0"/>
                 </a:solidFill>
@@ -17174,7 +15509,7 @@
           </a:p>
           <a:p>
             <a:r>
-              <a:rPr lang="fr-FR" sz="1600" dirty="0">
+              <a:rPr lang="fr-FR" dirty="0">
                 <a:solidFill>
                   <a:schemeClr val="accent1"/>
                 </a:solidFill>
@@ -17184,35 +15519,18 @@
           </a:p>
           <a:p>
             <a:r>
-              <a:rPr lang="fr-FR" sz="1600" dirty="0">
+              <a:rPr lang="fr-FR" dirty="0">
                 <a:solidFill>
                   <a:srgbClr val="00B050"/>
                 </a:solidFill>
               </a:rPr>
               <a:t>CUSTOM_EXPRESSIONS</a:t>
             </a:r>
-            <a:endParaRPr lang="fr-FR" sz="1400" dirty="0">
-              <a:solidFill>
-                <a:srgbClr val="00B050"/>
-              </a:solidFill>
-            </a:endParaRPr>
-          </a:p>
-          <a:p>
-            <a:r>
-              <a:rPr lang="fr-FR" sz="1600" dirty="0">
-                <a:solidFill>
-                  <a:schemeClr val="bg1">
-                    <a:lumMod val="50000"/>
-                  </a:schemeClr>
-                </a:solidFill>
-              </a:rPr>
-              <a:t>OMG_TECHNICAL_DEBT***</a:t>
-            </a:r>
+          </a:p>
+          <a:p>
             <a:endParaRPr lang="fr-FR" dirty="0">
               <a:solidFill>
-                <a:schemeClr val="bg1">
-                  <a:lumMod val="50000"/>
-                </a:schemeClr>
+                <a:schemeClr val="accent1"/>
               </a:solidFill>
             </a:endParaRPr>
           </a:p>
@@ -17256,8 +15574,8 @@
         </p:nvSpPr>
         <p:spPr>
           <a:xfrm>
-            <a:off x="3477775" y="1301333"/>
-            <a:ext cx="998420" cy="242795"/>
+            <a:off x="3477775" y="1767155"/>
+            <a:ext cx="998420" cy="322080"/>
           </a:xfrm>
           <a:prstGeom prst="roundRect">
             <a:avLst/>
@@ -17293,10 +15611,10 @@
           <a:p>
             <a:pPr algn="ctr"/>
             <a:r>
-              <a:rPr lang="en-US" sz="1100" dirty="0"/>
+              <a:rPr lang="en-US" sz="1200" dirty="0"/>
               <a:t>CURRENT</a:t>
             </a:r>
-            <a:endParaRPr lang="en-US" sz="1600" dirty="0"/>
+            <a:endParaRPr lang="en-US" dirty="0"/>
           </a:p>
         </p:txBody>
       </p:sp>
@@ -17308,8 +15626,8 @@
         </p:nvSpPr>
         <p:spPr>
           <a:xfrm>
-            <a:off x="4540657" y="1301333"/>
-            <a:ext cx="1102877" cy="242795"/>
+            <a:off x="4540657" y="1767155"/>
+            <a:ext cx="1102877" cy="322080"/>
           </a:xfrm>
           <a:prstGeom prst="roundRect">
             <a:avLst/>
@@ -17345,10 +15663,10 @@
           <a:p>
             <a:pPr algn="ctr"/>
             <a:r>
-              <a:rPr lang="en-US" sz="1100" dirty="0"/>
+              <a:rPr lang="en-US" sz="1200" dirty="0"/>
               <a:t>PREVIOUS</a:t>
             </a:r>
-            <a:endParaRPr lang="en-US" sz="1600" dirty="0"/>
+            <a:endParaRPr lang="en-US" dirty="0"/>
           </a:p>
         </p:txBody>
       </p:sp>
@@ -17360,8 +15678,8 @@
         </p:nvSpPr>
         <p:spPr>
           <a:xfrm>
-            <a:off x="5707996" y="1301333"/>
-            <a:ext cx="719193" cy="242795"/>
+            <a:off x="5707996" y="1767155"/>
+            <a:ext cx="719193" cy="322080"/>
           </a:xfrm>
           <a:prstGeom prst="roundRect">
             <a:avLst/>
@@ -17397,10 +15715,10 @@
           <a:p>
             <a:pPr algn="ctr"/>
             <a:r>
-              <a:rPr lang="en-US" sz="1100" dirty="0"/>
+              <a:rPr lang="en-US" sz="1200" dirty="0"/>
               <a:t>EVOL</a:t>
             </a:r>
-            <a:endParaRPr lang="en-US" sz="1600" dirty="0"/>
+            <a:endParaRPr lang="en-US" dirty="0"/>
           </a:p>
         </p:txBody>
       </p:sp>
@@ -17412,8 +15730,8 @@
         </p:nvSpPr>
         <p:spPr>
           <a:xfrm>
-            <a:off x="6491651" y="1301333"/>
-            <a:ext cx="1510302" cy="242795"/>
+            <a:off x="6491651" y="1767155"/>
+            <a:ext cx="1510302" cy="322080"/>
           </a:xfrm>
           <a:prstGeom prst="roundRect">
             <a:avLst/>
@@ -17449,10 +15767,10 @@
           <a:p>
             <a:pPr algn="ctr"/>
             <a:r>
-              <a:rPr lang="en-US" sz="1100" dirty="0"/>
+              <a:rPr lang="en-US" sz="1200" dirty="0"/>
               <a:t>EVOL_PERCENT</a:t>
             </a:r>
-            <a:endParaRPr lang="en-US" sz="1600" dirty="0"/>
+            <a:endParaRPr lang="en-US" dirty="0"/>
           </a:p>
         </p:txBody>
       </p:sp>
@@ -17464,8 +15782,8 @@
         </p:nvSpPr>
         <p:spPr>
           <a:xfrm>
-            <a:off x="8066415" y="1301333"/>
-            <a:ext cx="539991" cy="242795"/>
+            <a:off x="8066415" y="1767155"/>
+            <a:ext cx="539991" cy="322080"/>
           </a:xfrm>
           <a:prstGeom prst="roundRect">
             <a:avLst/>
@@ -17501,10 +15819,10 @@
           <a:p>
             <a:pPr algn="ctr"/>
             <a:r>
-              <a:rPr lang="en-US" sz="1100" dirty="0"/>
+              <a:rPr lang="en-US" sz="1200" dirty="0"/>
               <a:t>ALL</a:t>
             </a:r>
-            <a:endParaRPr lang="en-US" sz="1600" dirty="0"/>
+            <a:endParaRPr lang="en-US" dirty="0"/>
           </a:p>
         </p:txBody>
       </p:sp>
@@ -17516,8 +15834,8 @@
         </p:nvSpPr>
         <p:spPr>
           <a:xfrm>
-            <a:off x="3493539" y="1737511"/>
-            <a:ext cx="560589" cy="242795"/>
+            <a:off x="3493539" y="2203333"/>
+            <a:ext cx="560589" cy="322080"/>
           </a:xfrm>
           <a:prstGeom prst="roundRect">
             <a:avLst/>
@@ -17551,10 +15869,10 @@
           <a:p>
             <a:pPr algn="ctr"/>
             <a:r>
-              <a:rPr lang="en-US" sz="1100" dirty="0"/>
+              <a:rPr lang="en-US" sz="1200" dirty="0"/>
               <a:t>&lt;ID&gt;</a:t>
             </a:r>
-            <a:endParaRPr lang="en-US" sz="1600" dirty="0"/>
+            <a:endParaRPr lang="en-US" dirty="0"/>
           </a:p>
         </p:txBody>
       </p:sp>
@@ -17566,8 +15884,8 @@
         </p:nvSpPr>
         <p:spPr>
           <a:xfrm>
-            <a:off x="4121612" y="1737511"/>
-            <a:ext cx="1540708" cy="242795"/>
+            <a:off x="4121612" y="2203333"/>
+            <a:ext cx="1540708" cy="322080"/>
           </a:xfrm>
           <a:prstGeom prst="roundRect">
             <a:avLst/>
@@ -17601,10 +15919,10 @@
           <a:p>
             <a:pPr algn="ctr"/>
             <a:r>
-              <a:rPr lang="en-US" sz="1100" dirty="0"/>
+              <a:rPr lang="en-US" sz="1200" dirty="0"/>
               <a:t>HEALTH_FACTOR</a:t>
             </a:r>
-            <a:endParaRPr lang="en-US" sz="1600" dirty="0"/>
+            <a:endParaRPr lang="en-US" dirty="0"/>
           </a:p>
         </p:txBody>
       </p:sp>
@@ -17616,8 +15934,8 @@
         </p:nvSpPr>
         <p:spPr>
           <a:xfrm>
-            <a:off x="5729804" y="1737511"/>
-            <a:ext cx="1790858" cy="242795"/>
+            <a:off x="5729804" y="2203333"/>
+            <a:ext cx="1790858" cy="322080"/>
           </a:xfrm>
           <a:prstGeom prst="roundRect">
             <a:avLst/>
@@ -17651,10 +15969,10 @@
           <a:p>
             <a:pPr algn="ctr"/>
             <a:r>
-              <a:rPr lang="en-US" sz="1100" dirty="0"/>
+              <a:rPr lang="en-US" sz="1200" dirty="0"/>
               <a:t>BUSINESS_CRITERIA</a:t>
             </a:r>
-            <a:endParaRPr lang="en-US" sz="1600" dirty="0"/>
+            <a:endParaRPr lang="en-US" dirty="0"/>
           </a:p>
         </p:txBody>
       </p:sp>
@@ -17666,8 +15984,8 @@
         </p:nvSpPr>
         <p:spPr>
           <a:xfrm>
-            <a:off x="7588146" y="1737511"/>
-            <a:ext cx="1887485" cy="242795"/>
+            <a:off x="7588146" y="2203333"/>
+            <a:ext cx="1887485" cy="322080"/>
           </a:xfrm>
           <a:prstGeom prst="roundRect">
             <a:avLst/>
@@ -17701,10 +16019,10 @@
           <a:p>
             <a:pPr algn="ctr"/>
             <a:r>
-              <a:rPr lang="en-US" sz="1100" dirty="0"/>
+              <a:rPr lang="en-US" sz="1200" dirty="0"/>
               <a:t>TECHNICAL_CRITERIA</a:t>
             </a:r>
-            <a:endParaRPr lang="en-US" sz="1600" dirty="0"/>
+            <a:endParaRPr lang="en-US" dirty="0"/>
           </a:p>
         </p:txBody>
       </p:sp>
@@ -17716,8 +16034,8 @@
         </p:nvSpPr>
         <p:spPr>
           <a:xfrm>
-            <a:off x="3505085" y="2095920"/>
-            <a:ext cx="1500390" cy="242795"/>
+            <a:off x="3505085" y="2639376"/>
+            <a:ext cx="1500390" cy="322080"/>
           </a:xfrm>
           <a:prstGeom prst="roundRect">
             <a:avLst/>
@@ -17751,10 +16069,10 @@
           <a:p>
             <a:pPr algn="ctr"/>
             <a:r>
-              <a:rPr lang="en-US" sz="1100" dirty="0"/>
+              <a:rPr lang="en-US" sz="1200" dirty="0"/>
               <a:t>QUALITY_RULES</a:t>
             </a:r>
-            <a:endParaRPr lang="en-US" sz="1600" dirty="0"/>
+            <a:endParaRPr lang="en-US" dirty="0"/>
           </a:p>
         </p:txBody>
       </p:sp>
@@ -17766,8 +16084,8 @@
         </p:nvSpPr>
         <p:spPr>
           <a:xfrm>
-            <a:off x="3505706" y="2435667"/>
-            <a:ext cx="1769278" cy="242795"/>
+            <a:off x="3505706" y="3074009"/>
+            <a:ext cx="1769278" cy="322080"/>
           </a:xfrm>
           <a:prstGeom prst="roundRect">
             <a:avLst/>
@@ -17801,10 +16119,10 @@
           <a:p>
             <a:pPr algn="ctr"/>
             <a:r>
-              <a:rPr lang="en-US" sz="1100" dirty="0"/>
+              <a:rPr lang="en-US" sz="1200" dirty="0"/>
               <a:t>TECHNICAL_SIZING</a:t>
             </a:r>
-            <a:endParaRPr lang="en-US" sz="1600" dirty="0"/>
+            <a:endParaRPr lang="en-US" dirty="0"/>
           </a:p>
         </p:txBody>
       </p:sp>
@@ -17816,8 +16134,8 @@
         </p:nvSpPr>
         <p:spPr>
           <a:xfrm>
-            <a:off x="5336329" y="2435667"/>
-            <a:ext cx="1913713" cy="242795"/>
+            <a:off x="5336329" y="3074009"/>
+            <a:ext cx="1913713" cy="322080"/>
           </a:xfrm>
           <a:prstGeom prst="roundRect">
             <a:avLst/>
@@ -17851,10 +16169,10 @@
           <a:p>
             <a:pPr algn="ctr"/>
             <a:r>
-              <a:rPr lang="en-US" sz="1100" dirty="0"/>
+              <a:rPr lang="en-US" sz="1200" dirty="0"/>
               <a:t>FUNCTIONAL_WEIGHT</a:t>
             </a:r>
-            <a:endParaRPr lang="en-US" sz="1600" dirty="0"/>
+            <a:endParaRPr lang="en-US" dirty="0"/>
           </a:p>
         </p:txBody>
       </p:sp>
@@ -17866,8 +16184,8 @@
         </p:nvSpPr>
         <p:spPr>
           <a:xfrm>
-            <a:off x="7311387" y="2435667"/>
-            <a:ext cx="1608804" cy="242795"/>
+            <a:off x="7311387" y="3074009"/>
+            <a:ext cx="1608804" cy="322080"/>
           </a:xfrm>
           <a:prstGeom prst="roundRect">
             <a:avLst/>
@@ -17901,10 +16219,10 @@
           <a:p>
             <a:pPr algn="ctr"/>
             <a:r>
-              <a:rPr lang="en-US" sz="1100" strike="sngStrike" dirty="0"/>
+              <a:rPr lang="en-US" sz="1200" dirty="0"/>
               <a:t>TECHNICAL_DEBT</a:t>
             </a:r>
-            <a:endParaRPr lang="en-US" sz="1600" strike="sngStrike" dirty="0"/>
+            <a:endParaRPr lang="en-US" dirty="0"/>
           </a:p>
         </p:txBody>
       </p:sp>
@@ -17916,8 +16234,8 @@
         </p:nvSpPr>
         <p:spPr>
           <a:xfrm>
-            <a:off x="8981536" y="2435667"/>
-            <a:ext cx="1064968" cy="242795"/>
+            <a:off x="8981536" y="3074009"/>
+            <a:ext cx="1064968" cy="322080"/>
           </a:xfrm>
           <a:prstGeom prst="roundRect">
             <a:avLst/>
@@ -17951,10 +16269,10 @@
           <a:p>
             <a:pPr algn="ctr"/>
             <a:r>
-              <a:rPr lang="en-US" sz="1100" dirty="0"/>
+              <a:rPr lang="en-US" sz="1200" dirty="0"/>
               <a:t>VIOLATION</a:t>
             </a:r>
-            <a:endParaRPr lang="en-US" sz="1600" dirty="0"/>
+            <a:endParaRPr lang="en-US" dirty="0"/>
           </a:p>
         </p:txBody>
       </p:sp>
@@ -17966,8 +16284,8 @@
         </p:nvSpPr>
         <p:spPr>
           <a:xfrm>
-            <a:off x="10107848" y="2435667"/>
-            <a:ext cx="1813035" cy="242795"/>
+            <a:off x="10107848" y="3074009"/>
+            <a:ext cx="1813035" cy="322080"/>
           </a:xfrm>
           <a:prstGeom prst="roundRect">
             <a:avLst/>
@@ -18001,10 +16319,10 @@
           <a:p>
             <a:pPr algn="ctr"/>
             <a:r>
-              <a:rPr lang="en-US" sz="1100" dirty="0"/>
+              <a:rPr lang="en-US" sz="1200" dirty="0"/>
               <a:t>CRITICAL_VIOLATION</a:t>
             </a:r>
-            <a:endParaRPr lang="en-US" sz="1600" dirty="0"/>
+            <a:endParaRPr lang="en-US" dirty="0"/>
           </a:p>
         </p:txBody>
       </p:sp>
@@ -18016,8 +16334,8 @@
         </p:nvSpPr>
         <p:spPr>
           <a:xfrm>
-            <a:off x="10069465" y="2106114"/>
-            <a:ext cx="1064968" cy="242795"/>
+            <a:off x="3505706" y="3486840"/>
+            <a:ext cx="1064968" cy="322080"/>
           </a:xfrm>
           <a:prstGeom prst="roundRect">
             <a:avLst/>
@@ -18051,10 +16369,10 @@
           <a:p>
             <a:pPr algn="ctr"/>
             <a:r>
-              <a:rPr lang="en-US" sz="1100" dirty="0"/>
+              <a:rPr lang="en-US" sz="1200" dirty="0"/>
               <a:t>RUN_TIME</a:t>
             </a:r>
-            <a:endParaRPr lang="en-US" sz="1600" dirty="0"/>
+            <a:endParaRPr lang="en-US" dirty="0"/>
           </a:p>
         </p:txBody>
       </p:sp>
@@ -18066,8 +16384,8 @@
         </p:nvSpPr>
         <p:spPr>
           <a:xfrm>
-            <a:off x="3502534" y="2934904"/>
-            <a:ext cx="998420" cy="242795"/>
+            <a:off x="3502534" y="3978678"/>
+            <a:ext cx="998420" cy="322080"/>
           </a:xfrm>
           <a:prstGeom prst="roundRect">
             <a:avLst/>
@@ -18101,10 +16419,10 @@
           <a:p>
             <a:pPr algn="ctr"/>
             <a:r>
-              <a:rPr lang="en-US" sz="1100" dirty="0"/>
+              <a:rPr lang="en-US" sz="1200" dirty="0"/>
               <a:t>&lt;NAME&gt;</a:t>
             </a:r>
-            <a:endParaRPr lang="en-US" sz="1600" dirty="0"/>
+            <a:endParaRPr lang="en-US" dirty="0"/>
           </a:p>
         </p:txBody>
       </p:sp>
@@ -18116,8 +16434,8 @@
         </p:nvSpPr>
         <p:spPr>
           <a:xfrm>
-            <a:off x="4565416" y="2934904"/>
-            <a:ext cx="524699" cy="242795"/>
+            <a:off x="4565416" y="3978678"/>
+            <a:ext cx="524699" cy="322080"/>
           </a:xfrm>
           <a:prstGeom prst="roundRect">
             <a:avLst/>
@@ -18151,10 +16469,10 @@
           <a:p>
             <a:pPr algn="ctr"/>
             <a:r>
-              <a:rPr lang="en-US" sz="1100" dirty="0"/>
+              <a:rPr lang="en-US" sz="1200" dirty="0"/>
               <a:t>ALL</a:t>
             </a:r>
-            <a:endParaRPr lang="en-US" sz="1600" dirty="0"/>
+            <a:endParaRPr lang="en-US" dirty="0"/>
           </a:p>
         </p:txBody>
       </p:sp>
@@ -18166,8 +16484,8 @@
         </p:nvSpPr>
         <p:spPr>
           <a:xfrm>
-            <a:off x="3507792" y="3305047"/>
-            <a:ext cx="998420" cy="242795"/>
+            <a:off x="3507792" y="4383325"/>
+            <a:ext cx="998420" cy="322080"/>
           </a:xfrm>
           <a:prstGeom prst="roundRect">
             <a:avLst/>
@@ -18201,10 +16519,10 @@
           <a:p>
             <a:pPr algn="ctr"/>
             <a:r>
-              <a:rPr lang="en-US" sz="1100" dirty="0"/>
+              <a:rPr lang="en-US" sz="1200" dirty="0"/>
               <a:t>&lt;NAME&gt;</a:t>
             </a:r>
-            <a:endParaRPr lang="en-US" sz="1600" dirty="0"/>
+            <a:endParaRPr lang="en-US" dirty="0"/>
           </a:p>
         </p:txBody>
       </p:sp>
@@ -18216,8 +16534,8 @@
         </p:nvSpPr>
         <p:spPr>
           <a:xfrm>
-            <a:off x="4570674" y="3305047"/>
-            <a:ext cx="524699" cy="242795"/>
+            <a:off x="4570674" y="4383325"/>
+            <a:ext cx="524699" cy="322080"/>
           </a:xfrm>
           <a:prstGeom prst="roundRect">
             <a:avLst/>
@@ -18251,10 +16569,10 @@
           <a:p>
             <a:pPr algn="ctr"/>
             <a:r>
-              <a:rPr lang="en-US" sz="1100" dirty="0"/>
+              <a:rPr lang="en-US" sz="1200" dirty="0"/>
               <a:t>ALL</a:t>
             </a:r>
-            <a:endParaRPr lang="en-US" sz="1600" dirty="0"/>
+            <a:endParaRPr lang="en-US" dirty="0"/>
           </a:p>
         </p:txBody>
       </p:sp>
@@ -18266,8 +16584,8 @@
         </p:nvSpPr>
         <p:spPr>
           <a:xfrm>
-            <a:off x="3509445" y="3710517"/>
-            <a:ext cx="998420" cy="242795"/>
+            <a:off x="3509445" y="4780169"/>
+            <a:ext cx="998420" cy="322080"/>
           </a:xfrm>
           <a:prstGeom prst="roundRect">
             <a:avLst/>
@@ -18301,10 +16619,10 @@
           <a:p>
             <a:pPr algn="ctr"/>
             <a:r>
-              <a:rPr lang="en-US" sz="1100" dirty="0"/>
+              <a:rPr lang="en-US" sz="1200" dirty="0"/>
               <a:t>TOTAL</a:t>
             </a:r>
-            <a:endParaRPr lang="en-US" sz="1600" dirty="0"/>
+            <a:endParaRPr lang="en-US" dirty="0"/>
           </a:p>
         </p:txBody>
       </p:sp>
@@ -18316,8 +16634,8 @@
         </p:nvSpPr>
         <p:spPr>
           <a:xfrm>
-            <a:off x="4572327" y="3710517"/>
-            <a:ext cx="757808" cy="242795"/>
+            <a:off x="4572327" y="4780169"/>
+            <a:ext cx="757808" cy="322080"/>
           </a:xfrm>
           <a:prstGeom prst="roundRect">
             <a:avLst/>
@@ -18351,10 +16669,10 @@
           <a:p>
             <a:pPr algn="ctr"/>
             <a:r>
-              <a:rPr lang="en-US" sz="1100" dirty="0"/>
+              <a:rPr lang="en-US" sz="1200" dirty="0"/>
               <a:t>ADDED</a:t>
             </a:r>
-            <a:endParaRPr lang="en-US" sz="1600" dirty="0"/>
+            <a:endParaRPr lang="en-US" dirty="0"/>
           </a:p>
         </p:txBody>
       </p:sp>
@@ -18366,8 +16684,8 @@
         </p:nvSpPr>
         <p:spPr>
           <a:xfrm>
-            <a:off x="5396478" y="3710517"/>
-            <a:ext cx="1036683" cy="242795"/>
+            <a:off x="5396478" y="4780169"/>
+            <a:ext cx="1036683" cy="322080"/>
           </a:xfrm>
           <a:prstGeom prst="roundRect">
             <a:avLst/>
@@ -18401,10 +16719,10 @@
           <a:p>
             <a:pPr algn="ctr"/>
             <a:r>
-              <a:rPr lang="en-US" sz="1100" dirty="0"/>
+              <a:rPr lang="en-US" sz="1200" dirty="0"/>
               <a:t>REMOVED</a:t>
             </a:r>
-            <a:endParaRPr lang="en-US" sz="1600" dirty="0"/>
+            <a:endParaRPr lang="en-US" dirty="0"/>
           </a:p>
         </p:txBody>
       </p:sp>
@@ -18416,8 +16734,8 @@
         </p:nvSpPr>
         <p:spPr>
           <a:xfrm>
-            <a:off x="6497624" y="3701877"/>
-            <a:ext cx="484353" cy="242795"/>
+            <a:off x="6497624" y="4771529"/>
+            <a:ext cx="484353" cy="322080"/>
           </a:xfrm>
           <a:prstGeom prst="roundRect">
             <a:avLst/>
@@ -18451,10 +16769,10 @@
           <a:p>
             <a:pPr algn="ctr"/>
             <a:r>
-              <a:rPr lang="en-US" sz="1100" dirty="0"/>
+              <a:rPr lang="en-US" sz="1200" dirty="0"/>
               <a:t>ALL</a:t>
             </a:r>
-            <a:endParaRPr lang="en-US" sz="1600" dirty="0"/>
+            <a:endParaRPr lang="en-US" dirty="0"/>
           </a:p>
         </p:txBody>
       </p:sp>
@@ -18466,8 +16784,8 @@
         </p:nvSpPr>
         <p:spPr>
           <a:xfrm>
-            <a:off x="3502534" y="4097480"/>
-            <a:ext cx="998420" cy="242795"/>
+            <a:off x="3502534" y="5201640"/>
+            <a:ext cx="998420" cy="322080"/>
           </a:xfrm>
           <a:prstGeom prst="roundRect">
             <a:avLst/>
@@ -18501,10 +16819,10 @@
           <a:p>
             <a:pPr algn="ctr"/>
             <a:r>
-              <a:rPr lang="en-US" sz="1100" dirty="0"/>
+              <a:rPr lang="en-US" sz="1200" dirty="0"/>
               <a:t>TOTAL</a:t>
             </a:r>
-            <a:endParaRPr lang="en-US" sz="1600" dirty="0"/>
+            <a:endParaRPr lang="en-US" dirty="0"/>
           </a:p>
         </p:txBody>
       </p:sp>
@@ -18516,8 +16834,8 @@
         </p:nvSpPr>
         <p:spPr>
           <a:xfrm>
-            <a:off x="4565416" y="4097480"/>
-            <a:ext cx="757808" cy="242795"/>
+            <a:off x="4565416" y="5201640"/>
+            <a:ext cx="757808" cy="322080"/>
           </a:xfrm>
           <a:prstGeom prst="roundRect">
             <a:avLst/>
@@ -18551,10 +16869,10 @@
           <a:p>
             <a:pPr algn="ctr"/>
             <a:r>
-              <a:rPr lang="en-US" sz="1100" dirty="0"/>
+              <a:rPr lang="en-US" sz="1200" dirty="0"/>
               <a:t>ADDED</a:t>
             </a:r>
-            <a:endParaRPr lang="en-US" sz="1600" dirty="0"/>
+            <a:endParaRPr lang="en-US" dirty="0"/>
           </a:p>
         </p:txBody>
       </p:sp>
@@ -18566,8 +16884,8 @@
         </p:nvSpPr>
         <p:spPr>
           <a:xfrm>
-            <a:off x="5389567" y="4097480"/>
-            <a:ext cx="1036683" cy="242795"/>
+            <a:off x="5389567" y="5201640"/>
+            <a:ext cx="1036683" cy="322080"/>
           </a:xfrm>
           <a:prstGeom prst="roundRect">
             <a:avLst/>
@@ -18601,10 +16919,10 @@
           <a:p>
             <a:pPr algn="ctr"/>
             <a:r>
-              <a:rPr lang="en-US" sz="1100" dirty="0"/>
+              <a:rPr lang="en-US" sz="1200" dirty="0"/>
               <a:t>REMOVED</a:t>
             </a:r>
-            <a:endParaRPr lang="en-US" sz="1600" dirty="0"/>
+            <a:endParaRPr lang="en-US" dirty="0"/>
           </a:p>
         </p:txBody>
       </p:sp>
@@ -18616,8 +16934,8 @@
         </p:nvSpPr>
         <p:spPr>
           <a:xfrm>
-            <a:off x="6490713" y="4088840"/>
-            <a:ext cx="484353" cy="242795"/>
+            <a:off x="6490713" y="5193000"/>
+            <a:ext cx="484353" cy="322080"/>
           </a:xfrm>
           <a:prstGeom prst="roundRect">
             <a:avLst/>
@@ -18651,10 +16969,10 @@
           <a:p>
             <a:pPr algn="ctr"/>
             <a:r>
-              <a:rPr lang="en-US" sz="1100" dirty="0"/>
+              <a:rPr lang="en-US" sz="1200" dirty="0"/>
               <a:t>ALL</a:t>
             </a:r>
-            <a:endParaRPr lang="en-US" sz="1600" dirty="0"/>
+            <a:endParaRPr lang="en-US" dirty="0"/>
           </a:p>
         </p:txBody>
       </p:sp>
@@ -18672,8 +16990,8 @@
         </p:nvSpPr>
         <p:spPr>
           <a:xfrm>
-            <a:off x="5122359" y="2106114"/>
-            <a:ext cx="2296753" cy="242795"/>
+            <a:off x="5122359" y="2649570"/>
+            <a:ext cx="2296753" cy="322080"/>
           </a:xfrm>
           <a:prstGeom prst="roundRect">
             <a:avLst/>
@@ -18707,10 +17025,10 @@
           <a:p>
             <a:pPr algn="ctr"/>
             <a:r>
-              <a:rPr lang="en-US" sz="1100" dirty="0"/>
+              <a:rPr lang="en-US" sz="1200" dirty="0"/>
               <a:t>CRITICAL_QUALITY_RULES</a:t>
             </a:r>
-            <a:endParaRPr lang="en-US" sz="1600" dirty="0"/>
+            <a:endParaRPr lang="en-US" dirty="0"/>
           </a:p>
         </p:txBody>
       </p:sp>
@@ -18728,8 +17046,8 @@
         </p:nvSpPr>
         <p:spPr>
           <a:xfrm>
-            <a:off x="7588146" y="2093534"/>
-            <a:ext cx="2382338" cy="242795"/>
+            <a:off x="4686677" y="3490689"/>
+            <a:ext cx="2382338" cy="322080"/>
           </a:xfrm>
           <a:prstGeom prst="roundRect">
             <a:avLst/>
@@ -18763,7 +17081,7 @@
           <a:p>
             <a:pPr algn="ctr"/>
             <a:r>
-              <a:rPr lang="en-US" sz="1100" dirty="0"/>
+              <a:rPr lang="en-US" sz="1200" dirty="0"/>
               <a:t>&lt;STANDARD TAG NAME&gt;**</a:t>
             </a:r>
           </a:p>
@@ -18783,7 +17101,7 @@
         </p:nvSpPr>
         <p:spPr>
           <a:xfrm>
-            <a:off x="328706" y="5357458"/>
+            <a:off x="258603" y="6124023"/>
             <a:ext cx="10703859" cy="447383"/>
           </a:xfrm>
           <a:prstGeom prst="rect">
@@ -18826,11 +17144,6 @@
               <a:rPr lang="en-GB" dirty="0"/>
               <a:t> will be empty.</a:t>
             </a:r>
-          </a:p>
-          <a:p>
-            <a:endParaRPr lang="en-GB" dirty="0"/>
-          </a:p>
-          <a:p>
             <a:endParaRPr lang="en-US" dirty="0"/>
           </a:p>
         </p:txBody>
@@ -18849,8 +17162,8 @@
         </p:nvSpPr>
         <p:spPr>
           <a:xfrm>
-            <a:off x="3509445" y="4486296"/>
-            <a:ext cx="1580670" cy="242795"/>
+            <a:off x="3509445" y="5607709"/>
+            <a:ext cx="1580670" cy="322080"/>
           </a:xfrm>
           <a:prstGeom prst="roundRect">
             <a:avLst/>
@@ -18884,315 +17197,9 @@
           <a:p>
             <a:pPr algn="ctr"/>
             <a:r>
-              <a:rPr lang="en-US" sz="1100" dirty="0"/>
+              <a:rPr lang="en-US" sz="1200" dirty="0"/>
               <a:t>&lt;EXPRESSIONS&gt;</a:t>
             </a:r>
-            <a:endParaRPr lang="en-US" sz="1600" dirty="0"/>
-          </a:p>
-        </p:txBody>
-      </p:sp>
-      <p:sp>
-        <p:nvSpPr>
-          <p:cNvPr id="50" name="Rectangle: Rounded Corners 49">
-            <a:extLst>
-              <a:ext uri="{FF2B5EF4-FFF2-40B4-BE49-F238E27FC236}">
-                <a16:creationId xmlns:a16="http://schemas.microsoft.com/office/drawing/2014/main" id="{C96C1EBD-C7B3-4FCB-8F65-10C402830A14}"/>
-              </a:ext>
-            </a:extLst>
-          </p:cNvPr>
-          <p:cNvSpPr/>
-          <p:nvPr/>
-        </p:nvSpPr>
-        <p:spPr>
-          <a:xfrm>
-            <a:off x="3511366" y="4915088"/>
-            <a:ext cx="998420" cy="242795"/>
-          </a:xfrm>
-          <a:prstGeom prst="roundRect">
-            <a:avLst/>
-          </a:prstGeom>
-          <a:solidFill>
-            <a:srgbClr val="7F7F7F"/>
-          </a:solidFill>
-          <a:ln>
-            <a:noFill/>
-          </a:ln>
-        </p:spPr>
-        <p:style>
-          <a:lnRef idx="2">
-            <a:schemeClr val="accent1">
-              <a:shade val="50000"/>
-            </a:schemeClr>
-          </a:lnRef>
-          <a:fillRef idx="1">
-            <a:schemeClr val="accent1"/>
-          </a:fillRef>
-          <a:effectRef idx="0">
-            <a:schemeClr val="accent1"/>
-          </a:effectRef>
-          <a:fontRef idx="minor">
-            <a:schemeClr val="lt1"/>
-          </a:fontRef>
-        </p:style>
-        <p:txBody>
-          <a:bodyPr rtlCol="0" anchor="ctr"/>
-          <a:lstStyle/>
-          <a:p>
-            <a:pPr algn="ctr"/>
-            <a:r>
-              <a:rPr lang="en-US" sz="1100" dirty="0"/>
-              <a:t>TOTAL</a:t>
-            </a:r>
-            <a:endParaRPr lang="en-US" sz="1600" dirty="0"/>
-          </a:p>
-        </p:txBody>
-      </p:sp>
-      <p:sp>
-        <p:nvSpPr>
-          <p:cNvPr id="51" name="Rectangle: Rounded Corners 50">
-            <a:extLst>
-              <a:ext uri="{FF2B5EF4-FFF2-40B4-BE49-F238E27FC236}">
-                <a16:creationId xmlns:a16="http://schemas.microsoft.com/office/drawing/2014/main" id="{73344032-F5B5-4783-8442-76EF3901A19D}"/>
-              </a:ext>
-            </a:extLst>
-          </p:cNvPr>
-          <p:cNvSpPr/>
-          <p:nvPr/>
-        </p:nvSpPr>
-        <p:spPr>
-          <a:xfrm>
-            <a:off x="4574248" y="4915088"/>
-            <a:ext cx="757808" cy="242795"/>
-          </a:xfrm>
-          <a:prstGeom prst="roundRect">
-            <a:avLst/>
-          </a:prstGeom>
-          <a:solidFill>
-            <a:srgbClr val="7F7F7F"/>
-          </a:solidFill>
-          <a:ln>
-            <a:noFill/>
-          </a:ln>
-        </p:spPr>
-        <p:style>
-          <a:lnRef idx="2">
-            <a:schemeClr val="accent1">
-              <a:shade val="50000"/>
-            </a:schemeClr>
-          </a:lnRef>
-          <a:fillRef idx="1">
-            <a:schemeClr val="accent1"/>
-          </a:fillRef>
-          <a:effectRef idx="0">
-            <a:schemeClr val="accent1"/>
-          </a:effectRef>
-          <a:fontRef idx="minor">
-            <a:schemeClr val="lt1"/>
-          </a:fontRef>
-        </p:style>
-        <p:txBody>
-          <a:bodyPr rtlCol="0" anchor="ctr"/>
-          <a:lstStyle/>
-          <a:p>
-            <a:pPr algn="ctr"/>
-            <a:r>
-              <a:rPr lang="en-US" sz="1100" dirty="0"/>
-              <a:t>ADDED</a:t>
-            </a:r>
-            <a:endParaRPr lang="en-US" sz="1600" dirty="0"/>
-          </a:p>
-        </p:txBody>
-      </p:sp>
-      <p:sp>
-        <p:nvSpPr>
-          <p:cNvPr id="52" name="Rectangle: Rounded Corners 51">
-            <a:extLst>
-              <a:ext uri="{FF2B5EF4-FFF2-40B4-BE49-F238E27FC236}">
-                <a16:creationId xmlns:a16="http://schemas.microsoft.com/office/drawing/2014/main" id="{D9764CA3-4DE0-4237-A227-BC9A7F6AD78E}"/>
-              </a:ext>
-            </a:extLst>
-          </p:cNvPr>
-          <p:cNvSpPr/>
-          <p:nvPr/>
-        </p:nvSpPr>
-        <p:spPr>
-          <a:xfrm>
-            <a:off x="5398399" y="4915088"/>
-            <a:ext cx="1036683" cy="242795"/>
-          </a:xfrm>
-          <a:prstGeom prst="roundRect">
-            <a:avLst/>
-          </a:prstGeom>
-          <a:solidFill>
-            <a:srgbClr val="7F7F7F"/>
-          </a:solidFill>
-          <a:ln>
-            <a:noFill/>
-          </a:ln>
-        </p:spPr>
-        <p:style>
-          <a:lnRef idx="2">
-            <a:schemeClr val="accent1">
-              <a:shade val="50000"/>
-            </a:schemeClr>
-          </a:lnRef>
-          <a:fillRef idx="1">
-            <a:schemeClr val="accent1"/>
-          </a:fillRef>
-          <a:effectRef idx="0">
-            <a:schemeClr val="accent1"/>
-          </a:effectRef>
-          <a:fontRef idx="minor">
-            <a:schemeClr val="lt1"/>
-          </a:fontRef>
-        </p:style>
-        <p:txBody>
-          <a:bodyPr rtlCol="0" anchor="ctr"/>
-          <a:lstStyle/>
-          <a:p>
-            <a:pPr algn="ctr"/>
-            <a:r>
-              <a:rPr lang="en-US" sz="1100" dirty="0"/>
-              <a:t>REMOVED</a:t>
-            </a:r>
-            <a:endParaRPr lang="en-US" sz="1600" dirty="0"/>
-          </a:p>
-        </p:txBody>
-      </p:sp>
-      <p:sp>
-        <p:nvSpPr>
-          <p:cNvPr id="53" name="Rectangle: Rounded Corners 52">
-            <a:extLst>
-              <a:ext uri="{FF2B5EF4-FFF2-40B4-BE49-F238E27FC236}">
-                <a16:creationId xmlns:a16="http://schemas.microsoft.com/office/drawing/2014/main" id="{4A426E14-1B6C-4B44-92D4-F7AD6B4144F0}"/>
-              </a:ext>
-            </a:extLst>
-          </p:cNvPr>
-          <p:cNvSpPr/>
-          <p:nvPr/>
-        </p:nvSpPr>
-        <p:spPr>
-          <a:xfrm>
-            <a:off x="6499545" y="4906448"/>
-            <a:ext cx="484353" cy="242795"/>
-          </a:xfrm>
-          <a:prstGeom prst="roundRect">
-            <a:avLst/>
-          </a:prstGeom>
-          <a:solidFill>
-            <a:srgbClr val="7F7F7F"/>
-          </a:solidFill>
-          <a:ln>
-            <a:noFill/>
-          </a:ln>
-        </p:spPr>
-        <p:style>
-          <a:lnRef idx="2">
-            <a:schemeClr val="accent1">
-              <a:shade val="50000"/>
-            </a:schemeClr>
-          </a:lnRef>
-          <a:fillRef idx="1">
-            <a:schemeClr val="accent1"/>
-          </a:fillRef>
-          <a:effectRef idx="0">
-            <a:schemeClr val="accent1"/>
-          </a:effectRef>
-          <a:fontRef idx="minor">
-            <a:schemeClr val="lt1"/>
-          </a:fontRef>
-        </p:style>
-        <p:txBody>
-          <a:bodyPr rtlCol="0" anchor="ctr"/>
-          <a:lstStyle/>
-          <a:p>
-            <a:pPr algn="ctr"/>
-            <a:r>
-              <a:rPr lang="en-US" sz="1100" dirty="0"/>
-              <a:t>ALL</a:t>
-            </a:r>
-            <a:endParaRPr lang="en-US" sz="1600" dirty="0"/>
-          </a:p>
-        </p:txBody>
-      </p:sp>
-      <p:sp>
-        <p:nvSpPr>
-          <p:cNvPr id="54" name="TextBox 53">
-            <a:extLst>
-              <a:ext uri="{FF2B5EF4-FFF2-40B4-BE49-F238E27FC236}">
-                <a16:creationId xmlns:a16="http://schemas.microsoft.com/office/drawing/2014/main" id="{C46C3AF4-B98C-4A44-BF1F-C77802B59E30}"/>
-              </a:ext>
-            </a:extLst>
-          </p:cNvPr>
-          <p:cNvSpPr txBox="1"/>
-          <p:nvPr/>
-        </p:nvSpPr>
-        <p:spPr>
-          <a:xfrm>
-            <a:off x="328706" y="5924417"/>
-            <a:ext cx="10703859" cy="447383"/>
-          </a:xfrm>
-          <a:prstGeom prst="rect">
-            <a:avLst/>
-          </a:prstGeom>
-        </p:spPr>
-        <p:txBody>
-          <a:bodyPr vert="horz" wrap="square" lIns="91440" tIns="45720" rIns="91440" bIns="45720" rtlCol="0" anchor="t">
-            <a:noAutofit/>
-          </a:bodyPr>
-          <a:lstStyle>
-            <a:defPPr>
-              <a:defRPr lang="en-US"/>
-            </a:defPPr>
-            <a:lvl1pPr>
-              <a:defRPr sz="1200">
-                <a:solidFill>
-                  <a:schemeClr val="tx1">
-                    <a:lumMod val="50000"/>
-                    <a:lumOff val="50000"/>
-                  </a:schemeClr>
-                </a:solidFill>
-              </a:defRPr>
-            </a:lvl1pPr>
-          </a:lstStyle>
-          <a:p>
-            <a:r>
-              <a:rPr lang="en-US" dirty="0"/>
-              <a:t>*** Requires installation of OMG Technical Debt Measure (&gt;2.0.0 </a:t>
-            </a:r>
-            <a:r>
-              <a:rPr lang="en-US" dirty="0" err="1"/>
-              <a:t>funcrel</a:t>
-            </a:r>
-            <a:r>
-              <a:rPr lang="en-US" dirty="0"/>
-              <a:t>) (and ISO-5055 Index extensions and/or CISQ Index extensions)</a:t>
-            </a:r>
-          </a:p>
-          <a:p>
-            <a:r>
-              <a:rPr lang="en-US" dirty="0"/>
-              <a:t>To get results on Omg Technical Debt on a specific metric, add the axis "METRICS=M" where M </a:t>
-            </a:r>
-            <a:r>
-              <a:rPr lang="en-US"/>
-              <a:t>is th</a:t>
-            </a:r>
-            <a:r>
-              <a:rPr lang="en-US" dirty="0"/>
-              <a:t>e</a:t>
-            </a:r>
-            <a:r>
-              <a:rPr lang="en-US"/>
-              <a:t> </a:t>
-            </a:r>
-            <a:r>
-              <a:rPr lang="en-US" dirty="0"/>
-              <a:t>index id (ISO, CISQ or AIP)</a:t>
-            </a:r>
-            <a:endParaRPr lang="en-GB" dirty="0"/>
-          </a:p>
-          <a:p>
             <a:endParaRPr lang="en-US" dirty="0"/>
           </a:p>
         </p:txBody>

--- a/CastReporting.Reporting.Core/Templates/zh-CN/Application/Component library/Generic Table Definition.pptx
+++ b/CastReporting.Reporting.Core/Templates/zh-CN/Application/Component library/Generic Table Definition.pptx
@@ -222,7 +222,7 @@
           <a:p>
             <a:fld id="{BE7CF963-E58D-FC4D-BA9E-60A980752DC6}" type="datetimeFigureOut">
               <a:rPr lang="en-US" smtClean="0"/>
-              <a:t>10/22/2021</a:t>
+              <a:t>10/25/2021</a:t>
             </a:fld>
             <a:endParaRPr lang="en-US"/>
           </a:p>
@@ -879,7 +879,7 @@
           <a:p>
             <a:fld id="{B590C078-9131-4E49-8A0D-400FEE8377B5}" type="datetimeFigureOut">
               <a:rPr lang="en-US" smtClean="0"/>
-              <a:t>10/22/2021</a:t>
+              <a:t>10/25/2021</a:t>
             </a:fld>
             <a:endParaRPr lang="en-US"/>
           </a:p>
@@ -4464,7 +4464,7 @@
           <a:p>
             <a:fld id="{B590C078-9131-4E49-8A0D-400FEE8377B5}" type="datetimeFigureOut">
               <a:rPr lang="en-US" smtClean="0"/>
-              <a:t>10/22/2021</a:t>
+              <a:t>10/25/2021</a:t>
             </a:fld>
             <a:endParaRPr lang="en-US"/>
           </a:p>
@@ -8542,7 +8542,7 @@
           <a:p>
             <a:fld id="{B590C078-9131-4E49-8A0D-400FEE8377B5}" type="datetimeFigureOut">
               <a:rPr lang="en-US" smtClean="0"/>
-              <a:t>10/22/2021</a:t>
+              <a:t>10/25/2021</a:t>
             </a:fld>
             <a:endParaRPr lang="en-US"/>
           </a:p>
@@ -12367,7 +12367,7 @@
           <a:p>
             <a:fld id="{B590C078-9131-4E49-8A0D-400FEE8377B5}" type="datetimeFigureOut">
               <a:rPr lang="en-US" smtClean="0"/>
-              <a:t>10/22/2021</a:t>
+              <a:t>10/25/2021</a:t>
             </a:fld>
             <a:endParaRPr lang="en-US"/>
           </a:p>
@@ -15252,9 +15252,10 @@
           <a:lstStyle/>
           <a:p>
             <a:r>
-              <a:rPr lang="en-US" dirty="0"/>
-              <a:t>SAMPLE 6</a:t>
-            </a:r>
+              <a:rPr lang="en-US"/>
+              <a:t>SAMPLE 11</a:t>
+            </a:r>
+            <a:endParaRPr lang="en-US" dirty="0"/>
           </a:p>
         </p:txBody>
       </p:sp>

--- a/CastReporting.Reporting.Core/Templates/zh-CN/Application/Component library/Generic Table Definition.pptx
+++ b/CastReporting.Reporting.Core/Templates/zh-CN/Application/Component library/Generic Table Definition.pptx
@@ -222,7 +222,7 @@
           <a:p>
             <a:fld id="{BE7CF963-E58D-FC4D-BA9E-60A980752DC6}" type="datetimeFigureOut">
               <a:rPr lang="en-US" smtClean="0"/>
-              <a:t>10/25/2021</a:t>
+              <a:t>10/26/2021</a:t>
             </a:fld>
             <a:endParaRPr lang="en-US"/>
           </a:p>
@@ -879,7 +879,7 @@
           <a:p>
             <a:fld id="{B590C078-9131-4E49-8A0D-400FEE8377B5}" type="datetimeFigureOut">
               <a:rPr lang="en-US" smtClean="0"/>
-              <a:t>10/25/2021</a:t>
+              <a:t>10/26/2021</a:t>
             </a:fld>
             <a:endParaRPr lang="en-US"/>
           </a:p>
@@ -4464,7 +4464,7 @@
           <a:p>
             <a:fld id="{B590C078-9131-4E49-8A0D-400FEE8377B5}" type="datetimeFigureOut">
               <a:rPr lang="en-US" smtClean="0"/>
-              <a:t>10/25/2021</a:t>
+              <a:t>10/26/2021</a:t>
             </a:fld>
             <a:endParaRPr lang="en-US"/>
           </a:p>
@@ -8542,7 +8542,7 @@
           <a:p>
             <a:fld id="{B590C078-9131-4E49-8A0D-400FEE8377B5}" type="datetimeFigureOut">
               <a:rPr lang="en-US" smtClean="0"/>
-              <a:t>10/25/2021</a:t>
+              <a:t>10/26/2021</a:t>
             </a:fld>
             <a:endParaRPr lang="en-US"/>
           </a:p>
@@ -12367,7 +12367,7 @@
           <a:p>
             <a:fld id="{B590C078-9131-4E49-8A0D-400FEE8377B5}" type="datetimeFigureOut">
               <a:rPr lang="en-US" smtClean="0"/>
-              <a:t>10/25/2021</a:t>
+              <a:t>10/26/2021</a:t>
             </a:fld>
             <a:endParaRPr lang="en-US"/>
           </a:p>
@@ -16844,7 +16844,7 @@
           <a:p>
             <a:r>
               <a:rPr lang="en-US" dirty="0"/>
-              <a:t>*** Requires installation of OMG Technical Debt Measure (&gt;2.0.0 </a:t>
+              <a:t>ISO option is the recommended technical debt to be used. Requires installation of OMG Technical Debt Measure (&gt;2.0.0 </a:t>
             </a:r>
             <a:r>
               <a:rPr lang="en-US" dirty="0" err="1"/>
@@ -16852,15 +16852,14 @@
             </a:r>
             <a:r>
               <a:rPr lang="en-US" dirty="0"/>
-              <a:t>) (and ISO-5055 Index extensions and/or CISQ Index extensions)</a:t>
+              <a:t>) and ISO-5055 Index extensions during analysis</a:t>
             </a:r>
           </a:p>
           <a:p>
             <a:r>
               <a:rPr lang="en-US" dirty="0"/>
-              <a:t>To get results on Omg Technical Debt on a specific metric, add the axis "METRICS=M" where M is the index id (ISO, CISQ or AIP)</a:t>
-            </a:r>
-            <a:endParaRPr lang="en-GB" dirty="0"/>
+              <a:t>CISQ option required installation of OMG Technical Debt Measure and CISQ Index extensions during analysis. Scope of rules is reduced</a:t>
+            </a:r>
           </a:p>
           <a:p>
             <a:endParaRPr lang="en-US" dirty="0"/>
